--- a/presentations/ep1000_embedded2/ep1000_embedded2.pptx
+++ b/presentations/ep1000_embedded2/ep1000_embedded2.pptx
@@ -5,11 +5,11 @@
     <p:sldMasterId id="2147483660" r:id="rId1"/>
   </p:sldMasterIdLst>
   <p:notesMasterIdLst>
-    <p:notesMasterId r:id="rId22"/>
+    <p:notesMasterId r:id="rId19"/>
   </p:notesMasterIdLst>
   <p:sldIdLst>
     <p:sldId id="256" r:id="rId2"/>
-    <p:sldId id="274" r:id="rId3"/>
+    <p:sldId id="260" r:id="rId3"/>
     <p:sldId id="275" r:id="rId4"/>
     <p:sldId id="276" r:id="rId5"/>
     <p:sldId id="277" r:id="rId6"/>
@@ -24,10 +24,7 @@
     <p:sldId id="286" r:id="rId15"/>
     <p:sldId id="287" r:id="rId16"/>
     <p:sldId id="288" r:id="rId17"/>
-    <p:sldId id="289" r:id="rId18"/>
-    <p:sldId id="290" r:id="rId19"/>
-    <p:sldId id="291" r:id="rId20"/>
-    <p:sldId id="259" r:id="rId21"/>
+    <p:sldId id="259" r:id="rId18"/>
   </p:sldIdLst>
   <p:sldSz cx="9144000" cy="6858000" type="screen4x3"/>
   <p:notesSz cx="6858000" cy="9144000"/>
@@ -132,6 +129,14 @@
     </p:ext>
   </p:extLst>
 </p:presentation>
+</file>
+
+<file path=ppt/revisionInfo.xml><?xml version="1.0" encoding="utf-8"?>
+<p1510:revInfo xmlns:a="http://schemas.openxmlformats.org/drawingml/2006/main" xmlns:r="http://schemas.openxmlformats.org/officeDocument/2006/relationships" xmlns:p1510="http://schemas.microsoft.com/office/powerpoint/2015/10/main">
+  <p1510:revLst>
+    <p1510:client id="{17234563-E4A8-42FB-9C72-A1266AA7018E}" v="37" dt="2021-06-03T18:01:36.384"/>
+  </p1510:revLst>
+</p1510:revInfo>
 </file>
 
 <file path=ppt/notesMasters/notesMaster1.xml><?xml version="1.0" encoding="utf-8"?>
@@ -3567,7 +3572,14 @@
           <a:p>
             <a:r>
               <a:rPr lang="en-US" dirty="0"/>
-              <a:t>Digital I/O</a:t>
+              <a:t>Embedded Systems 2</a:t>
+            </a:r>
+            <a:br>
+              <a:rPr lang="en-US" dirty="0"/>
+            </a:br>
+            <a:r>
+              <a:rPr lang="en-US" dirty="0"/>
+              <a:t>Programming</a:t>
             </a:r>
             <a:endParaRPr lang="en-US" dirty="0">
               <a:solidFill>
@@ -3612,7 +3624,7 @@
           <p:cNvPr id="2" name="Title 1">
             <a:extLst>
               <a:ext uri="{FF2B5EF4-FFF2-40B4-BE49-F238E27FC236}">
-                <a16:creationId xmlns:a16="http://schemas.microsoft.com/office/drawing/2014/main" id="{D30CFFD0-96BA-4412-B094-A63BE3D24904}"/>
+                <a16:creationId xmlns:a16="http://schemas.microsoft.com/office/drawing/2014/main" id="{95CAF2AC-1350-420F-A58A-3E0C9E9C4429}"/>
               </a:ext>
             </a:extLst>
           </p:cNvPr>
@@ -3630,7 +3642,13 @@
           <a:p>
             <a:r>
               <a:rPr lang="en-SG" dirty="0"/>
-              <a:t>Problems with Mechanical Switches</a:t>
+              <a:t>Loop:  </a:t>
+            </a:r>
+            <a:r>
+              <a:rPr lang="en-SG" dirty="0">
+                <a:hlinkClick r:id="rId2"/>
+              </a:rPr>
+              <a:t>while</a:t>
             </a:r>
             <a:endParaRPr lang="en-US" dirty="0"/>
           </a:p>
@@ -3638,10 +3656,10 @@
       </p:sp>
       <p:sp>
         <p:nvSpPr>
-          <p:cNvPr id="4" name="Content Placeholder 3">
+          <p:cNvPr id="3" name="Content Placeholder 2">
             <a:extLst>
               <a:ext uri="{FF2B5EF4-FFF2-40B4-BE49-F238E27FC236}">
-                <a16:creationId xmlns:a16="http://schemas.microsoft.com/office/drawing/2014/main" id="{8BE07B79-5B70-42F9-8058-A2D52EC41EC5}"/>
+                <a16:creationId xmlns:a16="http://schemas.microsoft.com/office/drawing/2014/main" id="{B2C218FF-E8A7-48C6-AB13-62C861EF216D}"/>
               </a:ext>
             </a:extLst>
           </p:cNvPr>
@@ -3649,7 +3667,7 @@
             <a:spLocks noGrp="1"/>
           </p:cNvSpPr>
           <p:nvPr>
-            <p:ph sz="half" idx="2"/>
+            <p:ph sz="half" idx="1"/>
           </p:nvPr>
         </p:nvSpPr>
         <p:spPr/>
@@ -3659,45 +3677,37 @@
           <a:p>
             <a:r>
               <a:rPr lang="en-SG" sz="2000" dirty="0"/>
-              <a:t>When a mechanical switch is pressed, it creates transients (bouncing) which causes incorrect states to be read.</a:t>
-            </a:r>
-          </a:p>
-          <a:p>
+              <a:t>Tests conditional expression, if true the code block is executed.</a:t>
+            </a:r>
+          </a:p>
+          <a:p>
+            <a:r>
+              <a:rPr lang="en-SG" sz="2000" dirty="0" err="1">
+                <a:solidFill>
+                  <a:srgbClr val="FF0000"/>
+                </a:solidFill>
+              </a:rPr>
+              <a:t>Indefinte</a:t>
+            </a:r>
             <a:r>
               <a:rPr lang="en-SG" sz="2000" dirty="0"/>
-              <a:t>Solution:</a:t>
-            </a:r>
-          </a:p>
-          <a:p>
-            <a:pPr lvl="1"/>
-            <a:r>
-              <a:rPr lang="en-SG" sz="1800" dirty="0"/>
-              <a:t>Software debounce</a:t>
-            </a:r>
-          </a:p>
-          <a:p>
-            <a:pPr lvl="1"/>
-            <a:r>
-              <a:rPr lang="en-SG" sz="1800" dirty="0"/>
-              <a:t>Add a delay</a:t>
-            </a:r>
-          </a:p>
-          <a:p>
-            <a:pPr lvl="1"/>
-            <a:r>
-              <a:rPr lang="en-SG" sz="1800" dirty="0"/>
-              <a:t>Use states</a:t>
-            </a:r>
-            <a:endParaRPr lang="en-US" sz="1800" dirty="0"/>
-          </a:p>
-        </p:txBody>
-      </p:sp>
-      <p:sp>
-        <p:nvSpPr>
-          <p:cNvPr id="5" name="Slide Number Placeholder 4">
+              <a:t> loop, code block is executed zero, once or many times.</a:t>
+            </a:r>
+          </a:p>
+          <a:p>
+            <a:r>
+              <a:rPr lang="en-SG" sz="2000" dirty="0"/>
+              <a:t>If the condition results always in True, we have an endless loop.</a:t>
+            </a:r>
+          </a:p>
+        </p:txBody>
+      </p:sp>
+      <p:sp>
+        <p:nvSpPr>
+          <p:cNvPr id="4" name="Slide Number Placeholder 3">
             <a:extLst>
               <a:ext uri="{FF2B5EF4-FFF2-40B4-BE49-F238E27FC236}">
-                <a16:creationId xmlns:a16="http://schemas.microsoft.com/office/drawing/2014/main" id="{9262D127-3BDC-40EC-A366-12FBE70C8593}"/>
+                <a16:creationId xmlns:a16="http://schemas.microsoft.com/office/drawing/2014/main" id="{63C0D526-4D06-48E9-A2FB-D9AA33FD98CA}"/>
               </a:ext>
             </a:extLst>
           </p:cNvPr>
@@ -3723,65 +3733,39 @@
       </p:sp>
       <p:pic>
         <p:nvPicPr>
-          <p:cNvPr id="1026" name="Picture 2">
-            <a:hlinkClick r:id="rId2"/>
+          <p:cNvPr id="9" name="Content Placeholder 8">
             <a:extLst>
               <a:ext uri="{FF2B5EF4-FFF2-40B4-BE49-F238E27FC236}">
-                <a16:creationId xmlns:a16="http://schemas.microsoft.com/office/drawing/2014/main" id="{B1CFC913-471C-4621-B66F-F4D9B0E0DB4E}"/>
+                <a16:creationId xmlns:a16="http://schemas.microsoft.com/office/drawing/2014/main" id="{C78DFA33-8F61-4372-867E-92B542563F18}"/>
               </a:ext>
             </a:extLst>
           </p:cNvPr>
           <p:cNvPicPr>
-            <a:picLocks noGrp="1" noChangeAspect="1" noChangeArrowheads="1"/>
+            <a:picLocks noGrp="1" noChangeAspect="1"/>
           </p:cNvPicPr>
           <p:nvPr>
-            <p:ph sz="half" idx="1"/>
+            <p:ph sz="half" idx="2"/>
           </p:nvPr>
         </p:nvPicPr>
         <p:blipFill>
-          <a:blip r:embed="rId3">
-            <a:extLst>
-              <a:ext uri="{28A0092B-C50C-407E-A947-70E740481C1C}">
-                <a14:useLocalDpi xmlns:a14="http://schemas.microsoft.com/office/drawing/2010/main" val="0"/>
-              </a:ext>
-            </a:extLst>
-          </a:blip>
-          <a:srcRect/>
+          <a:blip r:embed="rId3"/>
           <a:stretch>
             <a:fillRect/>
           </a:stretch>
         </p:blipFill>
-        <p:spPr bwMode="auto">
+        <p:spPr>
           <a:xfrm>
-            <a:off x="628651" y="1825625"/>
-            <a:ext cx="3886200" cy="2401493"/>
+            <a:off x="4629150" y="1632219"/>
+            <a:ext cx="3886200" cy="2433862"/>
           </a:xfrm>
-          <a:prstGeom prst="rect">
-            <a:avLst/>
-          </a:prstGeom>
-          <a:noFill/>
-          <a:ln>
-            <a:solidFill>
-              <a:schemeClr val="tx1"/>
-            </a:solidFill>
-          </a:ln>
-          <a:extLst>
-            <a:ext uri="{909E8E84-426E-40DD-AFC4-6F175D3DCCD1}">
-              <a14:hiddenFill xmlns:a14="http://schemas.microsoft.com/office/drawing/2010/main">
-                <a:solidFill>
-                  <a:srgbClr val="FFFFFF"/>
-                </a:solidFill>
-              </a14:hiddenFill>
-            </a:ext>
-          </a:extLst>
         </p:spPr>
       </p:pic>
       <p:sp>
         <p:nvSpPr>
-          <p:cNvPr id="6" name="TextBox 5">
+          <p:cNvPr id="10" name="TextBox 9">
             <a:extLst>
               <a:ext uri="{FF2B5EF4-FFF2-40B4-BE49-F238E27FC236}">
-                <a16:creationId xmlns:a16="http://schemas.microsoft.com/office/drawing/2014/main" id="{2CD2FDCC-75C7-4A12-B868-B90E0A7014F6}"/>
+                <a16:creationId xmlns:a16="http://schemas.microsoft.com/office/drawing/2014/main" id="{6019EA0F-367A-449A-8A84-CBB561F29CEB}"/>
               </a:ext>
             </a:extLst>
           </p:cNvPr>
@@ -3790,8 +3774,8 @@
         </p:nvSpPr>
         <p:spPr>
           <a:xfrm>
-            <a:off x="514352" y="4227118"/>
-            <a:ext cx="2739596" cy="338554"/>
+            <a:off x="5484777" y="4246135"/>
+            <a:ext cx="3030573" cy="461665"/>
           </a:xfrm>
           <a:prstGeom prst="rect">
             <a:avLst/>
@@ -3806,10 +3790,21 @@
           <a:p>
             <a:pPr algn="l"/>
             <a:r>
-              <a:rPr lang="en-SG" sz="1600" dirty="0">
-                <a:hlinkClick r:id="rId2"/>
+              <a:rPr lang="en-SG" sz="1600" dirty="0"/>
+              <a:t>Loops a </a:t>
+            </a:r>
+            <a:r>
+              <a:rPr lang="en-SG" sz="2400" dirty="0">
+                <a:solidFill>
+                  <a:srgbClr val="FF0000"/>
+                </a:solidFill>
+                <a:latin typeface="Yanone Kaffeesatz Medium" pitchFamily="2" charset="0"/>
               </a:rPr>
-              <a:t>Software Debounce of buttons</a:t>
+              <a:t>0, 1 … n</a:t>
+            </a:r>
+            <a:r>
+              <a:rPr lang="en-SG" sz="1600" dirty="0"/>
+              <a:t> number of times</a:t>
             </a:r>
             <a:endParaRPr lang="en-US" sz="1600" dirty="0"/>
           </a:p>
@@ -3818,7 +3813,7 @@
     </p:spTree>
     <p:extLst>
       <p:ext uri="{BB962C8B-B14F-4D97-AF65-F5344CB8AC3E}">
-        <p14:creationId xmlns:p14="http://schemas.microsoft.com/office/powerpoint/2010/main" val="63774729"/>
+        <p14:creationId xmlns:p14="http://schemas.microsoft.com/office/powerpoint/2010/main" val="2164800942"/>
       </p:ext>
     </p:extLst>
   </p:cSld>
@@ -3850,7 +3845,7 @@
           <p:cNvPr id="2" name="Title 1">
             <a:extLst>
               <a:ext uri="{FF2B5EF4-FFF2-40B4-BE49-F238E27FC236}">
-                <a16:creationId xmlns:a16="http://schemas.microsoft.com/office/drawing/2014/main" id="{35A909FE-DF92-460D-9A67-0F2E92A87269}"/>
+                <a16:creationId xmlns:a16="http://schemas.microsoft.com/office/drawing/2014/main" id="{95CAF2AC-1350-420F-A58A-3E0C9E9C4429}"/>
               </a:ext>
             </a:extLst>
           </p:cNvPr>
@@ -3868,19 +3863,157 @@
           <a:p>
             <a:r>
               <a:rPr lang="en-SG" dirty="0"/>
-              <a:t>Counting with a Switch</a:t>
+              <a:t>Loop:  </a:t>
+            </a:r>
+            <a:r>
+              <a:rPr lang="en-SG" dirty="0">
+                <a:hlinkClick r:id="rId2"/>
+              </a:rPr>
+              <a:t>do … while</a:t>
             </a:r>
             <a:endParaRPr lang="en-US" dirty="0"/>
+          </a:p>
+        </p:txBody>
+      </p:sp>
+      <p:sp>
+        <p:nvSpPr>
+          <p:cNvPr id="3" name="Content Placeholder 2">
+            <a:extLst>
+              <a:ext uri="{FF2B5EF4-FFF2-40B4-BE49-F238E27FC236}">
+                <a16:creationId xmlns:a16="http://schemas.microsoft.com/office/drawing/2014/main" id="{B2C218FF-E8A7-48C6-AB13-62C861EF216D}"/>
+              </a:ext>
+            </a:extLst>
+          </p:cNvPr>
+          <p:cNvSpPr>
+            <a:spLocks noGrp="1"/>
+          </p:cNvSpPr>
+          <p:nvPr>
+            <p:ph sz="half" idx="1"/>
+          </p:nvPr>
+        </p:nvSpPr>
+        <p:spPr/>
+        <p:txBody>
+          <a:bodyPr/>
+          <a:lstStyle/>
+          <a:p>
+            <a:r>
+              <a:rPr lang="en-SG" sz="2000" dirty="0"/>
+              <a:t>Executes the code block before testing the conditional expression.</a:t>
+            </a:r>
+          </a:p>
+          <a:p>
+            <a:r>
+              <a:rPr lang="en-SG" sz="2000" dirty="0"/>
+              <a:t>If conditional expression is true the code block is repeated.</a:t>
+            </a:r>
+          </a:p>
+          <a:p>
+            <a:r>
+              <a:rPr lang="en-SG" sz="2000" dirty="0" err="1">
+                <a:solidFill>
+                  <a:srgbClr val="FF0000"/>
+                </a:solidFill>
+              </a:rPr>
+              <a:t>Indefinte</a:t>
+            </a:r>
+            <a:r>
+              <a:rPr lang="en-SG" sz="2000" dirty="0"/>
+              <a:t> loop, code block is executed once or many times.</a:t>
+            </a:r>
+          </a:p>
+          <a:p>
+            <a:r>
+              <a:rPr lang="en-SG" sz="2000" dirty="0"/>
+              <a:t>If the condition results always in True, we have an endless loop.</a:t>
+            </a:r>
+          </a:p>
+        </p:txBody>
+      </p:sp>
+      <p:sp>
+        <p:nvSpPr>
+          <p:cNvPr id="4" name="Slide Number Placeholder 3">
+            <a:extLst>
+              <a:ext uri="{FF2B5EF4-FFF2-40B4-BE49-F238E27FC236}">
+                <a16:creationId xmlns:a16="http://schemas.microsoft.com/office/drawing/2014/main" id="{63C0D526-4D06-48E9-A2FB-D9AA33FD98CA}"/>
+              </a:ext>
+            </a:extLst>
+          </p:cNvPr>
+          <p:cNvSpPr>
+            <a:spLocks noGrp="1"/>
+          </p:cNvSpPr>
+          <p:nvPr>
+            <p:ph type="sldNum" sz="quarter" idx="12"/>
+          </p:nvPr>
+        </p:nvSpPr>
+        <p:spPr/>
+        <p:txBody>
+          <a:bodyPr/>
+          <a:lstStyle/>
+          <a:p>
+            <a:fld id="{CAB166B3-F268-4CEF-878A-CFB0D0D505D3}" type="slidenum">
+              <a:rPr lang="en-US" smtClean="0"/>
+              <a:t>11</a:t>
+            </a:fld>
+            <a:endParaRPr lang="en-US"/>
+          </a:p>
+        </p:txBody>
+      </p:sp>
+      <p:sp>
+        <p:nvSpPr>
+          <p:cNvPr id="10" name="TextBox 9">
+            <a:extLst>
+              <a:ext uri="{FF2B5EF4-FFF2-40B4-BE49-F238E27FC236}">
+                <a16:creationId xmlns:a16="http://schemas.microsoft.com/office/drawing/2014/main" id="{6019EA0F-367A-449A-8A84-CBB561F29CEB}"/>
+              </a:ext>
+            </a:extLst>
+          </p:cNvPr>
+          <p:cNvSpPr txBox="1"/>
+          <p:nvPr/>
+        </p:nvSpPr>
+        <p:spPr>
+          <a:xfrm>
+            <a:off x="5484777" y="4767343"/>
+            <a:ext cx="2799741" cy="461665"/>
+          </a:xfrm>
+          <a:prstGeom prst="rect">
+            <a:avLst/>
+          </a:prstGeom>
+          <a:noFill/>
+        </p:spPr>
+        <p:txBody>
+          <a:bodyPr wrap="none" rtlCol="0">
+            <a:spAutoFit/>
+          </a:bodyPr>
+          <a:lstStyle/>
+          <a:p>
+            <a:pPr algn="l"/>
+            <a:r>
+              <a:rPr lang="en-SG" sz="1600" dirty="0"/>
+              <a:t>Loops a </a:t>
+            </a:r>
+            <a:r>
+              <a:rPr lang="en-SG" sz="2400" dirty="0">
+                <a:solidFill>
+                  <a:srgbClr val="FF0000"/>
+                </a:solidFill>
+                <a:latin typeface="Yanone Kaffeesatz Medium" pitchFamily="2" charset="0"/>
+              </a:rPr>
+              <a:t>1 … n</a:t>
+            </a:r>
+            <a:r>
+              <a:rPr lang="en-SG" sz="1600" dirty="0"/>
+              <a:t> number of times</a:t>
+            </a:r>
+            <a:endParaRPr lang="en-US" sz="1600" dirty="0"/>
           </a:p>
         </p:txBody>
       </p:sp>
       <p:pic>
         <p:nvPicPr>
-          <p:cNvPr id="7" name="Content Placeholder 6">
-            <a:hlinkClick r:id="rId2"/>
+          <p:cNvPr id="8" name="Content Placeholder 7">
             <a:extLst>
               <a:ext uri="{FF2B5EF4-FFF2-40B4-BE49-F238E27FC236}">
-                <a16:creationId xmlns:a16="http://schemas.microsoft.com/office/drawing/2014/main" id="{6C5B6C85-4675-413F-9F23-1406471AF1DA}"/>
+                <a16:creationId xmlns:a16="http://schemas.microsoft.com/office/drawing/2014/main" id="{D06B03EC-260C-4CF4-A646-049D805A0E92}"/>
               </a:ext>
             </a:extLst>
           </p:cNvPr>
@@ -3888,7 +4021,7 @@
             <a:picLocks noGrp="1" noChangeAspect="1"/>
           </p:cNvPicPr>
           <p:nvPr>
-            <p:ph sz="half" idx="1"/>
+            <p:ph sz="half" idx="2"/>
           </p:nvPr>
         </p:nvPicPr>
         <p:blipFill>
@@ -3899,151 +4032,15 @@
         </p:blipFill>
         <p:spPr>
           <a:xfrm>
-            <a:off x="628650" y="1796152"/>
-            <a:ext cx="3886200" cy="3743534"/>
+            <a:off x="4629150" y="1757264"/>
+            <a:ext cx="3886200" cy="3006731"/>
           </a:xfrm>
         </p:spPr>
       </p:pic>
-      <p:sp>
-        <p:nvSpPr>
-          <p:cNvPr id="4" name="Content Placeholder 3">
-            <a:extLst>
-              <a:ext uri="{FF2B5EF4-FFF2-40B4-BE49-F238E27FC236}">
-                <a16:creationId xmlns:a16="http://schemas.microsoft.com/office/drawing/2014/main" id="{DFA22A7F-99FF-431F-A84A-6E313C117D3B}"/>
-              </a:ext>
-            </a:extLst>
-          </p:cNvPr>
-          <p:cNvSpPr>
-            <a:spLocks noGrp="1"/>
-          </p:cNvSpPr>
-          <p:nvPr>
-            <p:ph sz="half" idx="2"/>
-          </p:nvPr>
-        </p:nvSpPr>
-        <p:spPr/>
-        <p:txBody>
-          <a:bodyPr/>
-          <a:lstStyle/>
-          <a:p>
-            <a:r>
-              <a:rPr lang="en-SG" sz="2000" dirty="0"/>
-              <a:t>PBSW uses internal pullup resistor.</a:t>
-            </a:r>
-          </a:p>
-          <a:p>
-            <a:r>
-              <a:rPr lang="en-SG" sz="2000" dirty="0"/>
-              <a:t>Each time the switch is pressed, the count is incremented.</a:t>
-            </a:r>
-            <a:br>
-              <a:rPr lang="en-SG" sz="2000" dirty="0"/>
-            </a:br>
-            <a:r>
-              <a:rPr lang="en-SG" sz="2000" dirty="0"/>
-              <a:t>The LEDs should show the binary equivalent of the count</a:t>
-            </a:r>
-          </a:p>
-          <a:p>
-            <a:r>
-              <a:rPr lang="en-SG" sz="2000" dirty="0"/>
-              <a:t>Sequence:</a:t>
-            </a:r>
-            <a:br>
-              <a:rPr lang="en-SG" sz="2000" dirty="0"/>
-            </a:br>
-            <a:r>
-              <a:rPr lang="en-SG" sz="2000" dirty="0"/>
-              <a:t>	--,  -R,  G-,  GR</a:t>
-            </a:r>
-            <a:br>
-              <a:rPr lang="en-SG" sz="2000" dirty="0"/>
-            </a:br>
-            <a:r>
-              <a:rPr lang="en-SG" sz="2000" dirty="0"/>
-              <a:t>	repeats</a:t>
-            </a:r>
-          </a:p>
-          <a:p>
-            <a:r>
-              <a:rPr lang="en-SG" sz="2000" dirty="0"/>
-              <a:t>Simulate and examine result, does it work as stipulated?</a:t>
-            </a:r>
-            <a:endParaRPr lang="en-US" sz="2000" dirty="0"/>
-          </a:p>
-        </p:txBody>
-      </p:sp>
-      <p:sp>
-        <p:nvSpPr>
-          <p:cNvPr id="5" name="Slide Number Placeholder 4">
-            <a:extLst>
-              <a:ext uri="{FF2B5EF4-FFF2-40B4-BE49-F238E27FC236}">
-                <a16:creationId xmlns:a16="http://schemas.microsoft.com/office/drawing/2014/main" id="{FE41FAB4-2DF7-4518-8C87-8DB0E14DB5DC}"/>
-              </a:ext>
-            </a:extLst>
-          </p:cNvPr>
-          <p:cNvSpPr>
-            <a:spLocks noGrp="1"/>
-          </p:cNvSpPr>
-          <p:nvPr>
-            <p:ph type="sldNum" sz="quarter" idx="12"/>
-          </p:nvPr>
-        </p:nvSpPr>
-        <p:spPr/>
-        <p:txBody>
-          <a:bodyPr/>
-          <a:lstStyle/>
-          <a:p>
-            <a:fld id="{CAB166B3-F268-4CEF-878A-CFB0D0D505D3}" type="slidenum">
-              <a:rPr lang="en-US" smtClean="0"/>
-              <a:t>11</a:t>
-            </a:fld>
-            <a:endParaRPr lang="en-US"/>
-          </a:p>
-        </p:txBody>
-      </p:sp>
-      <p:sp>
-        <p:nvSpPr>
-          <p:cNvPr id="8" name="TextBox 7">
-            <a:extLst>
-              <a:ext uri="{FF2B5EF4-FFF2-40B4-BE49-F238E27FC236}">
-                <a16:creationId xmlns:a16="http://schemas.microsoft.com/office/drawing/2014/main" id="{6E3E6AB7-0AE8-41F0-9008-10F815A5B2CE}"/>
-              </a:ext>
-            </a:extLst>
-          </p:cNvPr>
-          <p:cNvSpPr txBox="1"/>
-          <p:nvPr/>
-        </p:nvSpPr>
-        <p:spPr>
-          <a:xfrm>
-            <a:off x="2626704" y="5645149"/>
-            <a:ext cx="1888146" cy="307777"/>
-          </a:xfrm>
-          <a:prstGeom prst="rect">
-            <a:avLst/>
-          </a:prstGeom>
-          <a:noFill/>
-        </p:spPr>
-        <p:txBody>
-          <a:bodyPr wrap="none" rtlCol="0">
-            <a:spAutoFit/>
-          </a:bodyPr>
-          <a:lstStyle/>
-          <a:p>
-            <a:pPr algn="l"/>
-            <a:r>
-              <a:rPr lang="en-SG" sz="1400" dirty="0">
-                <a:hlinkClick r:id="rId2"/>
-              </a:rPr>
-              <a:t>Counting With a Switch</a:t>
-            </a:r>
-            <a:endParaRPr lang="en-US" sz="1400" dirty="0"/>
-          </a:p>
-        </p:txBody>
-      </p:sp>
     </p:spTree>
     <p:extLst>
       <p:ext uri="{BB962C8B-B14F-4D97-AF65-F5344CB8AC3E}">
-        <p14:creationId xmlns:p14="http://schemas.microsoft.com/office/powerpoint/2010/main" val="2791676471"/>
+        <p14:creationId xmlns:p14="http://schemas.microsoft.com/office/powerpoint/2010/main" val="717069281"/>
       </p:ext>
     </p:extLst>
   </p:cSld>
@@ -4075,7 +4072,7 @@
           <p:cNvPr id="2" name="Title 1">
             <a:extLst>
               <a:ext uri="{FF2B5EF4-FFF2-40B4-BE49-F238E27FC236}">
-                <a16:creationId xmlns:a16="http://schemas.microsoft.com/office/drawing/2014/main" id="{ABA22FBE-84B1-4209-A32D-F526C9AEAA43}"/>
+                <a16:creationId xmlns:a16="http://schemas.microsoft.com/office/drawing/2014/main" id="{EC416790-184A-4125-9B23-EDBC6FB6DA7A}"/>
               </a:ext>
             </a:extLst>
           </p:cNvPr>
@@ -4093,49 +4090,108 @@
           <a:p>
             <a:r>
               <a:rPr lang="en-SG" dirty="0"/>
-              <a:t>Code: Counting with a switch</a:t>
+              <a:t>Control: </a:t>
+            </a:r>
+            <a:r>
+              <a:rPr lang="en-SG" dirty="0">
+                <a:hlinkClick r:id="rId2"/>
+              </a:rPr>
+              <a:t>break</a:t>
             </a:r>
             <a:endParaRPr lang="en-US" dirty="0"/>
+          </a:p>
+        </p:txBody>
+      </p:sp>
+      <p:sp>
+        <p:nvSpPr>
+          <p:cNvPr id="3" name="Content Placeholder 2">
+            <a:extLst>
+              <a:ext uri="{FF2B5EF4-FFF2-40B4-BE49-F238E27FC236}">
+                <a16:creationId xmlns:a16="http://schemas.microsoft.com/office/drawing/2014/main" id="{D2E12896-C9E6-4388-A19C-101073A6CB8B}"/>
+              </a:ext>
+            </a:extLst>
+          </p:cNvPr>
+          <p:cNvSpPr>
+            <a:spLocks noGrp="1"/>
+          </p:cNvSpPr>
+          <p:nvPr>
+            <p:ph sz="half" idx="1"/>
+          </p:nvPr>
+        </p:nvSpPr>
+        <p:spPr/>
+        <p:txBody>
+          <a:bodyPr/>
+          <a:lstStyle/>
+          <a:p>
+            <a:r>
+              <a:rPr lang="en-SG" sz="2400" dirty="0"/>
+              <a:t>When used in a loop, </a:t>
+            </a:r>
+            <a:r>
+              <a:rPr lang="en-SG" sz="2400" dirty="0">
+                <a:solidFill>
+                  <a:srgbClr val="FF0000"/>
+                </a:solidFill>
+                <a:latin typeface="Yanone Kaffeesatz Medium" pitchFamily="2" charset="0"/>
+              </a:rPr>
+              <a:t>break</a:t>
+            </a:r>
+            <a:r>
+              <a:rPr lang="en-SG" sz="2400" dirty="0"/>
+              <a:t> exits the loop, control transfers to next statement after loop.</a:t>
+            </a:r>
+          </a:p>
+          <a:p>
+            <a:r>
+              <a:rPr lang="en-SG" sz="2400" dirty="0">
+                <a:solidFill>
+                  <a:srgbClr val="FF0000"/>
+                </a:solidFill>
+                <a:latin typeface="Yanone Kaffeesatz Medium" pitchFamily="2" charset="0"/>
+              </a:rPr>
+              <a:t>break</a:t>
+            </a:r>
+            <a:r>
+              <a:rPr lang="en-SG" sz="2400" dirty="0"/>
+              <a:t> is also used to transfer control out of a matching case in a switch statement.</a:t>
+            </a:r>
+          </a:p>
+          <a:p>
+            <a:r>
+              <a:rPr lang="en-SG" sz="2400" dirty="0"/>
+              <a:t>Control: </a:t>
+            </a:r>
+            <a:r>
+              <a:rPr lang="en-SG" sz="2400" dirty="0">
+                <a:solidFill>
+                  <a:srgbClr val="FF0000"/>
+                </a:solidFill>
+                <a:latin typeface="Yanone Kaffeesatz Medium" pitchFamily="2" charset="0"/>
+                <a:hlinkClick r:id="rId3"/>
+              </a:rPr>
+              <a:t>continue</a:t>
+            </a:r>
+            <a:r>
+              <a:rPr lang="en-SG" sz="2400" dirty="0"/>
+              <a:t> ignores the remaining statements and transfers control to the loop condition.</a:t>
+            </a:r>
+            <a:br>
+              <a:rPr lang="en-SG" sz="2400" dirty="0"/>
+            </a:br>
+            <a:r>
+              <a:rPr lang="en-SG" sz="2400" dirty="0"/>
+              <a:t>(not commonly used)</a:t>
+            </a:r>
+            <a:endParaRPr lang="en-US" sz="2400" dirty="0"/>
           </a:p>
         </p:txBody>
       </p:sp>
       <p:pic>
         <p:nvPicPr>
           <p:cNvPr id="7" name="Content Placeholder 6">
-            <a:hlinkClick r:id="rId2"/>
             <a:extLst>
               <a:ext uri="{FF2B5EF4-FFF2-40B4-BE49-F238E27FC236}">
-                <a16:creationId xmlns:a16="http://schemas.microsoft.com/office/drawing/2014/main" id="{5C8B3F26-C129-4152-8F01-3506B0402510}"/>
-              </a:ext>
-            </a:extLst>
-          </p:cNvPr>
-          <p:cNvPicPr>
-            <a:picLocks noGrp="1" noChangeAspect="1"/>
-          </p:cNvPicPr>
-          <p:nvPr>
-            <p:ph sz="half" idx="1"/>
-          </p:nvPr>
-        </p:nvPicPr>
-        <p:blipFill>
-          <a:blip r:embed="rId3"/>
-          <a:stretch>
-            <a:fillRect/>
-          </a:stretch>
-        </p:blipFill>
-        <p:spPr>
-          <a:xfrm>
-            <a:off x="628650" y="1800411"/>
-            <a:ext cx="3886200" cy="3658815"/>
-          </a:xfrm>
-        </p:spPr>
-      </p:pic>
-      <p:pic>
-        <p:nvPicPr>
-          <p:cNvPr id="9" name="Content Placeholder 8">
-            <a:hlinkClick r:id="rId2"/>
-            <a:extLst>
-              <a:ext uri="{FF2B5EF4-FFF2-40B4-BE49-F238E27FC236}">
-                <a16:creationId xmlns:a16="http://schemas.microsoft.com/office/drawing/2014/main" id="{C2993784-66A4-4DE5-9C46-2D85FF4CFBEA}"/>
+                <a16:creationId xmlns:a16="http://schemas.microsoft.com/office/drawing/2014/main" id="{B1CB712F-F9F6-4CDF-BD4D-DC4A334689DC}"/>
               </a:ext>
             </a:extLst>
           </p:cNvPr>
@@ -4154,8 +4210,8 @@
         </p:blipFill>
         <p:spPr>
           <a:xfrm>
-            <a:off x="4742998" y="1825625"/>
-            <a:ext cx="3658503" cy="4351338"/>
+            <a:off x="4781550" y="1817592"/>
+            <a:ext cx="3581400" cy="3343275"/>
           </a:xfrm>
         </p:spPr>
       </p:pic>
@@ -4164,7 +4220,7 @@
           <p:cNvPr id="5" name="Slide Number Placeholder 4">
             <a:extLst>
               <a:ext uri="{FF2B5EF4-FFF2-40B4-BE49-F238E27FC236}">
-                <a16:creationId xmlns:a16="http://schemas.microsoft.com/office/drawing/2014/main" id="{E048FABC-9BFB-412F-8EBC-7AD62E444DAB}"/>
+                <a16:creationId xmlns:a16="http://schemas.microsoft.com/office/drawing/2014/main" id="{F6CB88DE-3343-4279-A719-3D7B586D5F7B}"/>
               </a:ext>
             </a:extLst>
           </p:cNvPr>
@@ -4188,55 +4244,10 @@
           </a:p>
         </p:txBody>
       </p:sp>
-      <p:sp>
-        <p:nvSpPr>
-          <p:cNvPr id="10" name="TextBox 9">
-            <a:extLst>
-              <a:ext uri="{FF2B5EF4-FFF2-40B4-BE49-F238E27FC236}">
-                <a16:creationId xmlns:a16="http://schemas.microsoft.com/office/drawing/2014/main" id="{D89E9526-510A-4345-B9DC-92198DDCD994}"/>
-              </a:ext>
-            </a:extLst>
-          </p:cNvPr>
-          <p:cNvSpPr txBox="1"/>
-          <p:nvPr/>
-        </p:nvSpPr>
-        <p:spPr>
-          <a:xfrm>
-            <a:off x="2308481" y="5869186"/>
-            <a:ext cx="2320443" cy="307777"/>
-          </a:xfrm>
-          <a:prstGeom prst="rect">
-            <a:avLst/>
-          </a:prstGeom>
-          <a:noFill/>
-        </p:spPr>
-        <p:txBody>
-          <a:bodyPr wrap="none" rtlCol="0">
-            <a:spAutoFit/>
-          </a:bodyPr>
-          <a:lstStyle/>
-          <a:p>
-            <a:pPr algn="l"/>
-            <a:r>
-              <a:rPr lang="en-SG" sz="1400" b="1" dirty="0">
-                <a:solidFill>
-                  <a:srgbClr val="FF0000"/>
-                </a:solidFill>
-              </a:rPr>
-              <a:t>How do we debug this code?</a:t>
-            </a:r>
-            <a:endParaRPr lang="en-US" sz="1400" b="1" dirty="0">
-              <a:solidFill>
-                <a:srgbClr val="FF0000"/>
-              </a:solidFill>
-            </a:endParaRPr>
-          </a:p>
-        </p:txBody>
-      </p:sp>
     </p:spTree>
     <p:extLst>
       <p:ext uri="{BB962C8B-B14F-4D97-AF65-F5344CB8AC3E}">
-        <p14:creationId xmlns:p14="http://schemas.microsoft.com/office/powerpoint/2010/main" val="2922552343"/>
+        <p14:creationId xmlns:p14="http://schemas.microsoft.com/office/powerpoint/2010/main" val="1567154360"/>
       </p:ext>
     </p:extLst>
   </p:cSld>
@@ -4268,7 +4279,7 @@
           <p:cNvPr id="2" name="Title 1">
             <a:extLst>
               <a:ext uri="{FF2B5EF4-FFF2-40B4-BE49-F238E27FC236}">
-                <a16:creationId xmlns:a16="http://schemas.microsoft.com/office/drawing/2014/main" id="{AB4F3B9F-B51E-4EE7-994B-D971AAA8B232}"/>
+                <a16:creationId xmlns:a16="http://schemas.microsoft.com/office/drawing/2014/main" id="{8DBCB48E-BA7F-49CA-BC2F-844B55E6B7DB}"/>
               </a:ext>
             </a:extLst>
           </p:cNvPr>
@@ -4286,7 +4297,7 @@
           <a:p>
             <a:r>
               <a:rPr lang="en-SG" dirty="0"/>
-              <a:t>Arduino Serial Mode</a:t>
+              <a:t>Functions</a:t>
             </a:r>
             <a:endParaRPr lang="en-US" dirty="0"/>
           </a:p>
@@ -4294,10 +4305,10 @@
       </p:sp>
       <p:sp>
         <p:nvSpPr>
-          <p:cNvPr id="6" name="Content Placeholder 5">
+          <p:cNvPr id="3" name="Content Placeholder 2">
             <a:extLst>
               <a:ext uri="{FF2B5EF4-FFF2-40B4-BE49-F238E27FC236}">
-                <a16:creationId xmlns:a16="http://schemas.microsoft.com/office/drawing/2014/main" id="{2655537D-7F86-4293-8A02-6F796E3BB464}"/>
+                <a16:creationId xmlns:a16="http://schemas.microsoft.com/office/drawing/2014/main" id="{00F0E609-DF4B-4ABF-B5A1-71CFA2E28A46}"/>
               </a:ext>
             </a:extLst>
           </p:cNvPr>
@@ -4305,7 +4316,7 @@
             <a:spLocks noGrp="1"/>
           </p:cNvSpPr>
           <p:nvPr>
-            <p:ph idx="1"/>
+            <p:ph sz="half" idx="1"/>
           </p:nvPr>
         </p:nvSpPr>
         <p:spPr/>
@@ -4314,70 +4325,72 @@
           <a:lstStyle/>
           <a:p>
             <a:r>
-              <a:rPr lang="en-SG" dirty="0"/>
-              <a:t>The Arduino System provides a Serial Mode for displaying text messages.</a:t>
-            </a:r>
-          </a:p>
-          <a:p>
-            <a:r>
-              <a:rPr lang="en-SG" dirty="0"/>
-              <a:t>Uses the Uno’s serial port to transmit data to and from the board to the IDE</a:t>
-            </a:r>
-          </a:p>
-          <a:p>
-            <a:r>
-              <a:rPr lang="en-SG" dirty="0"/>
-              <a:t>Allows data to be displayed in text as well as in graphical format.</a:t>
-            </a:r>
-          </a:p>
-          <a:p>
-            <a:r>
-              <a:rPr lang="en-SG" dirty="0"/>
-              <a:t>Uses the Arduino Built-in library: </a:t>
-            </a:r>
-            <a:r>
-              <a:rPr lang="en-SG" dirty="0">
-                <a:hlinkClick r:id="rId2"/>
+              <a:rPr lang="en-SG" sz="2400" dirty="0"/>
+              <a:t>A function is identified using ()</a:t>
+            </a:r>
+          </a:p>
+          <a:p>
+            <a:r>
+              <a:rPr lang="en-SG" sz="2400" dirty="0"/>
+              <a:t>A function is a block of code that can accept parameters.</a:t>
+            </a:r>
+          </a:p>
+          <a:p>
+            <a:r>
+              <a:rPr lang="en-SG" sz="2400" dirty="0"/>
+              <a:t>Executes the code when called, returns a single value as it’s name.</a:t>
+            </a:r>
+          </a:p>
+          <a:p>
+            <a:r>
+              <a:rPr lang="en-SG" sz="2400" dirty="0">
+                <a:latin typeface="Yanone Kaffeesatz Medium" pitchFamily="2" charset="0"/>
               </a:rPr>
-              <a:t>Serial</a:t>
-            </a:r>
-            <a:endParaRPr lang="en-SG" dirty="0"/>
-          </a:p>
-          <a:p>
-            <a:r>
-              <a:rPr lang="en-SG" dirty="0"/>
-              <a:t>When using Serial, you must </a:t>
-            </a:r>
-            <a:r>
-              <a:rPr lang="en-SG" dirty="0">
-                <a:solidFill>
-                  <a:srgbClr val="FF0000"/>
-                </a:solidFill>
-              </a:rPr>
-              <a:t>not</a:t>
-            </a:r>
-            <a:r>
-              <a:rPr lang="en-SG" dirty="0"/>
-              <a:t> use the </a:t>
-            </a:r>
-            <a:r>
-              <a:rPr lang="en-SG" dirty="0" err="1"/>
-              <a:t>Tx,Rx</a:t>
-            </a:r>
-            <a:r>
-              <a:rPr lang="en-SG" dirty="0"/>
-              <a:t> pins for any I/O.</a:t>
-            </a:r>
-            <a:endParaRPr lang="en-US" dirty="0"/>
-          </a:p>
-        </p:txBody>
-      </p:sp>
+              <a:t>return</a:t>
+            </a:r>
+            <a:r>
+              <a:rPr lang="en-SG" sz="2400" dirty="0"/>
+              <a:t> is used to return the value in the indicated data type.</a:t>
+            </a:r>
+            <a:endParaRPr lang="en-US" sz="2400" dirty="0"/>
+          </a:p>
+        </p:txBody>
+      </p:sp>
+      <p:pic>
+        <p:nvPicPr>
+          <p:cNvPr id="7" name="Content Placeholder 6">
+            <a:extLst>
+              <a:ext uri="{FF2B5EF4-FFF2-40B4-BE49-F238E27FC236}">
+                <a16:creationId xmlns:a16="http://schemas.microsoft.com/office/drawing/2014/main" id="{BAA3C167-EE24-4899-AEF0-A3B152B85126}"/>
+              </a:ext>
+            </a:extLst>
+          </p:cNvPr>
+          <p:cNvPicPr>
+            <a:picLocks noGrp="1" noChangeAspect="1"/>
+          </p:cNvPicPr>
+          <p:nvPr>
+            <p:ph sz="half" idx="2"/>
+          </p:nvPr>
+        </p:nvPicPr>
+        <p:blipFill>
+          <a:blip r:embed="rId2"/>
+          <a:stretch>
+            <a:fillRect/>
+          </a:stretch>
+        </p:blipFill>
+        <p:spPr>
+          <a:xfrm>
+            <a:off x="4629150" y="1817856"/>
+            <a:ext cx="3886200" cy="3946251"/>
+          </a:xfrm>
+        </p:spPr>
+      </p:pic>
       <p:sp>
         <p:nvSpPr>
           <p:cNvPr id="5" name="Slide Number Placeholder 4">
             <a:extLst>
               <a:ext uri="{FF2B5EF4-FFF2-40B4-BE49-F238E27FC236}">
-                <a16:creationId xmlns:a16="http://schemas.microsoft.com/office/drawing/2014/main" id="{74D34986-FCD4-4618-B9FE-E568D45525F9}"/>
+                <a16:creationId xmlns:a16="http://schemas.microsoft.com/office/drawing/2014/main" id="{AB77F8BB-EE45-46FC-B954-A6285D864120}"/>
               </a:ext>
             </a:extLst>
           </p:cNvPr>
@@ -4404,7 +4417,7 @@
     </p:spTree>
     <p:extLst>
       <p:ext uri="{BB962C8B-B14F-4D97-AF65-F5344CB8AC3E}">
-        <p14:creationId xmlns:p14="http://schemas.microsoft.com/office/powerpoint/2010/main" val="1433676810"/>
+        <p14:creationId xmlns:p14="http://schemas.microsoft.com/office/powerpoint/2010/main" val="260262511"/>
       </p:ext>
     </p:extLst>
   </p:cSld>
@@ -4436,7 +4449,7 @@
           <p:cNvPr id="2" name="Title 1">
             <a:extLst>
               <a:ext uri="{FF2B5EF4-FFF2-40B4-BE49-F238E27FC236}">
-                <a16:creationId xmlns:a16="http://schemas.microsoft.com/office/drawing/2014/main" id="{DC7BE231-9653-4AA5-803F-8605531A06B5}"/>
+                <a16:creationId xmlns:a16="http://schemas.microsoft.com/office/drawing/2014/main" id="{5F379D2F-F338-4CDE-90B0-9742F7558CB8}"/>
               </a:ext>
             </a:extLst>
           </p:cNvPr>
@@ -4453,159 +4466,80 @@
           <a:lstStyle/>
           <a:p>
             <a:r>
-              <a:rPr lang="en-SG" dirty="0">
-                <a:hlinkClick r:id="rId2"/>
-              </a:rPr>
-              <a:t>Serial</a:t>
-            </a:r>
-            <a:r>
               <a:rPr lang="en-SG" dirty="0"/>
-              <a:t> Library</a:t>
+              <a:t>Class</a:t>
             </a:r>
             <a:endParaRPr lang="en-US" dirty="0"/>
           </a:p>
         </p:txBody>
       </p:sp>
-      <p:pic>
-        <p:nvPicPr>
-          <p:cNvPr id="10" name="Content Placeholder 9">
+      <p:sp>
+        <p:nvSpPr>
+          <p:cNvPr id="3" name="Content Placeholder 2">
             <a:extLst>
               <a:ext uri="{FF2B5EF4-FFF2-40B4-BE49-F238E27FC236}">
-                <a16:creationId xmlns:a16="http://schemas.microsoft.com/office/drawing/2014/main" id="{845C54D0-AF45-4DD6-A4E1-0D24BA7B0F6D}"/>
+                <a16:creationId xmlns:a16="http://schemas.microsoft.com/office/drawing/2014/main" id="{0AA237EA-5A83-408A-95B9-3D41221E488C}"/>
               </a:ext>
             </a:extLst>
           </p:cNvPr>
-          <p:cNvPicPr>
-            <a:picLocks noGrp="1" noChangeAspect="1"/>
-          </p:cNvPicPr>
-          <p:nvPr>
-            <p:ph sz="half" idx="1"/>
-          </p:nvPr>
-        </p:nvPicPr>
-        <p:blipFill>
-          <a:blip r:embed="rId3"/>
-          <a:stretch>
-            <a:fillRect/>
-          </a:stretch>
-        </p:blipFill>
-        <p:spPr>
-          <a:xfrm>
-            <a:off x="576135" y="1384013"/>
-            <a:ext cx="3060917" cy="4792950"/>
-          </a:xfrm>
-        </p:spPr>
-      </p:pic>
-      <p:sp>
-        <p:nvSpPr>
-          <p:cNvPr id="6" name="Content Placeholder 5">
+          <p:cNvSpPr>
+            <a:spLocks noGrp="1"/>
+          </p:cNvSpPr>
+          <p:nvPr>
+            <p:ph idx="1"/>
+          </p:nvPr>
+        </p:nvSpPr>
+        <p:spPr/>
+        <p:txBody>
+          <a:bodyPr/>
+          <a:lstStyle/>
+          <a:p>
+            <a:r>
+              <a:rPr lang="en-SG" sz="2400" dirty="0"/>
+              <a:t>A user-defined data type that is used to create objects.</a:t>
+            </a:r>
+          </a:p>
+          <a:p>
+            <a:r>
+              <a:rPr lang="en-SG" sz="2400" dirty="0"/>
+              <a:t>An object has</a:t>
+            </a:r>
+          </a:p>
+          <a:p>
+            <a:pPr lvl="1"/>
+            <a:r>
+              <a:rPr lang="en-SG" sz="2000" dirty="0"/>
+              <a:t>attributes (constants, variables)</a:t>
+            </a:r>
+          </a:p>
+          <a:p>
+            <a:pPr lvl="1"/>
+            <a:r>
+              <a:rPr lang="en-SG" sz="2000" dirty="0"/>
+              <a:t>methods (functions)</a:t>
+            </a:r>
+          </a:p>
+          <a:p>
+            <a:r>
+              <a:rPr lang="en-SG" sz="2400" dirty="0"/>
+              <a:t>An object’s attributes and methods are accessed using the dot (.) operator</a:t>
+            </a:r>
+          </a:p>
+          <a:p>
+            <a:r>
+              <a:rPr lang="en-SG" sz="2400" dirty="0"/>
+              <a:t>Classes are predominantly used in code libraries</a:t>
+            </a:r>
+            <a:endParaRPr lang="en-US" sz="2400" dirty="0"/>
+          </a:p>
+        </p:txBody>
+      </p:sp>
+      <p:sp>
+        <p:nvSpPr>
+          <p:cNvPr id="5" name="Slide Number Placeholder 4">
             <a:extLst>
               <a:ext uri="{FF2B5EF4-FFF2-40B4-BE49-F238E27FC236}">
-                <a16:creationId xmlns:a16="http://schemas.microsoft.com/office/drawing/2014/main" id="{B2E122D8-21BB-4796-A62C-F28F59545BBF}"/>
-              </a:ext>
-            </a:extLst>
-          </p:cNvPr>
-          <p:cNvSpPr>
-            <a:spLocks noGrp="1"/>
-          </p:cNvSpPr>
-          <p:nvPr>
-            <p:ph sz="half" idx="2"/>
-          </p:nvPr>
-        </p:nvSpPr>
-        <p:spPr>
-          <a:xfrm>
-            <a:off x="3811712" y="1384013"/>
-            <a:ext cx="4703638" cy="4792950"/>
-          </a:xfrm>
-        </p:spPr>
-        <p:txBody>
-          <a:bodyPr/>
-          <a:lstStyle/>
-          <a:p>
-            <a:r>
-              <a:rPr lang="en-SG" sz="1800" dirty="0"/>
-              <a:t>Use Serial to display the count value from a sketch.  The sketch updates the count value and flashes an LED with a delay of 1 second between flashes.</a:t>
-            </a:r>
-          </a:p>
-          <a:p>
-            <a:r>
-              <a:rPr lang="en-SG" sz="2400" dirty="0" err="1">
-                <a:latin typeface="Yanone Kaffeesatz Medium" pitchFamily="2" charset="0"/>
-                <a:hlinkClick r:id="rId4"/>
-              </a:rPr>
-              <a:t>Serial.begin</a:t>
-            </a:r>
-            <a:r>
-              <a:rPr lang="en-SG" sz="2400" dirty="0">
-                <a:latin typeface="Yanone Kaffeesatz Medium" pitchFamily="2" charset="0"/>
-                <a:hlinkClick r:id="rId4"/>
-              </a:rPr>
-              <a:t>(9600)</a:t>
-            </a:r>
-            <a:br>
-              <a:rPr lang="en-SG" sz="1800" dirty="0"/>
-            </a:br>
-            <a:r>
-              <a:rPr lang="en-SG" sz="1800" dirty="0"/>
-              <a:t>Sets the data rate in bits/sec for serial data transmission</a:t>
-            </a:r>
-          </a:p>
-          <a:p>
-            <a:r>
-              <a:rPr lang="en-US" sz="2400" dirty="0" err="1">
-                <a:latin typeface="Yanone Kaffeesatz Medium" pitchFamily="2" charset="0"/>
-                <a:hlinkClick r:id="rId2"/>
-              </a:rPr>
-              <a:t>Serial.print</a:t>
-            </a:r>
-            <a:r>
-              <a:rPr lang="en-US" sz="2400" dirty="0">
-                <a:latin typeface="Yanone Kaffeesatz Medium" pitchFamily="2" charset="0"/>
-                <a:hlinkClick r:id="rId2"/>
-              </a:rPr>
-              <a:t>(data)</a:t>
-            </a:r>
-            <a:br>
-              <a:rPr lang="en-US" sz="2400" dirty="0">
-                <a:latin typeface="Yanone Kaffeesatz Medium" pitchFamily="2" charset="0"/>
-                <a:hlinkClick r:id="rId2"/>
-              </a:rPr>
-            </a:br>
-            <a:r>
-              <a:rPr lang="en-US" sz="2400" dirty="0" err="1">
-                <a:latin typeface="Yanone Kaffeesatz Medium" pitchFamily="2" charset="0"/>
-                <a:hlinkClick r:id="rId2"/>
-              </a:rPr>
-              <a:t>Serial.println</a:t>
-            </a:r>
-            <a:r>
-              <a:rPr lang="en-US" sz="2400" dirty="0">
-                <a:latin typeface="Yanone Kaffeesatz Medium" pitchFamily="2" charset="0"/>
-                <a:hlinkClick r:id="rId2"/>
-              </a:rPr>
-              <a:t>(data)</a:t>
-            </a:r>
-            <a:br>
-              <a:rPr lang="en-US" sz="1800" dirty="0"/>
-            </a:br>
-            <a:r>
-              <a:rPr lang="en-US" sz="1800" dirty="0"/>
-              <a:t>Sends data to the serial port for conversion and output.  If a string of text is sent, it must be delimited with double quotes (“)</a:t>
-            </a:r>
-          </a:p>
-          <a:p>
-            <a:r>
-              <a:rPr lang="en-US" sz="1800" dirty="0"/>
-              <a:t>There are other functions, but usually not used in embedded circuits.</a:t>
-            </a:r>
-          </a:p>
-        </p:txBody>
-      </p:sp>
-      <p:sp>
-        <p:nvSpPr>
-          <p:cNvPr id="4" name="Slide Number Placeholder 3">
-            <a:extLst>
-              <a:ext uri="{FF2B5EF4-FFF2-40B4-BE49-F238E27FC236}">
-                <a16:creationId xmlns:a16="http://schemas.microsoft.com/office/drawing/2014/main" id="{5283F06F-C26A-46ED-BFB5-54276B8AEF9B}"/>
+                <a16:creationId xmlns:a16="http://schemas.microsoft.com/office/drawing/2014/main" id="{5F615BF6-C25C-4B76-9F03-C275B25C54F7}"/>
               </a:ext>
             </a:extLst>
           </p:cNvPr>
@@ -4629,10 +4563,59 @@
           </a:p>
         </p:txBody>
       </p:sp>
+      <p:sp>
+        <p:nvSpPr>
+          <p:cNvPr id="6" name="TextBox 5">
+            <a:extLst>
+              <a:ext uri="{FF2B5EF4-FFF2-40B4-BE49-F238E27FC236}">
+                <a16:creationId xmlns:a16="http://schemas.microsoft.com/office/drawing/2014/main" id="{486BBBE9-A901-446D-99AC-FCE9D3ABC896}"/>
+              </a:ext>
+            </a:extLst>
+          </p:cNvPr>
+          <p:cNvSpPr txBox="1"/>
+          <p:nvPr/>
+        </p:nvSpPr>
+        <p:spPr>
+          <a:xfrm>
+            <a:off x="5914741" y="5221224"/>
+            <a:ext cx="2600609" cy="830997"/>
+          </a:xfrm>
+          <a:prstGeom prst="rect">
+            <a:avLst/>
+          </a:prstGeom>
+          <a:noFill/>
+        </p:spPr>
+        <p:txBody>
+          <a:bodyPr wrap="square" rtlCol="0">
+            <a:spAutoFit/>
+          </a:bodyPr>
+          <a:lstStyle/>
+          <a:p>
+            <a:pPr algn="l"/>
+            <a:r>
+              <a:rPr lang="en-SG" sz="1600" dirty="0"/>
+              <a:t>Classes should be identified using a starting </a:t>
+            </a:r>
+            <a:r>
+              <a:rPr lang="en-SG" sz="1600" dirty="0">
+                <a:solidFill>
+                  <a:srgbClr val="FF0000"/>
+                </a:solidFill>
+              </a:rPr>
+              <a:t>uppercase </a:t>
+            </a:r>
+            <a:r>
+              <a:rPr lang="en-SG" sz="1600" dirty="0"/>
+              <a:t>character e.g. Serial</a:t>
+            </a:r>
+            <a:endParaRPr lang="en-US" sz="1600" dirty="0"/>
+          </a:p>
+        </p:txBody>
+      </p:sp>
     </p:spTree>
     <p:extLst>
       <p:ext uri="{BB962C8B-B14F-4D97-AF65-F5344CB8AC3E}">
-        <p14:creationId xmlns:p14="http://schemas.microsoft.com/office/powerpoint/2010/main" val="1953153660"/>
+        <p14:creationId xmlns:p14="http://schemas.microsoft.com/office/powerpoint/2010/main" val="2125143879"/>
       </p:ext>
     </p:extLst>
   </p:cSld>
@@ -4664,7 +4647,7 @@
           <p:cNvPr id="2" name="Title 1">
             <a:extLst>
               <a:ext uri="{FF2B5EF4-FFF2-40B4-BE49-F238E27FC236}">
-                <a16:creationId xmlns:a16="http://schemas.microsoft.com/office/drawing/2014/main" id="{283151FD-C4A2-458E-8480-B5DA692DD59F}"/>
+                <a16:creationId xmlns:a16="http://schemas.microsoft.com/office/drawing/2014/main" id="{8DBCB48E-BA7F-49CA-BC2F-844B55E6B7DB}"/>
               </a:ext>
             </a:extLst>
           </p:cNvPr>
@@ -4682,7 +4665,13 @@
           <a:p>
             <a:r>
               <a:rPr lang="en-SG" dirty="0"/>
-              <a:t>Where does the serial output go?</a:t>
+              <a:t>Directive:  </a:t>
+            </a:r>
+            <a:r>
+              <a:rPr lang="en-SG" dirty="0">
+                <a:hlinkClick r:id="rId2"/>
+              </a:rPr>
+              <a:t>#define</a:t>
             </a:r>
             <a:endParaRPr lang="en-US" dirty="0"/>
           </a:p>
@@ -4690,10 +4679,10 @@
       </p:sp>
       <p:sp>
         <p:nvSpPr>
-          <p:cNvPr id="6" name="Content Placeholder 5">
+          <p:cNvPr id="3" name="Content Placeholder 2">
             <a:extLst>
               <a:ext uri="{FF2B5EF4-FFF2-40B4-BE49-F238E27FC236}">
-                <a16:creationId xmlns:a16="http://schemas.microsoft.com/office/drawing/2014/main" id="{54BF7442-EBC5-4ADA-AEDB-3C0E2C0AC6A3}"/>
+                <a16:creationId xmlns:a16="http://schemas.microsoft.com/office/drawing/2014/main" id="{00F0E609-DF4B-4ABF-B5A1-71CFA2E28A46}"/>
               </a:ext>
             </a:extLst>
           </p:cNvPr>
@@ -4701,38 +4690,53 @@
             <a:spLocks noGrp="1"/>
           </p:cNvSpPr>
           <p:nvPr>
-            <p:ph idx="1"/>
-          </p:nvPr>
-        </p:nvSpPr>
-        <p:spPr>
-          <a:xfrm>
-            <a:off x="628650" y="1582222"/>
-            <a:ext cx="7886700" cy="1325562"/>
-          </a:xfrm>
-        </p:spPr>
-        <p:txBody>
-          <a:bodyPr/>
-          <a:lstStyle/>
-          <a:p>
-            <a:r>
-              <a:rPr lang="en-SG" sz="2000" dirty="0"/>
-              <a:t>There is an icon/text “Serial Monitor” on both the </a:t>
-            </a:r>
-            <a:r>
-              <a:rPr lang="en-SG" sz="2000" dirty="0" err="1"/>
-              <a:t>TinkerCAD</a:t>
-            </a:r>
-            <a:r>
-              <a:rPr lang="en-SG" sz="2000" dirty="0"/>
-              <a:t> and Arduino IDE interface to show the contents of the serial monitor.</a:t>
-            </a:r>
-          </a:p>
-          <a:p>
-            <a:r>
-              <a:rPr lang="en-SG" sz="2000" dirty="0"/>
-              <a:t>You can clear, input and output data as well as graphically chart the data you receive from the embedded system.</a:t>
-            </a:r>
-            <a:endParaRPr lang="en-US" sz="2000" dirty="0"/>
+            <p:ph sz="half" idx="1"/>
+          </p:nvPr>
+        </p:nvSpPr>
+        <p:spPr/>
+        <p:txBody>
+          <a:bodyPr/>
+          <a:lstStyle/>
+          <a:p>
+            <a:r>
+              <a:rPr lang="en-SG" sz="2400" dirty="0">
+                <a:latin typeface="Yanone Kaffeesatz Medium" pitchFamily="2" charset="0"/>
+              </a:rPr>
+              <a:t>#define</a:t>
+            </a:r>
+            <a:r>
+              <a:rPr lang="en-SG" sz="2400" dirty="0"/>
+              <a:t> is a compiler directive and not a code statement.</a:t>
+            </a:r>
+          </a:p>
+          <a:p>
+            <a:r>
+              <a:rPr lang="en-SG" sz="2400" dirty="0"/>
+              <a:t>Does not end with a semi-colon</a:t>
+            </a:r>
+          </a:p>
+          <a:p>
+            <a:r>
+              <a:rPr lang="en-SG" sz="2400" dirty="0"/>
+              <a:t>Used to name a constant and assign the value</a:t>
+            </a:r>
+          </a:p>
+          <a:p>
+            <a:r>
+              <a:rPr lang="en-SG" sz="2400" dirty="0" err="1">
+                <a:solidFill>
+                  <a:srgbClr val="FF0000"/>
+                </a:solidFill>
+                <a:latin typeface="Yanone Kaffeesatz Medium" pitchFamily="2" charset="0"/>
+                <a:hlinkClick r:id="rId3"/>
+              </a:rPr>
+              <a:t>const</a:t>
+            </a:r>
+            <a:r>
+              <a:rPr lang="en-SG" sz="2400" dirty="0"/>
+              <a:t> is the preferred method of defining constants</a:t>
+            </a:r>
+            <a:endParaRPr lang="en-US" sz="2400" dirty="0"/>
           </a:p>
         </p:txBody>
       </p:sp>
@@ -4741,7 +4745,7 @@
           <p:cNvPr id="5" name="Slide Number Placeholder 4">
             <a:extLst>
               <a:ext uri="{FF2B5EF4-FFF2-40B4-BE49-F238E27FC236}">
-                <a16:creationId xmlns:a16="http://schemas.microsoft.com/office/drawing/2014/main" id="{1125FCB5-43E6-49B3-A36F-3C89159064E4}"/>
+                <a16:creationId xmlns:a16="http://schemas.microsoft.com/office/drawing/2014/main" id="{AB77F8BB-EE45-46FC-B954-A6285D864120}"/>
               </a:ext>
             </a:extLst>
           </p:cNvPr>
@@ -4767,41 +4771,39 @@
       </p:sp>
       <p:pic>
         <p:nvPicPr>
-          <p:cNvPr id="10" name="Picture 9">
-            <a:hlinkClick r:id="rId2"/>
+          <p:cNvPr id="9" name="Content Placeholder 8">
             <a:extLst>
               <a:ext uri="{FF2B5EF4-FFF2-40B4-BE49-F238E27FC236}">
-                <a16:creationId xmlns:a16="http://schemas.microsoft.com/office/drawing/2014/main" id="{DDF9AB22-7425-48BA-B678-E1A7DCB2377E}"/>
+                <a16:creationId xmlns:a16="http://schemas.microsoft.com/office/drawing/2014/main" id="{8A405027-E8CF-4FF3-92FC-071A97893910}"/>
               </a:ext>
             </a:extLst>
           </p:cNvPr>
           <p:cNvPicPr>
-            <a:picLocks noChangeAspect="1"/>
+            <a:picLocks noGrp="1" noChangeAspect="1"/>
           </p:cNvPicPr>
-          <p:nvPr/>
+          <p:nvPr>
+            <p:ph sz="half" idx="2"/>
+          </p:nvPr>
         </p:nvPicPr>
         <p:blipFill>
-          <a:blip r:embed="rId3"/>
+          <a:blip r:embed="rId4"/>
           <a:stretch>
             <a:fillRect/>
           </a:stretch>
         </p:blipFill>
         <p:spPr>
           <a:xfrm>
-            <a:off x="937249" y="3079492"/>
-            <a:ext cx="6981825" cy="3105150"/>
+            <a:off x="4629150" y="1861106"/>
+            <a:ext cx="3886200" cy="1738343"/>
           </a:xfrm>
-          <a:prstGeom prst="rect">
-            <a:avLst/>
-          </a:prstGeom>
         </p:spPr>
       </p:pic>
       <p:sp>
         <p:nvSpPr>
-          <p:cNvPr id="11" name="TextBox 10">
+          <p:cNvPr id="10" name="TextBox 9">
             <a:extLst>
               <a:ext uri="{FF2B5EF4-FFF2-40B4-BE49-F238E27FC236}">
-                <a16:creationId xmlns:a16="http://schemas.microsoft.com/office/drawing/2014/main" id="{CD0CE46E-FF49-49DE-B879-05DEBAFE00CF}"/>
+                <a16:creationId xmlns:a16="http://schemas.microsoft.com/office/drawing/2014/main" id="{EFCC7813-DBB4-40DE-9AA9-DDF8306C778B}"/>
               </a:ext>
             </a:extLst>
           </p:cNvPr>
@@ -4810,8 +4812,8 @@
         </p:nvSpPr>
         <p:spPr>
           <a:xfrm>
-            <a:off x="5956806" y="6170156"/>
-            <a:ext cx="1962268" cy="307777"/>
+            <a:off x="6291072" y="3703320"/>
+            <a:ext cx="2600609" cy="584775"/>
           </a:xfrm>
           <a:prstGeom prst="rect">
             <a:avLst/>
@@ -4819,26 +4821,36 @@
           <a:noFill/>
         </p:spPr>
         <p:txBody>
-          <a:bodyPr wrap="none" rtlCol="0">
+          <a:bodyPr wrap="square" rtlCol="0">
             <a:spAutoFit/>
           </a:bodyPr>
           <a:lstStyle/>
           <a:p>
             <a:pPr algn="l"/>
             <a:r>
-              <a:rPr lang="en-SG" sz="1400" dirty="0">
-                <a:hlinkClick r:id="rId2"/>
+              <a:rPr lang="en-SG" sz="1600" dirty="0"/>
+              <a:t>Constants should be identified using </a:t>
+            </a:r>
+            <a:r>
+              <a:rPr lang="en-SG" sz="1600" dirty="0">
+                <a:solidFill>
+                  <a:srgbClr val="FF0000"/>
+                </a:solidFill>
               </a:rPr>
-              <a:t>Using the Serial Monitor</a:t>
-            </a:r>
-            <a:endParaRPr lang="en-US" sz="1400" dirty="0"/>
+              <a:t>uppercase</a:t>
+            </a:r>
+            <a:endParaRPr lang="en-US" sz="1600" dirty="0">
+              <a:solidFill>
+                <a:srgbClr val="FF0000"/>
+              </a:solidFill>
+            </a:endParaRPr>
           </a:p>
         </p:txBody>
       </p:sp>
     </p:spTree>
     <p:extLst>
       <p:ext uri="{BB962C8B-B14F-4D97-AF65-F5344CB8AC3E}">
-        <p14:creationId xmlns:p14="http://schemas.microsoft.com/office/powerpoint/2010/main" val="2644478772"/>
+        <p14:creationId xmlns:p14="http://schemas.microsoft.com/office/powerpoint/2010/main" val="4144671674"/>
       </p:ext>
     </p:extLst>
   </p:cSld>
@@ -4870,7 +4882,7 @@
           <p:cNvPr id="2" name="Title 1">
             <a:extLst>
               <a:ext uri="{FF2B5EF4-FFF2-40B4-BE49-F238E27FC236}">
-                <a16:creationId xmlns:a16="http://schemas.microsoft.com/office/drawing/2014/main" id="{A5324576-658C-4C43-9A19-1E80710F9541}"/>
+                <a16:creationId xmlns:a16="http://schemas.microsoft.com/office/drawing/2014/main" id="{8DBCB48E-BA7F-49CA-BC2F-844B55E6B7DB}"/>
               </a:ext>
             </a:extLst>
           </p:cNvPr>
@@ -4888,7 +4900,13 @@
           <a:p>
             <a:r>
               <a:rPr lang="en-SG" dirty="0"/>
-              <a:t>Debug our Counting SW program</a:t>
+              <a:t>Directive:  </a:t>
+            </a:r>
+            <a:r>
+              <a:rPr lang="en-SG" dirty="0">
+                <a:hlinkClick r:id="rId2"/>
+              </a:rPr>
+              <a:t>#include</a:t>
             </a:r>
             <a:endParaRPr lang="en-US" dirty="0"/>
           </a:p>
@@ -4899,7 +4917,7 @@
           <p:cNvPr id="3" name="Content Placeholder 2">
             <a:extLst>
               <a:ext uri="{FF2B5EF4-FFF2-40B4-BE49-F238E27FC236}">
-                <a16:creationId xmlns:a16="http://schemas.microsoft.com/office/drawing/2014/main" id="{884F76F2-9ECC-496B-BC2C-8EF35AB828CE}"/>
+                <a16:creationId xmlns:a16="http://schemas.microsoft.com/office/drawing/2014/main" id="{00F0E609-DF4B-4ABF-B5A1-71CFA2E28A46}"/>
               </a:ext>
             </a:extLst>
           </p:cNvPr>
@@ -4907,13 +4925,13 @@
             <a:spLocks noGrp="1"/>
           </p:cNvSpPr>
           <p:nvPr>
-            <p:ph idx="1"/>
+            <p:ph sz="half" idx="1"/>
           </p:nvPr>
         </p:nvSpPr>
         <p:spPr>
           <a:xfrm>
-            <a:off x="302018" y="5609691"/>
-            <a:ext cx="6910440" cy="580238"/>
+            <a:off x="628650" y="1825625"/>
+            <a:ext cx="6156198" cy="4351338"/>
           </a:xfrm>
         </p:spPr>
         <p:txBody>
@@ -4921,19 +4939,137 @@
           <a:lstStyle/>
           <a:p>
             <a:r>
-              <a:rPr lang="en-SG" sz="2000" dirty="0"/>
-              <a:t>Looks like we have bouncing problem and/or the switch is being read too fast (SW not recovered yet)</a:t>
-            </a:r>
-            <a:endParaRPr lang="en-US" sz="2000" dirty="0"/>
-          </a:p>
-        </p:txBody>
-      </p:sp>
-      <p:sp>
-        <p:nvSpPr>
-          <p:cNvPr id="4" name="Slide Number Placeholder 3">
+              <a:rPr lang="en-SG" sz="2400" dirty="0">
+                <a:latin typeface="Yanone Kaffeesatz Medium" pitchFamily="2" charset="0"/>
+              </a:rPr>
+              <a:t>#include</a:t>
+            </a:r>
+            <a:r>
+              <a:rPr lang="en-SG" sz="2400" dirty="0"/>
+              <a:t> is a compiler directive</a:t>
+            </a:r>
+            <a:br>
+              <a:rPr lang="en-SG" sz="2400" dirty="0"/>
+            </a:br>
+            <a:r>
+              <a:rPr lang="en-SG" sz="2400" dirty="0"/>
+              <a:t>and not a code statement.</a:t>
+            </a:r>
+          </a:p>
+          <a:p>
+            <a:r>
+              <a:rPr lang="en-SG" sz="2400" dirty="0"/>
+              <a:t>Does not end with a</a:t>
+            </a:r>
+            <a:br>
+              <a:rPr lang="en-SG" sz="2400" dirty="0"/>
+            </a:br>
+            <a:r>
+              <a:rPr lang="en-SG" sz="2400" dirty="0"/>
+              <a:t>semi-colon</a:t>
+            </a:r>
+          </a:p>
+          <a:p>
+            <a:r>
+              <a:rPr lang="en-SG" sz="2400" dirty="0"/>
+              <a:t>Instructs the compiler to</a:t>
+            </a:r>
+            <a:br>
+              <a:rPr lang="en-SG" sz="2400" dirty="0"/>
+            </a:br>
+            <a:r>
+              <a:rPr lang="en-SG" sz="2400" dirty="0"/>
+              <a:t>read and insert code from</a:t>
+            </a:r>
+            <a:br>
+              <a:rPr lang="en-SG" sz="2400" dirty="0"/>
+            </a:br>
+            <a:r>
+              <a:rPr lang="en-SG" sz="2400" dirty="0"/>
+              <a:t>the target file</a:t>
+            </a:r>
+          </a:p>
+          <a:p>
+            <a:r>
+              <a:rPr lang="en-SG" sz="2400" dirty="0">
+                <a:solidFill>
+                  <a:srgbClr val="FF0000"/>
+                </a:solidFill>
+              </a:rPr>
+              <a:t>&lt;</a:t>
+            </a:r>
+            <a:r>
+              <a:rPr lang="en-SG" sz="2400" dirty="0"/>
+              <a:t> </a:t>
+            </a:r>
+            <a:r>
+              <a:rPr lang="en-SG" sz="2400" dirty="0">
+                <a:latin typeface="Yanone Kaffeesatz Medium" pitchFamily="2" charset="0"/>
+              </a:rPr>
+              <a:t>file</a:t>
+            </a:r>
+            <a:r>
+              <a:rPr lang="en-SG" sz="2400" dirty="0"/>
+              <a:t> </a:t>
+            </a:r>
+            <a:r>
+              <a:rPr lang="en-SG" sz="2400" dirty="0">
+                <a:solidFill>
+                  <a:srgbClr val="FF0000"/>
+                </a:solidFill>
+              </a:rPr>
+              <a:t>&gt;</a:t>
+            </a:r>
+            <a:r>
+              <a:rPr lang="en-SG" sz="2400" dirty="0"/>
+              <a:t> indicates system library, found along the library path</a:t>
+            </a:r>
+          </a:p>
+          <a:p>
+            <a:r>
+              <a:rPr lang="en-SG" sz="2400" dirty="0">
+                <a:solidFill>
+                  <a:srgbClr val="FF0000"/>
+                </a:solidFill>
+              </a:rPr>
+              <a:t>“</a:t>
+            </a:r>
+            <a:r>
+              <a:rPr lang="en-SG" sz="2400" dirty="0"/>
+              <a:t> </a:t>
+            </a:r>
+            <a:r>
+              <a:rPr lang="en-SG" sz="2400" dirty="0">
+                <a:latin typeface="Yanone Kaffeesatz Medium" pitchFamily="2" charset="0"/>
+              </a:rPr>
+              <a:t>file</a:t>
+            </a:r>
+            <a:r>
+              <a:rPr lang="en-SG" sz="2400" dirty="0"/>
+              <a:t> </a:t>
+            </a:r>
+            <a:r>
+              <a:rPr lang="en-SG" sz="2400" dirty="0">
+                <a:solidFill>
+                  <a:srgbClr val="FF0000"/>
+                </a:solidFill>
+              </a:rPr>
+              <a:t>“</a:t>
+            </a:r>
+            <a:r>
+              <a:rPr lang="en-SG" sz="2400" dirty="0"/>
+              <a:t> indicates local file in same folder</a:t>
+            </a:r>
+            <a:endParaRPr lang="en-US" sz="2400" dirty="0"/>
+          </a:p>
+        </p:txBody>
+      </p:sp>
+      <p:sp>
+        <p:nvSpPr>
+          <p:cNvPr id="5" name="Slide Number Placeholder 4">
             <a:extLst>
               <a:ext uri="{FF2B5EF4-FFF2-40B4-BE49-F238E27FC236}">
-                <a16:creationId xmlns:a16="http://schemas.microsoft.com/office/drawing/2014/main" id="{CBFBF36F-65CF-4C02-AF7B-AAC0BACAAF55}"/>
+                <a16:creationId xmlns:a16="http://schemas.microsoft.com/office/drawing/2014/main" id="{AB77F8BB-EE45-46FC-B954-A6285D864120}"/>
               </a:ext>
             </a:extLst>
           </p:cNvPr>
@@ -4959,108 +5095,37 @@
       </p:sp>
       <p:pic>
         <p:nvPicPr>
-          <p:cNvPr id="6" name="Picture 5">
+          <p:cNvPr id="8" name="Content Placeholder 7">
             <a:extLst>
               <a:ext uri="{FF2B5EF4-FFF2-40B4-BE49-F238E27FC236}">
-                <a16:creationId xmlns:a16="http://schemas.microsoft.com/office/drawing/2014/main" id="{6C0ED1D9-F09B-45E1-8990-2D2ECF6ED614}"/>
+                <a16:creationId xmlns:a16="http://schemas.microsoft.com/office/drawing/2014/main" id="{1B16D7E6-7F82-4C8C-AC58-7BC68CEE1389}"/>
               </a:ext>
             </a:extLst>
           </p:cNvPr>
           <p:cNvPicPr>
-            <a:picLocks noChangeAspect="1"/>
+            <a:picLocks noGrp="1" noChangeAspect="1"/>
           </p:cNvPicPr>
-          <p:nvPr/>
+          <p:nvPr>
+            <p:ph sz="half" idx="2"/>
+          </p:nvPr>
         </p:nvPicPr>
         <p:blipFill>
-          <a:blip r:embed="rId2"/>
+          <a:blip r:embed="rId3"/>
           <a:stretch>
             <a:fillRect/>
           </a:stretch>
         </p:blipFill>
         <p:spPr>
           <a:xfrm>
-            <a:off x="178193" y="1615415"/>
-            <a:ext cx="5067300" cy="3324225"/>
+            <a:off x="4729162" y="1573371"/>
+            <a:ext cx="3686175" cy="2752725"/>
           </a:xfrm>
-          <a:prstGeom prst="rect">
-            <a:avLst/>
-          </a:prstGeom>
         </p:spPr>
       </p:pic>
-      <p:pic>
-        <p:nvPicPr>
-          <p:cNvPr id="8" name="Picture 7">
-            <a:hlinkClick r:id="rId3"/>
-            <a:extLst>
-              <a:ext uri="{FF2B5EF4-FFF2-40B4-BE49-F238E27FC236}">
-                <a16:creationId xmlns:a16="http://schemas.microsoft.com/office/drawing/2014/main" id="{027DCB29-2C03-4E6A-B619-CE7456295E55}"/>
-              </a:ext>
-            </a:extLst>
-          </p:cNvPr>
-          <p:cNvPicPr>
-            <a:picLocks noChangeAspect="1"/>
-          </p:cNvPicPr>
-          <p:nvPr/>
-        </p:nvPicPr>
-        <p:blipFill>
-          <a:blip r:embed="rId4"/>
-          <a:stretch>
-            <a:fillRect/>
-          </a:stretch>
-        </p:blipFill>
-        <p:spPr>
-          <a:xfrm>
-            <a:off x="5342574" y="1589121"/>
-            <a:ext cx="3575715" cy="3453259"/>
-          </a:xfrm>
-          <a:prstGeom prst="rect">
-            <a:avLst/>
-          </a:prstGeom>
-        </p:spPr>
-      </p:pic>
-      <p:sp>
-        <p:nvSpPr>
-          <p:cNvPr id="9" name="TextBox 8">
-            <a:extLst>
-              <a:ext uri="{FF2B5EF4-FFF2-40B4-BE49-F238E27FC236}">
-                <a16:creationId xmlns:a16="http://schemas.microsoft.com/office/drawing/2014/main" id="{31494844-BF88-40F4-9964-4F6C98467F76}"/>
-              </a:ext>
-            </a:extLst>
-          </p:cNvPr>
-          <p:cNvSpPr txBox="1"/>
-          <p:nvPr/>
-        </p:nvSpPr>
-        <p:spPr>
-          <a:xfrm>
-            <a:off x="2067249" y="4911582"/>
-            <a:ext cx="3250057" cy="338554"/>
-          </a:xfrm>
-          <a:prstGeom prst="rect">
-            <a:avLst/>
-          </a:prstGeom>
-          <a:noFill/>
-        </p:spPr>
-        <p:txBody>
-          <a:bodyPr wrap="none" rtlCol="0">
-            <a:spAutoFit/>
-          </a:bodyPr>
-          <a:lstStyle/>
-          <a:p>
-            <a:pPr algn="l"/>
-            <a:r>
-              <a:rPr lang="en-SG" sz="1600" dirty="0">
-                <a:hlinkClick r:id="rId3"/>
-              </a:rPr>
-              <a:t>Debugging the SW counting program</a:t>
-            </a:r>
-            <a:endParaRPr lang="en-US" sz="1600" dirty="0"/>
-          </a:p>
-        </p:txBody>
-      </p:sp>
     </p:spTree>
     <p:extLst>
       <p:ext uri="{BB962C8B-B14F-4D97-AF65-F5344CB8AC3E}">
-        <p14:creationId xmlns:p14="http://schemas.microsoft.com/office/powerpoint/2010/main" val="2405850559"/>
+        <p14:creationId xmlns:p14="http://schemas.microsoft.com/office/powerpoint/2010/main" val="199617926"/>
       </p:ext>
     </p:extLst>
   </p:cSld>
@@ -5089,10 +5154,10 @@
       </p:grpSpPr>
       <p:sp>
         <p:nvSpPr>
-          <p:cNvPr id="5" name="Title 4">
+          <p:cNvPr id="2" name="Title 1">
             <a:extLst>
               <a:ext uri="{FF2B5EF4-FFF2-40B4-BE49-F238E27FC236}">
-                <a16:creationId xmlns:a16="http://schemas.microsoft.com/office/drawing/2014/main" id="{91001615-940A-425A-BA87-399008DC0FC2}"/>
+                <a16:creationId xmlns:a16="http://schemas.microsoft.com/office/drawing/2014/main" id="{29757EC0-C4C7-4C21-8BBD-162462AD095F}"/>
               </a:ext>
             </a:extLst>
           </p:cNvPr>
@@ -5100,7 +5165,7 @@
             <a:spLocks noGrp="1"/>
           </p:cNvSpPr>
           <p:nvPr>
-            <p:ph type="title"/>
+            <p:ph type="ctrTitle"/>
           </p:nvPr>
         </p:nvSpPr>
         <p:spPr/>
@@ -5109,19 +5174,18 @@
           <a:lstStyle/>
           <a:p>
             <a:r>
-              <a:rPr lang="en-SG" dirty="0"/>
-              <a:t>Pushbutton SW </a:t>
-            </a:r>
-            <a:endParaRPr lang="en-US" dirty="0"/>
-          </a:p>
-        </p:txBody>
-      </p:sp>
-      <p:sp>
-        <p:nvSpPr>
-          <p:cNvPr id="64" name="Content Placeholder 63">
+              <a:rPr lang="en-US" dirty="0"/>
+              <a:t>EP1000</a:t>
+            </a:r>
+          </a:p>
+        </p:txBody>
+      </p:sp>
+      <p:sp>
+        <p:nvSpPr>
+          <p:cNvPr id="3" name="Subtitle 2">
             <a:extLst>
               <a:ext uri="{FF2B5EF4-FFF2-40B4-BE49-F238E27FC236}">
-                <a16:creationId xmlns:a16="http://schemas.microsoft.com/office/drawing/2014/main" id="{7540A75F-07A4-4BEC-9523-1C09BB9A4DAA}"/>
+                <a16:creationId xmlns:a16="http://schemas.microsoft.com/office/drawing/2014/main" id="{1F579C3D-8773-4BAF-B0E2-847945ECA23E}"/>
               </a:ext>
             </a:extLst>
           </p:cNvPr>
@@ -5129,53 +5193,7 @@
             <a:spLocks noGrp="1"/>
           </p:cNvSpPr>
           <p:nvPr>
-            <p:ph idx="1"/>
-          </p:nvPr>
-        </p:nvSpPr>
-        <p:spPr>
-          <a:xfrm>
-            <a:off x="628650" y="4402763"/>
-            <a:ext cx="7886700" cy="1852809"/>
-          </a:xfrm>
-        </p:spPr>
-        <p:txBody>
-          <a:bodyPr/>
-          <a:lstStyle/>
-          <a:p>
-            <a:r>
-              <a:rPr lang="en-SG" sz="2000" dirty="0"/>
-              <a:t>We keep reading the PBSW taking note of the digital values</a:t>
-            </a:r>
-          </a:p>
-          <a:p>
-            <a:r>
-              <a:rPr lang="en-SG" sz="2000" dirty="0"/>
-              <a:t>We maintain the state so that we know which part of the sequence we are currently in and when the PBSW returns to normal</a:t>
-            </a:r>
-          </a:p>
-          <a:p>
-            <a:r>
-              <a:rPr lang="en-SG" sz="2000" dirty="0"/>
-              <a:t>Register the entire sequence as a single push.</a:t>
-            </a:r>
-            <a:endParaRPr lang="en-US" sz="2000" dirty="0"/>
-          </a:p>
-        </p:txBody>
-      </p:sp>
-      <p:sp>
-        <p:nvSpPr>
-          <p:cNvPr id="4" name="Slide Number Placeholder 3">
-            <a:extLst>
-              <a:ext uri="{FF2B5EF4-FFF2-40B4-BE49-F238E27FC236}">
-                <a16:creationId xmlns:a16="http://schemas.microsoft.com/office/drawing/2014/main" id="{163740C2-7A7B-4CA8-8623-D51743A306F4}"/>
-              </a:ext>
-            </a:extLst>
-          </p:cNvPr>
-          <p:cNvSpPr>
-            <a:spLocks noGrp="1"/>
-          </p:cNvSpPr>
-          <p:nvPr>
-            <p:ph type="sldNum" sz="quarter" idx="12"/>
+            <p:ph type="subTitle" idx="1"/>
           </p:nvPr>
         </p:nvSpPr>
         <p:spPr/>
@@ -5183,1518 +5201,39 @@
           <a:bodyPr/>
           <a:lstStyle/>
           <a:p>
-            <a:fld id="{CAB166B3-F268-4CEF-878A-CFB0D0D505D3}" type="slidenum">
-              <a:rPr lang="en-US" smtClean="0"/>
-              <a:t>17</a:t>
-            </a:fld>
-            <a:endParaRPr lang="en-US"/>
-          </a:p>
-        </p:txBody>
-      </p:sp>
-      <p:grpSp>
-        <p:nvGrpSpPr>
-          <p:cNvPr id="63" name="Group 62">
-            <a:extLst>
-              <a:ext uri="{FF2B5EF4-FFF2-40B4-BE49-F238E27FC236}">
-                <a16:creationId xmlns:a16="http://schemas.microsoft.com/office/drawing/2014/main" id="{BE2A5568-A6D0-46AC-985A-CE1253A663CB}"/>
-              </a:ext>
-            </a:extLst>
-          </p:cNvPr>
-          <p:cNvGrpSpPr/>
-          <p:nvPr/>
-        </p:nvGrpSpPr>
-        <p:grpSpPr>
-          <a:xfrm>
-            <a:off x="1123369" y="1627626"/>
-            <a:ext cx="6440991" cy="2601474"/>
-            <a:chOff x="723319" y="1399026"/>
-            <a:chExt cx="6440991" cy="2601474"/>
-          </a:xfrm>
-        </p:grpSpPr>
-        <p:grpSp>
-          <p:nvGrpSpPr>
-            <p:cNvPr id="33" name="Group 32">
-              <a:extLst>
-                <a:ext uri="{FF2B5EF4-FFF2-40B4-BE49-F238E27FC236}">
-                  <a16:creationId xmlns:a16="http://schemas.microsoft.com/office/drawing/2014/main" id="{C745EF8E-2003-4417-A05A-E7392D672B04}"/>
-                </a:ext>
-              </a:extLst>
-            </p:cNvPr>
-            <p:cNvGrpSpPr/>
-            <p:nvPr/>
-          </p:nvGrpSpPr>
-          <p:grpSpPr>
-            <a:xfrm>
-              <a:off x="1321945" y="1932398"/>
-              <a:ext cx="5032554" cy="1205502"/>
-              <a:chOff x="863029" y="2465798"/>
-              <a:chExt cx="5032554" cy="1205502"/>
-            </a:xfrm>
-          </p:grpSpPr>
-          <p:cxnSp>
-            <p:nvCxnSpPr>
-              <p:cNvPr id="7" name="Straight Connector 6">
-                <a:extLst>
-                  <a:ext uri="{FF2B5EF4-FFF2-40B4-BE49-F238E27FC236}">
-                    <a16:creationId xmlns:a16="http://schemas.microsoft.com/office/drawing/2014/main" id="{C82EC673-493D-4CEE-8285-5BBE70E827A1}"/>
-                  </a:ext>
-                </a:extLst>
-              </p:cNvPr>
-              <p:cNvCxnSpPr/>
-              <p:nvPr/>
-            </p:nvCxnSpPr>
-            <p:spPr>
-              <a:xfrm>
-                <a:off x="863029" y="2465798"/>
-                <a:ext cx="1089061" cy="0"/>
-              </a:xfrm>
-              <a:prstGeom prst="line">
-                <a:avLst/>
-              </a:prstGeom>
-              <a:ln w="25400"/>
-            </p:spPr>
-            <p:style>
-              <a:lnRef idx="1">
-                <a:schemeClr val="accent1"/>
-              </a:lnRef>
-              <a:fillRef idx="0">
-                <a:schemeClr val="accent1"/>
-              </a:fillRef>
-              <a:effectRef idx="0">
-                <a:schemeClr val="accent1"/>
-              </a:effectRef>
-              <a:fontRef idx="minor">
-                <a:schemeClr val="tx1"/>
-              </a:fontRef>
-            </p:style>
-          </p:cxnSp>
-          <p:cxnSp>
-            <p:nvCxnSpPr>
-              <p:cNvPr id="8" name="Straight Connector 7">
-                <a:extLst>
-                  <a:ext uri="{FF2B5EF4-FFF2-40B4-BE49-F238E27FC236}">
-                    <a16:creationId xmlns:a16="http://schemas.microsoft.com/office/drawing/2014/main" id="{2CC6AA63-624A-4F00-8C89-0FDAAFEB0ACC}"/>
-                  </a:ext>
-                </a:extLst>
-              </p:cNvPr>
-              <p:cNvCxnSpPr>
-                <a:cxnSpLocks/>
-              </p:cNvCxnSpPr>
-              <p:nvPr/>
-            </p:nvCxnSpPr>
-            <p:spPr>
-              <a:xfrm>
-                <a:off x="1952090" y="2465798"/>
-                <a:ext cx="174661" cy="963202"/>
-              </a:xfrm>
-              <a:prstGeom prst="line">
-                <a:avLst/>
-              </a:prstGeom>
-              <a:ln w="25400"/>
-            </p:spPr>
-            <p:style>
-              <a:lnRef idx="1">
-                <a:schemeClr val="accent1"/>
-              </a:lnRef>
-              <a:fillRef idx="0">
-                <a:schemeClr val="accent1"/>
-              </a:fillRef>
-              <a:effectRef idx="0">
-                <a:schemeClr val="accent1"/>
-              </a:effectRef>
-              <a:fontRef idx="minor">
-                <a:schemeClr val="tx1"/>
-              </a:fontRef>
-            </p:style>
-          </p:cxnSp>
-          <p:cxnSp>
-            <p:nvCxnSpPr>
-              <p:cNvPr id="12" name="Straight Connector 11">
-                <a:extLst>
-                  <a:ext uri="{FF2B5EF4-FFF2-40B4-BE49-F238E27FC236}">
-                    <a16:creationId xmlns:a16="http://schemas.microsoft.com/office/drawing/2014/main" id="{CE9BA68A-FB40-430F-8087-6669871810FB}"/>
-                  </a:ext>
-                </a:extLst>
-              </p:cNvPr>
-              <p:cNvCxnSpPr>
-                <a:cxnSpLocks/>
-              </p:cNvCxnSpPr>
-              <p:nvPr/>
-            </p:nvCxnSpPr>
-            <p:spPr>
-              <a:xfrm>
-                <a:off x="2294562" y="2606971"/>
-                <a:ext cx="150688" cy="1005534"/>
-              </a:xfrm>
-              <a:prstGeom prst="line">
-                <a:avLst/>
-              </a:prstGeom>
-              <a:ln w="25400"/>
-            </p:spPr>
-            <p:style>
-              <a:lnRef idx="1">
-                <a:schemeClr val="accent1"/>
-              </a:lnRef>
-              <a:fillRef idx="0">
-                <a:schemeClr val="accent1"/>
-              </a:fillRef>
-              <a:effectRef idx="0">
-                <a:schemeClr val="accent1"/>
-              </a:effectRef>
-              <a:fontRef idx="minor">
-                <a:schemeClr val="tx1"/>
-              </a:fontRef>
-            </p:style>
-          </p:cxnSp>
-          <p:cxnSp>
-            <p:nvCxnSpPr>
-              <p:cNvPr id="13" name="Straight Connector 12">
-                <a:extLst>
-                  <a:ext uri="{FF2B5EF4-FFF2-40B4-BE49-F238E27FC236}">
-                    <a16:creationId xmlns:a16="http://schemas.microsoft.com/office/drawing/2014/main" id="{77D2E024-D31F-461C-B8C3-EF4D589AD71A}"/>
-                  </a:ext>
-                </a:extLst>
-              </p:cNvPr>
-              <p:cNvCxnSpPr>
-                <a:cxnSpLocks/>
-              </p:cNvCxnSpPr>
-              <p:nvPr/>
-            </p:nvCxnSpPr>
-            <p:spPr>
-              <a:xfrm flipV="1">
-                <a:off x="2126751" y="2606971"/>
-                <a:ext cx="143838" cy="822029"/>
-              </a:xfrm>
-              <a:prstGeom prst="line">
-                <a:avLst/>
-              </a:prstGeom>
-              <a:ln w="25400"/>
-            </p:spPr>
-            <p:style>
-              <a:lnRef idx="1">
-                <a:schemeClr val="accent1"/>
-              </a:lnRef>
-              <a:fillRef idx="0">
-                <a:schemeClr val="accent1"/>
-              </a:fillRef>
-              <a:effectRef idx="0">
-                <a:schemeClr val="accent1"/>
-              </a:effectRef>
-              <a:fontRef idx="minor">
-                <a:schemeClr val="tx1"/>
-              </a:fontRef>
-            </p:style>
-          </p:cxnSp>
-          <p:cxnSp>
-            <p:nvCxnSpPr>
-              <p:cNvPr id="18" name="Straight Connector 17">
-                <a:extLst>
-                  <a:ext uri="{FF2B5EF4-FFF2-40B4-BE49-F238E27FC236}">
-                    <a16:creationId xmlns:a16="http://schemas.microsoft.com/office/drawing/2014/main" id="{6710401B-4FC9-4099-975F-492CA682B6A1}"/>
-                  </a:ext>
-                </a:extLst>
-              </p:cNvPr>
-              <p:cNvCxnSpPr>
-                <a:cxnSpLocks/>
-              </p:cNvCxnSpPr>
-              <p:nvPr/>
-            </p:nvCxnSpPr>
-            <p:spPr>
-              <a:xfrm flipV="1">
-                <a:off x="2438400" y="3017985"/>
-                <a:ext cx="101029" cy="594522"/>
-              </a:xfrm>
-              <a:prstGeom prst="line">
-                <a:avLst/>
-              </a:prstGeom>
-              <a:ln w="25400"/>
-            </p:spPr>
-            <p:style>
-              <a:lnRef idx="1">
-                <a:schemeClr val="accent1"/>
-              </a:lnRef>
-              <a:fillRef idx="0">
-                <a:schemeClr val="accent1"/>
-              </a:fillRef>
-              <a:effectRef idx="0">
-                <a:schemeClr val="accent1"/>
-              </a:effectRef>
-              <a:fontRef idx="minor">
-                <a:schemeClr val="tx1"/>
-              </a:fontRef>
-            </p:style>
-          </p:cxnSp>
-          <p:cxnSp>
-            <p:nvCxnSpPr>
-              <p:cNvPr id="20" name="Straight Connector 19">
-                <a:extLst>
-                  <a:ext uri="{FF2B5EF4-FFF2-40B4-BE49-F238E27FC236}">
-                    <a16:creationId xmlns:a16="http://schemas.microsoft.com/office/drawing/2014/main" id="{968D5691-EEBE-4732-AF7B-2FB913CD1AD4}"/>
-                  </a:ext>
-                </a:extLst>
-              </p:cNvPr>
-              <p:cNvCxnSpPr>
-                <a:cxnSpLocks/>
-              </p:cNvCxnSpPr>
-              <p:nvPr/>
-            </p:nvCxnSpPr>
-            <p:spPr>
-              <a:xfrm>
-                <a:off x="2539429" y="3017985"/>
-                <a:ext cx="73632" cy="652315"/>
-              </a:xfrm>
-              <a:prstGeom prst="line">
-                <a:avLst/>
-              </a:prstGeom>
-              <a:ln w="25400"/>
-            </p:spPr>
-            <p:style>
-              <a:lnRef idx="1">
-                <a:schemeClr val="accent1"/>
-              </a:lnRef>
-              <a:fillRef idx="0">
-                <a:schemeClr val="accent1"/>
-              </a:fillRef>
-              <a:effectRef idx="0">
-                <a:schemeClr val="accent1"/>
-              </a:effectRef>
-              <a:fontRef idx="minor">
-                <a:schemeClr val="tx1"/>
-              </a:fontRef>
-            </p:style>
-          </p:cxnSp>
-          <p:cxnSp>
-            <p:nvCxnSpPr>
-              <p:cNvPr id="23" name="Straight Connector 22">
-                <a:extLst>
-                  <a:ext uri="{FF2B5EF4-FFF2-40B4-BE49-F238E27FC236}">
-                    <a16:creationId xmlns:a16="http://schemas.microsoft.com/office/drawing/2014/main" id="{F70C88F4-C846-4BCB-9EF0-6ACB04ED529B}"/>
-                  </a:ext>
-                </a:extLst>
-              </p:cNvPr>
-              <p:cNvCxnSpPr>
-                <a:cxnSpLocks/>
-              </p:cNvCxnSpPr>
-              <p:nvPr/>
-            </p:nvCxnSpPr>
-            <p:spPr>
-              <a:xfrm>
-                <a:off x="2613061" y="3670300"/>
-                <a:ext cx="1850989" cy="0"/>
-              </a:xfrm>
-              <a:prstGeom prst="line">
-                <a:avLst/>
-              </a:prstGeom>
-              <a:ln w="25400"/>
-            </p:spPr>
-            <p:style>
-              <a:lnRef idx="1">
-                <a:schemeClr val="accent1"/>
-              </a:lnRef>
-              <a:fillRef idx="0">
-                <a:schemeClr val="accent1"/>
-              </a:fillRef>
-              <a:effectRef idx="0">
-                <a:schemeClr val="accent1"/>
-              </a:effectRef>
-              <a:fontRef idx="minor">
-                <a:schemeClr val="tx1"/>
-              </a:fontRef>
-            </p:style>
-          </p:cxnSp>
-          <p:cxnSp>
-            <p:nvCxnSpPr>
-              <p:cNvPr id="25" name="Straight Connector 24">
-                <a:extLst>
-                  <a:ext uri="{FF2B5EF4-FFF2-40B4-BE49-F238E27FC236}">
-                    <a16:creationId xmlns:a16="http://schemas.microsoft.com/office/drawing/2014/main" id="{E02D4755-D314-4907-A44C-6273B9AF2F19}"/>
-                  </a:ext>
-                </a:extLst>
-              </p:cNvPr>
-              <p:cNvCxnSpPr>
-                <a:cxnSpLocks/>
-              </p:cNvCxnSpPr>
-              <p:nvPr/>
-            </p:nvCxnSpPr>
-            <p:spPr>
-              <a:xfrm flipV="1">
-                <a:off x="4464050" y="2465798"/>
-                <a:ext cx="210938" cy="1205502"/>
-              </a:xfrm>
-              <a:prstGeom prst="line">
-                <a:avLst/>
-              </a:prstGeom>
-              <a:ln w="25400"/>
-            </p:spPr>
-            <p:style>
-              <a:lnRef idx="1">
-                <a:schemeClr val="accent1"/>
-              </a:lnRef>
-              <a:fillRef idx="0">
-                <a:schemeClr val="accent1"/>
-              </a:fillRef>
-              <a:effectRef idx="0">
-                <a:schemeClr val="accent1"/>
-              </a:effectRef>
-              <a:fontRef idx="minor">
-                <a:schemeClr val="tx1"/>
-              </a:fontRef>
-            </p:style>
-          </p:cxnSp>
-          <p:cxnSp>
-            <p:nvCxnSpPr>
-              <p:cNvPr id="27" name="Straight Connector 26">
-                <a:extLst>
-                  <a:ext uri="{FF2B5EF4-FFF2-40B4-BE49-F238E27FC236}">
-                    <a16:creationId xmlns:a16="http://schemas.microsoft.com/office/drawing/2014/main" id="{A274694A-2A57-4BE4-B81C-C6A5D5E0FD4A}"/>
-                  </a:ext>
-                </a:extLst>
-              </p:cNvPr>
-              <p:cNvCxnSpPr>
-                <a:cxnSpLocks/>
-              </p:cNvCxnSpPr>
-              <p:nvPr/>
-            </p:nvCxnSpPr>
-            <p:spPr>
-              <a:xfrm>
-                <a:off x="4674061" y="2485847"/>
-                <a:ext cx="58829" cy="623891"/>
-              </a:xfrm>
-              <a:prstGeom prst="line">
-                <a:avLst/>
-              </a:prstGeom>
-              <a:ln w="25400"/>
-            </p:spPr>
-            <p:style>
-              <a:lnRef idx="1">
-                <a:schemeClr val="accent1"/>
-              </a:lnRef>
-              <a:fillRef idx="0">
-                <a:schemeClr val="accent1"/>
-              </a:fillRef>
-              <a:effectRef idx="0">
-                <a:schemeClr val="accent1"/>
-              </a:effectRef>
-              <a:fontRef idx="minor">
-                <a:schemeClr val="tx1"/>
-              </a:fontRef>
-            </p:style>
-          </p:cxnSp>
-          <p:cxnSp>
-            <p:nvCxnSpPr>
-              <p:cNvPr id="29" name="Straight Connector 28">
-                <a:extLst>
-                  <a:ext uri="{FF2B5EF4-FFF2-40B4-BE49-F238E27FC236}">
-                    <a16:creationId xmlns:a16="http://schemas.microsoft.com/office/drawing/2014/main" id="{A9BBC60D-DF7F-49AA-BF67-C354BBA9DFF0}"/>
-                  </a:ext>
-                </a:extLst>
-              </p:cNvPr>
-              <p:cNvCxnSpPr>
-                <a:cxnSpLocks/>
-              </p:cNvCxnSpPr>
-              <p:nvPr/>
-            </p:nvCxnSpPr>
-            <p:spPr>
-              <a:xfrm flipV="1">
-                <a:off x="4732034" y="2465798"/>
-                <a:ext cx="74488" cy="635283"/>
-              </a:xfrm>
-              <a:prstGeom prst="line">
-                <a:avLst/>
-              </a:prstGeom>
-              <a:ln w="25400"/>
-            </p:spPr>
-            <p:style>
-              <a:lnRef idx="1">
-                <a:schemeClr val="accent1"/>
-              </a:lnRef>
-              <a:fillRef idx="0">
-                <a:schemeClr val="accent1"/>
-              </a:fillRef>
-              <a:effectRef idx="0">
-                <a:schemeClr val="accent1"/>
-              </a:effectRef>
-              <a:fontRef idx="minor">
-                <a:schemeClr val="tx1"/>
-              </a:fontRef>
-            </p:style>
-          </p:cxnSp>
-          <p:cxnSp>
-            <p:nvCxnSpPr>
-              <p:cNvPr id="31" name="Straight Connector 30">
-                <a:extLst>
-                  <a:ext uri="{FF2B5EF4-FFF2-40B4-BE49-F238E27FC236}">
-                    <a16:creationId xmlns:a16="http://schemas.microsoft.com/office/drawing/2014/main" id="{1515DA54-AD93-4000-B312-B14F6CE28A0B}"/>
-                  </a:ext>
-                </a:extLst>
-              </p:cNvPr>
-              <p:cNvCxnSpPr/>
-              <p:nvPr/>
-            </p:nvCxnSpPr>
-            <p:spPr>
-              <a:xfrm>
-                <a:off x="4806522" y="2465798"/>
-                <a:ext cx="1089061" cy="0"/>
-              </a:xfrm>
-              <a:prstGeom prst="line">
-                <a:avLst/>
-              </a:prstGeom>
-              <a:ln w="25400"/>
-            </p:spPr>
-            <p:style>
-              <a:lnRef idx="1">
-                <a:schemeClr val="accent1"/>
-              </a:lnRef>
-              <a:fillRef idx="0">
-                <a:schemeClr val="accent1"/>
-              </a:fillRef>
-              <a:effectRef idx="0">
-                <a:schemeClr val="accent1"/>
-              </a:effectRef>
-              <a:fontRef idx="minor">
-                <a:schemeClr val="tx1"/>
-              </a:fontRef>
-            </p:style>
-          </p:cxnSp>
-        </p:grpSp>
-        <p:cxnSp>
-          <p:nvCxnSpPr>
-            <p:cNvPr id="35" name="Straight Connector 34">
-              <a:extLst>
-                <a:ext uri="{FF2B5EF4-FFF2-40B4-BE49-F238E27FC236}">
-                  <a16:creationId xmlns:a16="http://schemas.microsoft.com/office/drawing/2014/main" id="{87BE83C7-956D-4EFD-AFF5-A0CAF45E6373}"/>
-                </a:ext>
-              </a:extLst>
-            </p:cNvPr>
-            <p:cNvCxnSpPr>
-              <a:cxnSpLocks/>
-              <a:endCxn id="36" idx="1"/>
-            </p:cNvCxnSpPr>
-            <p:nvPr/>
-          </p:nvCxnSpPr>
-          <p:spPr>
-            <a:xfrm flipV="1">
-              <a:off x="1321945" y="2567681"/>
-              <a:ext cx="4152531" cy="12112"/>
-            </a:xfrm>
-            <a:prstGeom prst="line">
-              <a:avLst/>
-            </a:prstGeom>
-            <a:ln w="12700">
-              <a:prstDash val="dash"/>
-            </a:ln>
-          </p:spPr>
-          <p:style>
-            <a:lnRef idx="1">
-              <a:schemeClr val="accent1"/>
-            </a:lnRef>
-            <a:fillRef idx="0">
-              <a:schemeClr val="accent1"/>
-            </a:fillRef>
-            <a:effectRef idx="0">
-              <a:schemeClr val="accent1"/>
-            </a:effectRef>
-            <a:fontRef idx="minor">
-              <a:schemeClr val="tx1"/>
-            </a:fontRef>
-          </p:style>
-        </p:cxnSp>
-        <p:sp>
-          <p:nvSpPr>
-            <p:cNvPr id="36" name="TextBox 35">
-              <a:extLst>
-                <a:ext uri="{FF2B5EF4-FFF2-40B4-BE49-F238E27FC236}">
-                  <a16:creationId xmlns:a16="http://schemas.microsoft.com/office/drawing/2014/main" id="{F5E2818C-26E0-40D6-96A0-BECAB4D9D535}"/>
-                </a:ext>
-              </a:extLst>
-            </p:cNvPr>
-            <p:cNvSpPr txBox="1"/>
-            <p:nvPr/>
-          </p:nvSpPr>
-          <p:spPr>
-            <a:xfrm>
-              <a:off x="5474476" y="2398404"/>
-              <a:ext cx="983474" cy="338554"/>
-            </a:xfrm>
-            <a:prstGeom prst="rect">
-              <a:avLst/>
-            </a:prstGeom>
-            <a:noFill/>
-          </p:spPr>
-          <p:txBody>
-            <a:bodyPr wrap="none" rtlCol="0">
-              <a:spAutoFit/>
-            </a:bodyPr>
-            <a:lstStyle/>
-            <a:p>
-              <a:pPr algn="l"/>
-              <a:r>
-                <a:rPr lang="en-SG" sz="1600" dirty="0"/>
-                <a:t>threshold</a:t>
-              </a:r>
-              <a:endParaRPr lang="en-US" sz="1600" dirty="0"/>
-            </a:p>
-          </p:txBody>
-        </p:sp>
-        <p:sp>
-          <p:nvSpPr>
-            <p:cNvPr id="39" name="TextBox 38">
-              <a:extLst>
-                <a:ext uri="{FF2B5EF4-FFF2-40B4-BE49-F238E27FC236}">
-                  <a16:creationId xmlns:a16="http://schemas.microsoft.com/office/drawing/2014/main" id="{28FEF003-A9F5-4B9F-B045-12A5491A66E7}"/>
-                </a:ext>
-              </a:extLst>
-            </p:cNvPr>
-            <p:cNvSpPr txBox="1"/>
-            <p:nvPr/>
-          </p:nvSpPr>
-          <p:spPr>
-            <a:xfrm>
-              <a:off x="723319" y="1763795"/>
-              <a:ext cx="513282" cy="276999"/>
-            </a:xfrm>
-            <a:prstGeom prst="rect">
-              <a:avLst/>
-            </a:prstGeom>
-            <a:noFill/>
-          </p:spPr>
-          <p:txBody>
-            <a:bodyPr wrap="none" rtlCol="0">
-              <a:spAutoFit/>
-            </a:bodyPr>
-            <a:lstStyle/>
-            <a:p>
-              <a:pPr algn="l"/>
-              <a:r>
-                <a:rPr lang="en-SG" sz="1200" dirty="0"/>
-                <a:t>HIGH</a:t>
-              </a:r>
-              <a:endParaRPr lang="en-US" sz="1200" dirty="0"/>
-            </a:p>
-          </p:txBody>
-        </p:sp>
-        <p:sp>
-          <p:nvSpPr>
-            <p:cNvPr id="40" name="TextBox 39">
-              <a:extLst>
-                <a:ext uri="{FF2B5EF4-FFF2-40B4-BE49-F238E27FC236}">
-                  <a16:creationId xmlns:a16="http://schemas.microsoft.com/office/drawing/2014/main" id="{68AC04A2-FA75-406E-9CAC-1DED0C0B8640}"/>
-                </a:ext>
-              </a:extLst>
-            </p:cNvPr>
-            <p:cNvSpPr txBox="1"/>
-            <p:nvPr/>
-          </p:nvSpPr>
-          <p:spPr>
-            <a:xfrm>
-              <a:off x="723319" y="2877417"/>
-              <a:ext cx="482568" cy="276999"/>
-            </a:xfrm>
-            <a:prstGeom prst="rect">
-              <a:avLst/>
-            </a:prstGeom>
-            <a:noFill/>
-          </p:spPr>
-          <p:txBody>
-            <a:bodyPr wrap="none" rtlCol="0">
-              <a:spAutoFit/>
-            </a:bodyPr>
-            <a:lstStyle/>
-            <a:p>
-              <a:pPr algn="l"/>
-              <a:r>
-                <a:rPr lang="en-SG" sz="1200" dirty="0"/>
-                <a:t>LOW</a:t>
-              </a:r>
-              <a:endParaRPr lang="en-US" sz="1200" dirty="0"/>
-            </a:p>
-          </p:txBody>
-        </p:sp>
-        <p:grpSp>
-          <p:nvGrpSpPr>
-            <p:cNvPr id="44" name="Group 43">
-              <a:extLst>
-                <a:ext uri="{FF2B5EF4-FFF2-40B4-BE49-F238E27FC236}">
-                  <a16:creationId xmlns:a16="http://schemas.microsoft.com/office/drawing/2014/main" id="{1B6589E3-671E-4E15-AF16-695B5D27D632}"/>
-                </a:ext>
-              </a:extLst>
-            </p:cNvPr>
-            <p:cNvGrpSpPr/>
-            <p:nvPr/>
-          </p:nvGrpSpPr>
-          <p:grpSpPr>
-            <a:xfrm>
-              <a:off x="2411006" y="1399026"/>
-              <a:ext cx="2668803" cy="338554"/>
-              <a:chOff x="2005258" y="3748475"/>
-              <a:chExt cx="2668803" cy="338554"/>
-            </a:xfrm>
-          </p:grpSpPr>
-          <p:cxnSp>
-            <p:nvCxnSpPr>
-              <p:cNvPr id="42" name="Straight Arrow Connector 41">
-                <a:extLst>
-                  <a:ext uri="{FF2B5EF4-FFF2-40B4-BE49-F238E27FC236}">
-                    <a16:creationId xmlns:a16="http://schemas.microsoft.com/office/drawing/2014/main" id="{79A232ED-6AFF-4C10-BA90-E6877368673B}"/>
-                  </a:ext>
-                </a:extLst>
-              </p:cNvPr>
-              <p:cNvCxnSpPr/>
-              <p:nvPr/>
-            </p:nvCxnSpPr>
-            <p:spPr>
-              <a:xfrm>
-                <a:off x="2005258" y="4086225"/>
-                <a:ext cx="2668803" cy="0"/>
-              </a:xfrm>
-              <a:prstGeom prst="straightConnector1">
-                <a:avLst/>
-              </a:prstGeom>
-              <a:ln w="25400">
+            <a:r>
+              <a:rPr lang="en-US" dirty="0"/>
+              <a:t>Embedded Systems 2</a:t>
+            </a:r>
+            <a:br>
+              <a:rPr lang="en-US" dirty="0"/>
+            </a:br>
+            <a:r>
+              <a:rPr lang="en-US" dirty="0"/>
+              <a:t>Programming</a:t>
+            </a:r>
+            <a:endParaRPr lang="en-US" dirty="0">
+              <a:solidFill>
+                <a:srgbClr val="FF0000"/>
+              </a:solidFill>
+            </a:endParaRPr>
+          </a:p>
+          <a:p>
+            <a:r>
+              <a:rPr lang="en-US" dirty="0">
                 <a:solidFill>
                   <a:srgbClr val="FF0000"/>
                 </a:solidFill>
-                <a:headEnd type="stealth" w="lg" len="lg"/>
-                <a:tailEnd type="stealth" w="lg" len="lg"/>
-              </a:ln>
-            </p:spPr>
-            <p:style>
-              <a:lnRef idx="1">
-                <a:schemeClr val="accent1"/>
-              </a:lnRef>
-              <a:fillRef idx="0">
-                <a:schemeClr val="accent1"/>
-              </a:fillRef>
-              <a:effectRef idx="0">
-                <a:schemeClr val="accent1"/>
-              </a:effectRef>
-              <a:fontRef idx="minor">
-                <a:schemeClr val="tx1"/>
-              </a:fontRef>
-            </p:style>
-          </p:cxnSp>
-          <p:sp>
-            <p:nvSpPr>
-              <p:cNvPr id="43" name="TextBox 42">
-                <a:extLst>
-                  <a:ext uri="{FF2B5EF4-FFF2-40B4-BE49-F238E27FC236}">
-                    <a16:creationId xmlns:a16="http://schemas.microsoft.com/office/drawing/2014/main" id="{6BEC3495-C579-4F5C-A815-F5B879906F6E}"/>
-                  </a:ext>
-                </a:extLst>
-              </p:cNvPr>
-              <p:cNvSpPr txBox="1"/>
-              <p:nvPr/>
-            </p:nvSpPr>
-            <p:spPr>
-              <a:xfrm>
-                <a:off x="2649445" y="3748475"/>
-                <a:ext cx="1259832" cy="338554"/>
-              </a:xfrm>
-              <a:prstGeom prst="rect">
-                <a:avLst/>
-              </a:prstGeom>
-              <a:noFill/>
-            </p:spPr>
-            <p:txBody>
-              <a:bodyPr wrap="none" rtlCol="0">
-                <a:spAutoFit/>
-              </a:bodyPr>
-              <a:lstStyle/>
-              <a:p>
-                <a:pPr algn="l"/>
-                <a:r>
-                  <a:rPr lang="en-SG" sz="1600" dirty="0"/>
-                  <a:t>1 push count</a:t>
-                </a:r>
-                <a:endParaRPr lang="en-US" sz="1600" dirty="0"/>
-              </a:p>
-            </p:txBody>
-          </p:sp>
-        </p:grpSp>
-        <p:grpSp>
-          <p:nvGrpSpPr>
-            <p:cNvPr id="55" name="Group 54">
-              <a:extLst>
-                <a:ext uri="{FF2B5EF4-FFF2-40B4-BE49-F238E27FC236}">
-                  <a16:creationId xmlns:a16="http://schemas.microsoft.com/office/drawing/2014/main" id="{25E2E49D-AFFC-43CE-8606-9A1F6A96F67D}"/>
-                </a:ext>
-              </a:extLst>
-            </p:cNvPr>
-            <p:cNvGrpSpPr/>
-            <p:nvPr/>
-          </p:nvGrpSpPr>
-          <p:grpSpPr>
-            <a:xfrm>
-              <a:off x="2071413" y="3343275"/>
-              <a:ext cx="3785464" cy="383214"/>
-              <a:chOff x="1612497" y="3952875"/>
-              <a:chExt cx="3785464" cy="383214"/>
-            </a:xfrm>
-          </p:grpSpPr>
-          <p:sp>
-            <p:nvSpPr>
-              <p:cNvPr id="47" name="Rectangle: Rounded Corners 46">
-                <a:extLst>
-                  <a:ext uri="{FF2B5EF4-FFF2-40B4-BE49-F238E27FC236}">
-                    <a16:creationId xmlns:a16="http://schemas.microsoft.com/office/drawing/2014/main" id="{734D307F-6ECB-45C2-9716-9787F1E777C5}"/>
-                  </a:ext>
-                </a:extLst>
-              </p:cNvPr>
-              <p:cNvSpPr/>
-              <p:nvPr/>
-            </p:nvSpPr>
-            <p:spPr>
-              <a:xfrm>
-                <a:off x="1612497" y="3952875"/>
-                <a:ext cx="658092" cy="383214"/>
-              </a:xfrm>
-              <a:prstGeom prst="roundRect">
-                <a:avLst/>
-              </a:prstGeom>
-            </p:spPr>
-            <p:style>
-              <a:lnRef idx="2">
-                <a:schemeClr val="accent1">
-                  <a:shade val="50000"/>
-                </a:schemeClr>
-              </a:lnRef>
-              <a:fillRef idx="1">
-                <a:schemeClr val="accent1"/>
-              </a:fillRef>
-              <a:effectRef idx="0">
-                <a:schemeClr val="accent1"/>
-              </a:effectRef>
-              <a:fontRef idx="minor">
-                <a:schemeClr val="lt1"/>
-              </a:fontRef>
-            </p:style>
-            <p:txBody>
-              <a:bodyPr rtlCol="0" anchor="ctr"/>
-              <a:lstStyle/>
-              <a:p>
-                <a:pPr algn="ctr"/>
-                <a:r>
-                  <a:rPr lang="en-SG" sz="1400" dirty="0"/>
-                  <a:t>HIGH</a:t>
-                </a:r>
-                <a:endParaRPr lang="en-US" sz="1400" dirty="0"/>
-              </a:p>
-            </p:txBody>
-          </p:sp>
-          <p:sp>
-            <p:nvSpPr>
-              <p:cNvPr id="48" name="Rectangle: Rounded Corners 47">
-                <a:extLst>
-                  <a:ext uri="{FF2B5EF4-FFF2-40B4-BE49-F238E27FC236}">
-                    <a16:creationId xmlns:a16="http://schemas.microsoft.com/office/drawing/2014/main" id="{6944A288-5FA6-4A59-9B4E-A41300029060}"/>
-                  </a:ext>
-                </a:extLst>
-              </p:cNvPr>
-              <p:cNvSpPr/>
-              <p:nvPr/>
-            </p:nvSpPr>
-            <p:spPr>
-              <a:xfrm>
-                <a:off x="3132209" y="3952875"/>
-                <a:ext cx="723900" cy="383214"/>
-              </a:xfrm>
-              <a:prstGeom prst="roundRect">
-                <a:avLst/>
-              </a:prstGeom>
-            </p:spPr>
-            <p:style>
-              <a:lnRef idx="2">
-                <a:schemeClr val="accent1">
-                  <a:shade val="50000"/>
-                </a:schemeClr>
-              </a:lnRef>
-              <a:fillRef idx="1">
-                <a:schemeClr val="accent1"/>
-              </a:fillRef>
-              <a:effectRef idx="0">
-                <a:schemeClr val="accent1"/>
-              </a:effectRef>
-              <a:fontRef idx="minor">
-                <a:schemeClr val="lt1"/>
-              </a:fontRef>
-            </p:style>
-            <p:txBody>
-              <a:bodyPr rtlCol="0" anchor="ctr"/>
-              <a:lstStyle/>
-              <a:p>
-                <a:pPr algn="ctr"/>
-                <a:r>
-                  <a:rPr lang="en-SG" sz="1400" dirty="0"/>
-                  <a:t>LOW</a:t>
-                </a:r>
-                <a:endParaRPr lang="en-US" sz="1400" dirty="0"/>
-              </a:p>
-            </p:txBody>
-          </p:sp>
-          <p:sp>
-            <p:nvSpPr>
-              <p:cNvPr id="49" name="Rectangle: Rounded Corners 48">
-                <a:extLst>
-                  <a:ext uri="{FF2B5EF4-FFF2-40B4-BE49-F238E27FC236}">
-                    <a16:creationId xmlns:a16="http://schemas.microsoft.com/office/drawing/2014/main" id="{FEDCE50D-8B33-4586-B4B4-ABAC133A1F69}"/>
-                  </a:ext>
-                </a:extLst>
-              </p:cNvPr>
-              <p:cNvSpPr/>
-              <p:nvPr/>
-            </p:nvSpPr>
-            <p:spPr>
-              <a:xfrm>
-                <a:off x="4674061" y="3952875"/>
-                <a:ext cx="723900" cy="383214"/>
-              </a:xfrm>
-              <a:prstGeom prst="roundRect">
-                <a:avLst/>
-              </a:prstGeom>
-            </p:spPr>
-            <p:style>
-              <a:lnRef idx="2">
-                <a:schemeClr val="accent1">
-                  <a:shade val="50000"/>
-                </a:schemeClr>
-              </a:lnRef>
-              <a:fillRef idx="1">
-                <a:schemeClr val="accent1"/>
-              </a:fillRef>
-              <a:effectRef idx="0">
-                <a:schemeClr val="accent1"/>
-              </a:effectRef>
-              <a:fontRef idx="minor">
-                <a:schemeClr val="lt1"/>
-              </a:fontRef>
-            </p:style>
-            <p:txBody>
-              <a:bodyPr rtlCol="0" anchor="ctr"/>
-              <a:lstStyle/>
-              <a:p>
-                <a:pPr algn="ctr"/>
-                <a:r>
-                  <a:rPr lang="en-SG" sz="1400" dirty="0"/>
-                  <a:t>HIGH</a:t>
-                </a:r>
-                <a:endParaRPr lang="en-US" sz="1400" dirty="0"/>
-              </a:p>
-            </p:txBody>
-          </p:sp>
-          <p:cxnSp>
-            <p:nvCxnSpPr>
-              <p:cNvPr id="51" name="Straight Arrow Connector 50">
-                <a:extLst>
-                  <a:ext uri="{FF2B5EF4-FFF2-40B4-BE49-F238E27FC236}">
-                    <a16:creationId xmlns:a16="http://schemas.microsoft.com/office/drawing/2014/main" id="{B88B4B20-A3A1-4CC7-8D6F-0BAB41642D55}"/>
-                  </a:ext>
-                </a:extLst>
-              </p:cNvPr>
-              <p:cNvCxnSpPr>
-                <a:stCxn id="47" idx="3"/>
-                <a:endCxn id="48" idx="1"/>
-              </p:cNvCxnSpPr>
-              <p:nvPr/>
-            </p:nvCxnSpPr>
-            <p:spPr>
-              <a:xfrm>
-                <a:off x="2270589" y="4144482"/>
-                <a:ext cx="861620" cy="0"/>
-              </a:xfrm>
-              <a:prstGeom prst="straightConnector1">
-                <a:avLst/>
-              </a:prstGeom>
-              <a:ln>
-                <a:tailEnd type="triangle"/>
-              </a:ln>
-            </p:spPr>
-            <p:style>
-              <a:lnRef idx="1">
-                <a:schemeClr val="accent1"/>
-              </a:lnRef>
-              <a:fillRef idx="0">
-                <a:schemeClr val="accent1"/>
-              </a:fillRef>
-              <a:effectRef idx="0">
-                <a:schemeClr val="accent1"/>
-              </a:effectRef>
-              <a:fontRef idx="minor">
-                <a:schemeClr val="tx1"/>
-              </a:fontRef>
-            </p:style>
-          </p:cxnSp>
-          <p:cxnSp>
-            <p:nvCxnSpPr>
-              <p:cNvPr id="52" name="Straight Arrow Connector 51">
-                <a:extLst>
-                  <a:ext uri="{FF2B5EF4-FFF2-40B4-BE49-F238E27FC236}">
-                    <a16:creationId xmlns:a16="http://schemas.microsoft.com/office/drawing/2014/main" id="{B1974598-2CFC-43AE-B961-6DBFE5B99ABF}"/>
-                  </a:ext>
-                </a:extLst>
-              </p:cNvPr>
-              <p:cNvCxnSpPr>
-                <a:cxnSpLocks/>
-                <a:stCxn id="48" idx="3"/>
-                <a:endCxn id="49" idx="1"/>
-              </p:cNvCxnSpPr>
-              <p:nvPr/>
-            </p:nvCxnSpPr>
-            <p:spPr>
-              <a:xfrm>
-                <a:off x="3856109" y="4144482"/>
-                <a:ext cx="817952" cy="0"/>
-              </a:xfrm>
-              <a:prstGeom prst="straightConnector1">
-                <a:avLst/>
-              </a:prstGeom>
-              <a:ln>
-                <a:tailEnd type="triangle"/>
-              </a:ln>
-            </p:spPr>
-            <p:style>
-              <a:lnRef idx="1">
-                <a:schemeClr val="accent1"/>
-              </a:lnRef>
-              <a:fillRef idx="0">
-                <a:schemeClr val="accent1"/>
-              </a:fillRef>
-              <a:effectRef idx="0">
-                <a:schemeClr val="accent1"/>
-              </a:effectRef>
-              <a:fontRef idx="minor">
-                <a:schemeClr val="tx1"/>
-              </a:fontRef>
-            </p:style>
-          </p:cxnSp>
-        </p:grpSp>
-        <p:sp>
-          <p:nvSpPr>
-            <p:cNvPr id="58" name="TextBox 57">
-              <a:extLst>
-                <a:ext uri="{FF2B5EF4-FFF2-40B4-BE49-F238E27FC236}">
-                  <a16:creationId xmlns:a16="http://schemas.microsoft.com/office/drawing/2014/main" id="{8DFCABA5-1816-4A5E-918C-09A03299F0CF}"/>
-                </a:ext>
-              </a:extLst>
-            </p:cNvPr>
-            <p:cNvSpPr txBox="1"/>
-            <p:nvPr/>
-          </p:nvSpPr>
-          <p:spPr>
-            <a:xfrm>
-              <a:off x="1209094" y="3396382"/>
-              <a:ext cx="545855" cy="276999"/>
-            </a:xfrm>
-            <a:prstGeom prst="rect">
-              <a:avLst/>
-            </a:prstGeom>
-            <a:noFill/>
-          </p:spPr>
-          <p:txBody>
-            <a:bodyPr wrap="none" rtlCol="0">
-              <a:spAutoFit/>
-            </a:bodyPr>
-            <a:lstStyle/>
-            <a:p>
-              <a:pPr algn="l"/>
-              <a:r>
-                <a:rPr lang="en-SG" sz="1200" dirty="0"/>
-                <a:t>STATE</a:t>
-              </a:r>
-              <a:endParaRPr lang="en-US" sz="1200" dirty="0"/>
-            </a:p>
-          </p:txBody>
-        </p:sp>
-        <p:cxnSp>
-          <p:nvCxnSpPr>
-            <p:cNvPr id="60" name="Straight Connector 59">
-              <a:extLst>
-                <a:ext uri="{FF2B5EF4-FFF2-40B4-BE49-F238E27FC236}">
-                  <a16:creationId xmlns:a16="http://schemas.microsoft.com/office/drawing/2014/main" id="{D06E9835-8257-4A2E-B701-E8B186A16594}"/>
-                </a:ext>
-              </a:extLst>
-            </p:cNvPr>
-            <p:cNvCxnSpPr>
-              <a:cxnSpLocks/>
-            </p:cNvCxnSpPr>
-            <p:nvPr/>
-          </p:nvCxnSpPr>
-          <p:spPr>
-            <a:xfrm>
-              <a:off x="5966213" y="3164614"/>
-              <a:ext cx="0" cy="835886"/>
-            </a:xfrm>
-            <a:prstGeom prst="line">
-              <a:avLst/>
-            </a:prstGeom>
-            <a:ln>
-              <a:prstDash val="dash"/>
-            </a:ln>
-          </p:spPr>
-          <p:style>
-            <a:lnRef idx="1">
-              <a:schemeClr val="accent1"/>
-            </a:lnRef>
-            <a:fillRef idx="0">
-              <a:schemeClr val="accent1"/>
-            </a:fillRef>
-            <a:effectRef idx="0">
-              <a:schemeClr val="accent1"/>
-            </a:effectRef>
-            <a:fontRef idx="minor">
-              <a:schemeClr val="tx1"/>
-            </a:fontRef>
-          </p:style>
-        </p:cxnSp>
-        <p:sp>
-          <p:nvSpPr>
-            <p:cNvPr id="62" name="TextBox 61">
-              <a:extLst>
-                <a:ext uri="{FF2B5EF4-FFF2-40B4-BE49-F238E27FC236}">
-                  <a16:creationId xmlns:a16="http://schemas.microsoft.com/office/drawing/2014/main" id="{8918B2D3-E7D9-444D-B6E3-54238A0D0CD0}"/>
-                </a:ext>
-              </a:extLst>
-            </p:cNvPr>
-            <p:cNvSpPr txBox="1"/>
-            <p:nvPr/>
-          </p:nvSpPr>
-          <p:spPr>
-            <a:xfrm>
-              <a:off x="6075550" y="3242493"/>
-              <a:ext cx="1088760" cy="584775"/>
-            </a:xfrm>
-            <a:prstGeom prst="rect">
-              <a:avLst/>
-            </a:prstGeom>
-            <a:noFill/>
-          </p:spPr>
-          <p:txBody>
-            <a:bodyPr wrap="none" rtlCol="0">
-              <a:spAutoFit/>
-            </a:bodyPr>
-            <a:lstStyle/>
-            <a:p>
-              <a:pPr algn="l"/>
-              <a:r>
-                <a:rPr lang="en-SG" sz="1600" dirty="0">
-                  <a:solidFill>
-                    <a:srgbClr val="FF0000"/>
-                  </a:solidFill>
-                </a:rPr>
-                <a:t>Record SW</a:t>
-              </a:r>
-              <a:br>
-                <a:rPr lang="en-SG" sz="1600" dirty="0">
-                  <a:solidFill>
-                    <a:srgbClr val="FF0000"/>
-                  </a:solidFill>
-                </a:rPr>
-              </a:br>
-              <a:r>
-                <a:rPr lang="en-SG" sz="1600" dirty="0">
-                  <a:solidFill>
-                    <a:srgbClr val="FF0000"/>
-                  </a:solidFill>
-                </a:rPr>
-                <a:t>event</a:t>
-              </a:r>
-              <a:endParaRPr lang="en-US" sz="1600" dirty="0">
-                <a:solidFill>
-                  <a:srgbClr val="FF0000"/>
-                </a:solidFill>
-              </a:endParaRPr>
-            </a:p>
-          </p:txBody>
-        </p:sp>
-      </p:grpSp>
+              </a:rPr>
+              <a:t>End</a:t>
+            </a:r>
+          </a:p>
+        </p:txBody>
+      </p:sp>
     </p:spTree>
     <p:extLst>
       <p:ext uri="{BB962C8B-B14F-4D97-AF65-F5344CB8AC3E}">
-        <p14:creationId xmlns:p14="http://schemas.microsoft.com/office/powerpoint/2010/main" val="3507599271"/>
-      </p:ext>
-    </p:extLst>
-  </p:cSld>
-  <p:clrMapOvr>
-    <a:masterClrMapping/>
-  </p:clrMapOvr>
-</p:sld>
-</file>
-
-<file path=ppt/slides/slide18.xml><?xml version="1.0" encoding="utf-8"?>
-<p:sld xmlns:a="http://schemas.openxmlformats.org/drawingml/2006/main" xmlns:r="http://schemas.openxmlformats.org/officeDocument/2006/relationships" xmlns:p="http://schemas.openxmlformats.org/presentationml/2006/main">
-  <p:cSld>
-    <p:spTree>
-      <p:nvGrpSpPr>
-        <p:cNvPr id="1" name=""/>
-        <p:cNvGrpSpPr/>
-        <p:nvPr/>
-      </p:nvGrpSpPr>
-      <p:grpSpPr>
-        <a:xfrm>
-          <a:off x="0" y="0"/>
-          <a:ext cx="0" cy="0"/>
-          <a:chOff x="0" y="0"/>
-          <a:chExt cx="0" cy="0"/>
-        </a:xfrm>
-      </p:grpSpPr>
-      <p:sp>
-        <p:nvSpPr>
-          <p:cNvPr id="2" name="Title 1">
-            <a:extLst>
-              <a:ext uri="{FF2B5EF4-FFF2-40B4-BE49-F238E27FC236}">
-                <a16:creationId xmlns:a16="http://schemas.microsoft.com/office/drawing/2014/main" id="{AE5B9619-4037-49A1-A4DF-131D2EBD868F}"/>
-              </a:ext>
-            </a:extLst>
-          </p:cNvPr>
-          <p:cNvSpPr>
-            <a:spLocks noGrp="1"/>
-          </p:cNvSpPr>
-          <p:nvPr>
-            <p:ph type="title"/>
-          </p:nvPr>
-        </p:nvSpPr>
-        <p:spPr/>
-        <p:txBody>
-          <a:bodyPr/>
-          <a:lstStyle/>
-          <a:p>
-            <a:r>
-              <a:rPr lang="en-SG" dirty="0"/>
-              <a:t>Using states</a:t>
-            </a:r>
-            <a:endParaRPr lang="en-US" dirty="0"/>
-          </a:p>
-        </p:txBody>
-      </p:sp>
-      <p:sp>
-        <p:nvSpPr>
-          <p:cNvPr id="6" name="Content Placeholder 5">
-            <a:extLst>
-              <a:ext uri="{FF2B5EF4-FFF2-40B4-BE49-F238E27FC236}">
-                <a16:creationId xmlns:a16="http://schemas.microsoft.com/office/drawing/2014/main" id="{A3E48A48-D6EB-47A9-B0F5-F077E4ED7EF8}"/>
-              </a:ext>
-            </a:extLst>
-          </p:cNvPr>
-          <p:cNvSpPr>
-            <a:spLocks noGrp="1"/>
-          </p:cNvSpPr>
-          <p:nvPr>
-            <p:ph idx="1"/>
-          </p:nvPr>
-        </p:nvSpPr>
-        <p:spPr>
-          <a:xfrm>
-            <a:off x="628649" y="1825625"/>
-            <a:ext cx="3603197" cy="4351338"/>
-          </a:xfrm>
-        </p:spPr>
-        <p:txBody>
-          <a:bodyPr/>
-          <a:lstStyle/>
-          <a:p>
-            <a:r>
-              <a:rPr lang="en-SG" sz="2000" dirty="0"/>
-              <a:t>Use states to track the keypress.</a:t>
-            </a:r>
-          </a:p>
-          <a:p>
-            <a:r>
-              <a:rPr lang="en-SG" sz="2000" dirty="0"/>
-              <a:t>HIGH = normal</a:t>
-            </a:r>
-            <a:br>
-              <a:rPr lang="en-SG" sz="2000" dirty="0"/>
-            </a:br>
-            <a:r>
-              <a:rPr lang="en-SG" sz="2000" dirty="0"/>
-              <a:t>LOW  = in a keypress</a:t>
-            </a:r>
-            <a:br>
-              <a:rPr lang="en-SG" sz="2000" dirty="0"/>
-            </a:br>
-            <a:r>
-              <a:rPr lang="en-SG" sz="2000" dirty="0"/>
-              <a:t>HIGH = returns to normal</a:t>
-            </a:r>
-          </a:p>
-          <a:p>
-            <a:r>
-              <a:rPr lang="en-SG" sz="2000" dirty="0"/>
-              <a:t>Add short delay when key is pressed to remove bouncing</a:t>
-            </a:r>
-          </a:p>
-          <a:p>
-            <a:r>
-              <a:rPr lang="en-SG" sz="2000" dirty="0"/>
-              <a:t>Record the keypress only when the sequence is complete.</a:t>
-            </a:r>
-            <a:endParaRPr lang="en-US" sz="2000" dirty="0"/>
-          </a:p>
-        </p:txBody>
-      </p:sp>
-      <p:sp>
-        <p:nvSpPr>
-          <p:cNvPr id="3" name="Slide Number Placeholder 2">
-            <a:extLst>
-              <a:ext uri="{FF2B5EF4-FFF2-40B4-BE49-F238E27FC236}">
-                <a16:creationId xmlns:a16="http://schemas.microsoft.com/office/drawing/2014/main" id="{389C1FB5-83B6-4D93-81B8-9CB22B441CF0}"/>
-              </a:ext>
-            </a:extLst>
-          </p:cNvPr>
-          <p:cNvSpPr>
-            <a:spLocks noGrp="1"/>
-          </p:cNvSpPr>
-          <p:nvPr>
-            <p:ph type="sldNum" sz="quarter" idx="12"/>
-          </p:nvPr>
-        </p:nvSpPr>
-        <p:spPr/>
-        <p:txBody>
-          <a:bodyPr/>
-          <a:lstStyle/>
-          <a:p>
-            <a:fld id="{CAB166B3-F268-4CEF-878A-CFB0D0D505D3}" type="slidenum">
-              <a:rPr lang="en-US" smtClean="0"/>
-              <a:t>18</a:t>
-            </a:fld>
-            <a:endParaRPr lang="en-US"/>
-          </a:p>
-        </p:txBody>
-      </p:sp>
-      <p:pic>
-        <p:nvPicPr>
-          <p:cNvPr id="5" name="Picture 4">
-            <a:hlinkClick r:id="rId2"/>
-            <a:extLst>
-              <a:ext uri="{FF2B5EF4-FFF2-40B4-BE49-F238E27FC236}">
-                <a16:creationId xmlns:a16="http://schemas.microsoft.com/office/drawing/2014/main" id="{2ADA3D06-56DF-49FF-9D7F-F54FFD8D64BF}"/>
-              </a:ext>
-            </a:extLst>
-          </p:cNvPr>
-          <p:cNvPicPr>
-            <a:picLocks noChangeAspect="1"/>
-          </p:cNvPicPr>
-          <p:nvPr/>
-        </p:nvPicPr>
-        <p:blipFill>
-          <a:blip r:embed="rId3"/>
-          <a:stretch>
-            <a:fillRect/>
-          </a:stretch>
-        </p:blipFill>
-        <p:spPr>
-          <a:xfrm>
-            <a:off x="4412823" y="1204912"/>
-            <a:ext cx="3921551" cy="5110163"/>
-          </a:xfrm>
-          <a:prstGeom prst="rect">
-            <a:avLst/>
-          </a:prstGeom>
-        </p:spPr>
-      </p:pic>
-      <p:sp>
-        <p:nvSpPr>
-          <p:cNvPr id="7" name="TextBox 6">
-            <a:extLst>
-              <a:ext uri="{FF2B5EF4-FFF2-40B4-BE49-F238E27FC236}">
-                <a16:creationId xmlns:a16="http://schemas.microsoft.com/office/drawing/2014/main" id="{26A05254-63B8-476C-86BE-ED0B9A598604}"/>
-              </a:ext>
-            </a:extLst>
-          </p:cNvPr>
-          <p:cNvSpPr txBox="1"/>
-          <p:nvPr/>
-        </p:nvSpPr>
-        <p:spPr>
-          <a:xfrm>
-            <a:off x="1385776" y="6005096"/>
-            <a:ext cx="3027047" cy="338554"/>
-          </a:xfrm>
-          <a:prstGeom prst="rect">
-            <a:avLst/>
-          </a:prstGeom>
-          <a:noFill/>
-        </p:spPr>
-        <p:txBody>
-          <a:bodyPr wrap="none" rtlCol="0">
-            <a:spAutoFit/>
-          </a:bodyPr>
-          <a:lstStyle/>
-          <a:p>
-            <a:pPr algn="l"/>
-            <a:r>
-              <a:rPr lang="en-SG" sz="1600" dirty="0">
-                <a:hlinkClick r:id="rId2"/>
-              </a:rPr>
-              <a:t>Reading a Pushbutton using states</a:t>
-            </a:r>
-            <a:endParaRPr lang="en-US" sz="1600" dirty="0"/>
-          </a:p>
-        </p:txBody>
-      </p:sp>
-    </p:spTree>
-    <p:extLst>
-      <p:ext uri="{BB962C8B-B14F-4D97-AF65-F5344CB8AC3E}">
-        <p14:creationId xmlns:p14="http://schemas.microsoft.com/office/powerpoint/2010/main" val="3336215753"/>
-      </p:ext>
-    </p:extLst>
-  </p:cSld>
-  <p:clrMapOvr>
-    <a:masterClrMapping/>
-  </p:clrMapOvr>
-</p:sld>
-</file>
-
-<file path=ppt/slides/slide19.xml><?xml version="1.0" encoding="utf-8"?>
-<p:sld xmlns:a="http://schemas.openxmlformats.org/drawingml/2006/main" xmlns:r="http://schemas.openxmlformats.org/officeDocument/2006/relationships" xmlns:p="http://schemas.openxmlformats.org/presentationml/2006/main">
-  <p:cSld>
-    <p:spTree>
-      <p:nvGrpSpPr>
-        <p:cNvPr id="1" name=""/>
-        <p:cNvGrpSpPr/>
-        <p:nvPr/>
-      </p:nvGrpSpPr>
-      <p:grpSpPr>
-        <a:xfrm>
-          <a:off x="0" y="0"/>
-          <a:ext cx="0" cy="0"/>
-          <a:chOff x="0" y="0"/>
-          <a:chExt cx="0" cy="0"/>
-        </a:xfrm>
-      </p:grpSpPr>
-      <p:sp>
-        <p:nvSpPr>
-          <p:cNvPr id="2" name="Title 1">
-            <a:extLst>
-              <a:ext uri="{FF2B5EF4-FFF2-40B4-BE49-F238E27FC236}">
-                <a16:creationId xmlns:a16="http://schemas.microsoft.com/office/drawing/2014/main" id="{1F1A4DE1-0050-44A9-B316-089CDA4A46F1}"/>
-              </a:ext>
-            </a:extLst>
-          </p:cNvPr>
-          <p:cNvSpPr>
-            <a:spLocks noGrp="1"/>
-          </p:cNvSpPr>
-          <p:nvPr>
-            <p:ph type="title"/>
-          </p:nvPr>
-        </p:nvSpPr>
-        <p:spPr/>
-        <p:txBody>
-          <a:bodyPr/>
-          <a:lstStyle/>
-          <a:p>
-            <a:r>
-              <a:rPr lang="en-SG" dirty="0"/>
-              <a:t>Assignment: Programming</a:t>
-            </a:r>
-            <a:endParaRPr lang="en-US" dirty="0"/>
-          </a:p>
-        </p:txBody>
-      </p:sp>
-      <p:sp>
-        <p:nvSpPr>
-          <p:cNvPr id="3" name="Content Placeholder 2">
-            <a:extLst>
-              <a:ext uri="{FF2B5EF4-FFF2-40B4-BE49-F238E27FC236}">
-                <a16:creationId xmlns:a16="http://schemas.microsoft.com/office/drawing/2014/main" id="{A5EDED9D-C897-481F-B2B0-3770926AD03D}"/>
-              </a:ext>
-            </a:extLst>
-          </p:cNvPr>
-          <p:cNvSpPr>
-            <a:spLocks noGrp="1"/>
-          </p:cNvSpPr>
-          <p:nvPr>
-            <p:ph idx="1"/>
-          </p:nvPr>
-        </p:nvSpPr>
-        <p:spPr/>
-        <p:txBody>
-          <a:bodyPr/>
-          <a:lstStyle/>
-          <a:p>
-            <a:r>
-              <a:rPr lang="en-SG" sz="2400" dirty="0"/>
-              <a:t>Work out </a:t>
-            </a:r>
-            <a:r>
-              <a:rPr lang="en-SG" sz="2400" dirty="0">
-                <a:hlinkClick r:id="rId2"/>
-              </a:rPr>
-              <a:t>Assignment 12 Introduction to Arduino Programming</a:t>
-            </a:r>
-            <a:r>
-              <a:rPr lang="en-SG" sz="2400" dirty="0"/>
-              <a:t> using </a:t>
-            </a:r>
-            <a:r>
-              <a:rPr lang="en-SG" sz="2400" dirty="0" err="1"/>
-              <a:t>TinkerCAD</a:t>
-            </a:r>
-            <a:r>
-              <a:rPr lang="en-SG" sz="2400" dirty="0"/>
-              <a:t>.</a:t>
-            </a:r>
-          </a:p>
-          <a:p>
-            <a:r>
-              <a:rPr lang="en-US" sz="2400" dirty="0"/>
-              <a:t>Simulate your solution using </a:t>
-            </a:r>
-            <a:r>
-              <a:rPr lang="en-US" sz="2400" dirty="0" err="1"/>
-              <a:t>TinkerCAD</a:t>
-            </a:r>
-            <a:r>
-              <a:rPr lang="en-US" sz="2400" dirty="0"/>
-              <a:t>.</a:t>
-            </a:r>
-            <a:br>
-              <a:rPr lang="en-US" sz="2400" dirty="0"/>
-            </a:br>
-            <a:r>
-              <a:rPr lang="en-US" sz="2400" dirty="0"/>
-              <a:t>Use Serial to display messages showing the states and to show that you know how to use the library and the serial monitor.</a:t>
-            </a:r>
-          </a:p>
-          <a:p>
-            <a:r>
-              <a:rPr lang="en-US" sz="2400" dirty="0"/>
-              <a:t>Document your work on your site.</a:t>
-            </a:r>
-          </a:p>
-        </p:txBody>
-      </p:sp>
-      <p:sp>
-        <p:nvSpPr>
-          <p:cNvPr id="4" name="Slide Number Placeholder 3">
-            <a:extLst>
-              <a:ext uri="{FF2B5EF4-FFF2-40B4-BE49-F238E27FC236}">
-                <a16:creationId xmlns:a16="http://schemas.microsoft.com/office/drawing/2014/main" id="{586805C0-B046-4BEE-9BFF-AE1586F38318}"/>
-              </a:ext>
-            </a:extLst>
-          </p:cNvPr>
-          <p:cNvSpPr>
-            <a:spLocks noGrp="1"/>
-          </p:cNvSpPr>
-          <p:nvPr>
-            <p:ph type="sldNum" sz="quarter" idx="12"/>
-          </p:nvPr>
-        </p:nvSpPr>
-        <p:spPr/>
-        <p:txBody>
-          <a:bodyPr/>
-          <a:lstStyle/>
-          <a:p>
-            <a:fld id="{CAB166B3-F268-4CEF-878A-CFB0D0D505D3}" type="slidenum">
-              <a:rPr lang="en-US" smtClean="0"/>
-              <a:t>19</a:t>
-            </a:fld>
-            <a:endParaRPr lang="en-US"/>
-          </a:p>
-        </p:txBody>
-      </p:sp>
-    </p:spTree>
-    <p:extLst>
-      <p:ext uri="{BB962C8B-B14F-4D97-AF65-F5344CB8AC3E}">
-        <p14:creationId xmlns:p14="http://schemas.microsoft.com/office/powerpoint/2010/main" val="1618769292"/>
+        <p14:creationId xmlns:p14="http://schemas.microsoft.com/office/powerpoint/2010/main" val="2293809126"/>
       </p:ext>
     </p:extLst>
   </p:cSld>
@@ -6726,7 +5265,7 @@
           <p:cNvPr id="2" name="Title 1">
             <a:extLst>
               <a:ext uri="{FF2B5EF4-FFF2-40B4-BE49-F238E27FC236}">
-                <a16:creationId xmlns:a16="http://schemas.microsoft.com/office/drawing/2014/main" id="{F1F4F195-DFA3-4C49-B4DB-19E06C2B1922}"/>
+                <a16:creationId xmlns:a16="http://schemas.microsoft.com/office/drawing/2014/main" id="{963109FB-4C5A-4D22-9F59-474723385FC0}"/>
               </a:ext>
             </a:extLst>
           </p:cNvPr>
@@ -6744,7 +5283,7 @@
           <a:p>
             <a:r>
               <a:rPr lang="en-SG" dirty="0"/>
-              <a:t>Digital I/O</a:t>
+              <a:t>Arduino System</a:t>
             </a:r>
             <a:endParaRPr lang="en-US" dirty="0"/>
           </a:p>
@@ -6755,7 +5294,7 @@
           <p:cNvPr id="3" name="Content Placeholder 2">
             <a:extLst>
               <a:ext uri="{FF2B5EF4-FFF2-40B4-BE49-F238E27FC236}">
-                <a16:creationId xmlns:a16="http://schemas.microsoft.com/office/drawing/2014/main" id="{1472050B-711C-42F7-9207-877C7D4EA8A8}"/>
+                <a16:creationId xmlns:a16="http://schemas.microsoft.com/office/drawing/2014/main" id="{3E7F6438-5B43-456E-BB7D-0EC7F2D83CE0}"/>
               </a:ext>
             </a:extLst>
           </p:cNvPr>
@@ -6763,13 +5302,13 @@
             <a:spLocks noGrp="1"/>
           </p:cNvSpPr>
           <p:nvPr>
-            <p:ph sz="half" idx="1"/>
+            <p:ph idx="1"/>
           </p:nvPr>
         </p:nvSpPr>
         <p:spPr>
           <a:xfrm>
-            <a:off x="628650" y="4076701"/>
-            <a:ext cx="7611224" cy="2100262"/>
+            <a:off x="628650" y="1825625"/>
+            <a:ext cx="3943350" cy="4351338"/>
           </a:xfrm>
         </p:spPr>
         <p:txBody>
@@ -6777,24 +5316,45 @@
           <a:lstStyle/>
           <a:p>
             <a:r>
-              <a:rPr lang="en-SG" sz="2000" dirty="0"/>
-              <a:t>The Uno uses the ATMega328 processor, which has 14 digital I/O pins (Some of these pins are multifunctional)</a:t>
-            </a:r>
-          </a:p>
-          <a:p>
-            <a:r>
-              <a:rPr lang="en-SG" sz="2000" dirty="0"/>
-              <a:t>A digital I/O pin can input or output digital (0, 5V) signals.</a:t>
-            </a:r>
-          </a:p>
-        </p:txBody>
-      </p:sp>
-      <p:sp>
-        <p:nvSpPr>
-          <p:cNvPr id="5" name="Slide Number Placeholder 4">
+              <a:rPr lang="en-SG" sz="2400" dirty="0"/>
+              <a:t>Programs written for the Arduino system are text files called sketches (extension .</a:t>
+            </a:r>
+            <a:r>
+              <a:rPr lang="en-SG" sz="2400" dirty="0" err="1"/>
+              <a:t>ino</a:t>
+            </a:r>
+            <a:r>
+              <a:rPr lang="en-SG" sz="2400" dirty="0"/>
+              <a:t>)</a:t>
+            </a:r>
+          </a:p>
+          <a:p>
+            <a:r>
+              <a:rPr lang="en-SG" sz="2400" dirty="0"/>
+              <a:t>The programming language used is based on </a:t>
+            </a:r>
+            <a:r>
+              <a:rPr lang="en-SG" sz="2400" dirty="0">
+                <a:hlinkClick r:id="rId2"/>
+              </a:rPr>
+              <a:t>Processing</a:t>
+            </a:r>
+            <a:r>
+              <a:rPr lang="en-SG" sz="2400" dirty="0"/>
+              <a:t>, which is loosely based on the C++ syntax.</a:t>
+            </a:r>
+          </a:p>
+          <a:p>
+            <a:endParaRPr lang="en-US" sz="2400" dirty="0"/>
+          </a:p>
+        </p:txBody>
+      </p:sp>
+      <p:sp>
+        <p:nvSpPr>
+          <p:cNvPr id="4" name="Slide Number Placeholder 3">
             <a:extLst>
               <a:ext uri="{FF2B5EF4-FFF2-40B4-BE49-F238E27FC236}">
-                <a16:creationId xmlns:a16="http://schemas.microsoft.com/office/drawing/2014/main" id="{326EDBCB-BC82-48EB-9934-83D474F2A551}"/>
+                <a16:creationId xmlns:a16="http://schemas.microsoft.com/office/drawing/2014/main" id="{5E78216E-C5BD-42DE-A346-BE0274857264}"/>
               </a:ext>
             </a:extLst>
           </p:cNvPr>
@@ -6820,10 +5380,10 @@
       </p:sp>
       <p:pic>
         <p:nvPicPr>
-          <p:cNvPr id="6" name="Picture 5">
+          <p:cNvPr id="6" name="Picture 5" descr="A screenshot of a video game&#10;&#10;Description automatically generated with medium confidence">
             <a:extLst>
               <a:ext uri="{FF2B5EF4-FFF2-40B4-BE49-F238E27FC236}">
-                <a16:creationId xmlns:a16="http://schemas.microsoft.com/office/drawing/2014/main" id="{DEDE6EE5-F4EA-4681-9699-696574AA9E31}"/>
+                <a16:creationId xmlns:a16="http://schemas.microsoft.com/office/drawing/2014/main" id="{51CE35D8-182B-43BF-A160-0A5F27EB0845}"/>
               </a:ext>
             </a:extLst>
           </p:cNvPr>
@@ -6833,121 +5393,80 @@
           <p:nvPr/>
         </p:nvPicPr>
         <p:blipFill>
-          <a:blip r:embed="rId2"/>
+          <a:blip r:embed="rId3">
+            <a:extLst>
+              <a:ext uri="{28A0092B-C50C-407E-A947-70E740481C1C}">
+                <a14:useLocalDpi xmlns:a14="http://schemas.microsoft.com/office/drawing/2010/main" val="0"/>
+              </a:ext>
+            </a:extLst>
+          </a:blip>
           <a:stretch>
             <a:fillRect/>
           </a:stretch>
         </p:blipFill>
         <p:spPr>
           <a:xfrm>
-            <a:off x="1004887" y="1666875"/>
-            <a:ext cx="4985436" cy="2190750"/>
+            <a:off x="4818138" y="1324356"/>
+            <a:ext cx="2803861" cy="3960876"/>
           </a:xfrm>
           <a:prstGeom prst="rect">
             <a:avLst/>
           </a:prstGeom>
+          <a:ln>
+            <a:solidFill>
+              <a:schemeClr val="tx1"/>
+            </a:solidFill>
+          </a:ln>
         </p:spPr>
       </p:pic>
+      <p:sp>
+        <p:nvSpPr>
+          <p:cNvPr id="7" name="TextBox 6">
+            <a:extLst>
+              <a:ext uri="{FF2B5EF4-FFF2-40B4-BE49-F238E27FC236}">
+                <a16:creationId xmlns:a16="http://schemas.microsoft.com/office/drawing/2014/main" id="{87E5048B-520E-4145-AA44-D61A3DABF9A1}"/>
+              </a:ext>
+            </a:extLst>
+          </p:cNvPr>
+          <p:cNvSpPr txBox="1"/>
+          <p:nvPr/>
+        </p:nvSpPr>
+        <p:spPr>
+          <a:xfrm>
+            <a:off x="4864608" y="5422392"/>
+            <a:ext cx="2796599" cy="830997"/>
+          </a:xfrm>
+          <a:prstGeom prst="rect">
+            <a:avLst/>
+          </a:prstGeom>
+          <a:noFill/>
+        </p:spPr>
+        <p:txBody>
+          <a:bodyPr wrap="square" rtlCol="0">
+            <a:spAutoFit/>
+          </a:bodyPr>
+          <a:lstStyle/>
+          <a:p>
+            <a:pPr algn="l"/>
+            <a:r>
+              <a:rPr lang="en-SG" sz="1600" dirty="0"/>
+              <a:t>A simple and easy introduction to Programming Arduino.</a:t>
+            </a:r>
+            <a:br>
+              <a:rPr lang="en-SG" sz="1600" dirty="0"/>
+            </a:br>
+            <a:r>
+              <a:rPr lang="en-SG" sz="1600" dirty="0"/>
+              <a:t>Available in the SP Library </a:t>
+            </a:r>
+            <a:endParaRPr lang="en-US" sz="1600" dirty="0"/>
+          </a:p>
+        </p:txBody>
+      </p:sp>
     </p:spTree>
     <p:extLst>
       <p:ext uri="{BB962C8B-B14F-4D97-AF65-F5344CB8AC3E}">
-        <p14:creationId xmlns:p14="http://schemas.microsoft.com/office/powerpoint/2010/main" val="672569892"/>
-      </p:ext>
-    </p:extLst>
-  </p:cSld>
-  <p:clrMapOvr>
-    <a:masterClrMapping/>
-  </p:clrMapOvr>
-</p:sld>
-</file>
-
-<file path=ppt/slides/slide20.xml><?xml version="1.0" encoding="utf-8"?>
-<p:sld xmlns:a="http://schemas.openxmlformats.org/drawingml/2006/main" xmlns:r="http://schemas.openxmlformats.org/officeDocument/2006/relationships" xmlns:p="http://schemas.openxmlformats.org/presentationml/2006/main">
-  <p:cSld>
-    <p:spTree>
-      <p:nvGrpSpPr>
-        <p:cNvPr id="1" name=""/>
-        <p:cNvGrpSpPr/>
-        <p:nvPr/>
-      </p:nvGrpSpPr>
-      <p:grpSpPr>
-        <a:xfrm>
-          <a:off x="0" y="0"/>
-          <a:ext cx="0" cy="0"/>
-          <a:chOff x="0" y="0"/>
-          <a:chExt cx="0" cy="0"/>
-        </a:xfrm>
-      </p:grpSpPr>
-      <p:sp>
-        <p:nvSpPr>
-          <p:cNvPr id="2" name="Title 1">
-            <a:extLst>
-              <a:ext uri="{FF2B5EF4-FFF2-40B4-BE49-F238E27FC236}">
-                <a16:creationId xmlns:a16="http://schemas.microsoft.com/office/drawing/2014/main" id="{29757EC0-C4C7-4C21-8BBD-162462AD095F}"/>
-              </a:ext>
-            </a:extLst>
-          </p:cNvPr>
-          <p:cNvSpPr>
-            <a:spLocks noGrp="1"/>
-          </p:cNvSpPr>
-          <p:nvPr>
-            <p:ph type="ctrTitle"/>
-          </p:nvPr>
-        </p:nvSpPr>
-        <p:spPr/>
-        <p:txBody>
-          <a:bodyPr/>
-          <a:lstStyle/>
-          <a:p>
-            <a:r>
-              <a:rPr lang="en-US" dirty="0"/>
-              <a:t>EP1000</a:t>
-            </a:r>
-          </a:p>
-        </p:txBody>
-      </p:sp>
-      <p:sp>
-        <p:nvSpPr>
-          <p:cNvPr id="3" name="Subtitle 2">
-            <a:extLst>
-              <a:ext uri="{FF2B5EF4-FFF2-40B4-BE49-F238E27FC236}">
-                <a16:creationId xmlns:a16="http://schemas.microsoft.com/office/drawing/2014/main" id="{1F579C3D-8773-4BAF-B0E2-847945ECA23E}"/>
-              </a:ext>
-            </a:extLst>
-          </p:cNvPr>
-          <p:cNvSpPr>
-            <a:spLocks noGrp="1"/>
-          </p:cNvSpPr>
-          <p:nvPr>
-            <p:ph type="subTitle" idx="1"/>
-          </p:nvPr>
-        </p:nvSpPr>
-        <p:spPr/>
-        <p:txBody>
-          <a:bodyPr/>
-          <a:lstStyle/>
-          <a:p>
-            <a:r>
-              <a:rPr lang="en-US" dirty="0"/>
-              <a:t>Digital I/O</a:t>
-            </a:r>
-          </a:p>
-          <a:p>
-            <a:r>
-              <a:rPr lang="en-US" dirty="0">
-                <a:solidFill>
-                  <a:srgbClr val="FF0000"/>
-                </a:solidFill>
-              </a:rPr>
-              <a:t>End</a:t>
-            </a:r>
-          </a:p>
-        </p:txBody>
-      </p:sp>
-    </p:spTree>
-    <p:extLst>
-      <p:ext uri="{BB962C8B-B14F-4D97-AF65-F5344CB8AC3E}">
-        <p14:creationId xmlns:p14="http://schemas.microsoft.com/office/powerpoint/2010/main" val="2293809126"/>
+        <p14:creationId xmlns:p14="http://schemas.microsoft.com/office/powerpoint/2010/main" val="4083516345"/>
       </p:ext>
     </p:extLst>
   </p:cSld>
@@ -6979,7 +5498,7 @@
           <p:cNvPr id="2" name="Title 1">
             <a:extLst>
               <a:ext uri="{FF2B5EF4-FFF2-40B4-BE49-F238E27FC236}">
-                <a16:creationId xmlns:a16="http://schemas.microsoft.com/office/drawing/2014/main" id="{0CF430B7-5433-47E3-89A1-B94A89F69726}"/>
+                <a16:creationId xmlns:a16="http://schemas.microsoft.com/office/drawing/2014/main" id="{AD5E4AD4-DBE4-47C3-913C-B80EFD7F54DA}"/>
               </a:ext>
             </a:extLst>
           </p:cNvPr>
@@ -6992,14 +5511,12 @@
         </p:nvSpPr>
         <p:spPr/>
         <p:txBody>
-          <a:bodyPr>
-            <a:normAutofit/>
-          </a:bodyPr>
+          <a:bodyPr/>
           <a:lstStyle/>
           <a:p>
             <a:r>
               <a:rPr lang="en-SG" dirty="0"/>
-              <a:t>Digital I/O functions</a:t>
+              <a:t>Sketches</a:t>
             </a:r>
             <a:endParaRPr lang="en-US" dirty="0"/>
           </a:p>
@@ -7010,7 +5527,7 @@
           <p:cNvPr id="3" name="Content Placeholder 2">
             <a:extLst>
               <a:ext uri="{FF2B5EF4-FFF2-40B4-BE49-F238E27FC236}">
-                <a16:creationId xmlns:a16="http://schemas.microsoft.com/office/drawing/2014/main" id="{E603197C-4E32-4567-9C28-C08F83B38BE9}"/>
+                <a16:creationId xmlns:a16="http://schemas.microsoft.com/office/drawing/2014/main" id="{FF330380-F203-4BF5-9E7D-04C8894AA620}"/>
               </a:ext>
             </a:extLst>
           </p:cNvPr>
@@ -7021,105 +5538,72 @@
             <p:ph idx="1"/>
           </p:nvPr>
         </p:nvSpPr>
-        <p:spPr/>
-        <p:txBody>
-          <a:bodyPr/>
-          <a:lstStyle/>
-          <a:p>
-            <a:r>
-              <a:rPr lang="en-SG" dirty="0"/>
-              <a:t>The Arduino system provides 3 functions for the manipulation of digital I/O.</a:t>
-            </a:r>
-          </a:p>
-          <a:p>
-            <a:r>
-              <a:rPr lang="en-SG" dirty="0"/>
-              <a:t>You need to </a:t>
-            </a:r>
-          </a:p>
-          <a:p>
-            <a:pPr marL="914400" lvl="1" indent="-457200">
-              <a:buFont typeface="+mj-lt"/>
-              <a:buAutoNum type="arabicPeriod"/>
-            </a:pPr>
-            <a:r>
-              <a:rPr lang="en-SG" dirty="0"/>
-              <a:t>Configure the pin (</a:t>
-            </a:r>
-            <a:r>
-              <a:rPr lang="en-SG" dirty="0" err="1">
-                <a:latin typeface="Yanone Kaffeesatz Medium" pitchFamily="2" charset="0"/>
-              </a:rPr>
-              <a:t>pinMode</a:t>
-            </a:r>
-            <a:r>
-              <a:rPr lang="en-SG" dirty="0">
-                <a:latin typeface="Yanone Kaffeesatz Medium" pitchFamily="2" charset="0"/>
-              </a:rPr>
-              <a:t>()</a:t>
-            </a:r>
-            <a:r>
-              <a:rPr lang="en-SG" dirty="0"/>
-              <a:t>), before</a:t>
-            </a:r>
-          </a:p>
-          <a:p>
-            <a:pPr marL="914400" lvl="1" indent="-457200">
-              <a:buFont typeface="+mj-lt"/>
-              <a:buAutoNum type="arabicPeriod"/>
-            </a:pPr>
-            <a:r>
-              <a:rPr lang="en-SG" dirty="0"/>
-              <a:t>Using the pin</a:t>
-            </a:r>
-          </a:p>
-          <a:p>
-            <a:pPr lvl="2"/>
-            <a:r>
-              <a:rPr lang="en-SG" sz="2400" dirty="0" err="1">
-                <a:latin typeface="Yanone Kaffeesatz Medium" pitchFamily="2" charset="0"/>
-              </a:rPr>
-              <a:t>digitalWrite</a:t>
-            </a:r>
-            <a:r>
-              <a:rPr lang="en-SG" sz="2400" dirty="0">
-                <a:latin typeface="Yanone Kaffeesatz Medium" pitchFamily="2" charset="0"/>
-              </a:rPr>
-              <a:t>() </a:t>
-            </a:r>
-            <a:r>
-              <a:rPr lang="en-SG" dirty="0"/>
-              <a:t>output</a:t>
-            </a:r>
-          </a:p>
-          <a:p>
-            <a:pPr lvl="2"/>
-            <a:r>
-              <a:rPr lang="en-SG" sz="2400" dirty="0" err="1">
-                <a:latin typeface="Yanone Kaffeesatz Medium" pitchFamily="2" charset="0"/>
-              </a:rPr>
-              <a:t>digitalRead</a:t>
-            </a:r>
-            <a:r>
-              <a:rPr lang="en-SG" sz="2400" dirty="0">
-                <a:latin typeface="Yanone Kaffeesatz Medium" pitchFamily="2" charset="0"/>
-              </a:rPr>
-              <a:t>() </a:t>
-            </a:r>
-            <a:r>
-              <a:rPr lang="en-SG" dirty="0"/>
-              <a:t>input</a:t>
-            </a:r>
-            <a:endParaRPr lang="en-US" dirty="0"/>
-          </a:p>
-        </p:txBody>
-      </p:sp>
-      <p:sp>
-        <p:nvSpPr>
-          <p:cNvPr id="5" name="Slide Number Placeholder 4">
+        <p:spPr>
+          <a:xfrm>
+            <a:off x="628650" y="1825625"/>
+            <a:ext cx="3815334" cy="4351338"/>
+          </a:xfrm>
+        </p:spPr>
+        <p:txBody>
+          <a:bodyPr/>
+          <a:lstStyle/>
+          <a:p>
+            <a:r>
+              <a:rPr lang="en-SG" sz="2400" dirty="0"/>
+              <a:t>All Arduino sketches have 2 functions:</a:t>
+            </a:r>
+          </a:p>
+          <a:p>
+            <a:pPr lvl="1"/>
+            <a:r>
+              <a:rPr lang="en-SG" sz="2000" dirty="0"/>
+              <a:t>setup()</a:t>
+            </a:r>
+            <a:br>
+              <a:rPr lang="en-SG" sz="2000" dirty="0"/>
+            </a:br>
+            <a:r>
+              <a:rPr lang="en-SG" sz="2000" dirty="0"/>
+              <a:t>code is executed only once</a:t>
+            </a:r>
+            <a:br>
+              <a:rPr lang="en-SG" sz="2000" dirty="0"/>
+            </a:br>
+            <a:r>
+              <a:rPr lang="en-SG" sz="2000" dirty="0"/>
+              <a:t>used for initialisation and setup of I/O</a:t>
+            </a:r>
+          </a:p>
+          <a:p>
+            <a:pPr lvl="1"/>
+            <a:r>
+              <a:rPr lang="en-SG" sz="2000" dirty="0"/>
+              <a:t>loop()</a:t>
+            </a:r>
+            <a:br>
+              <a:rPr lang="en-SG" sz="2000" dirty="0"/>
+            </a:br>
+            <a:r>
+              <a:rPr lang="en-SG" sz="2000" dirty="0"/>
+              <a:t>code is executed continuously</a:t>
+            </a:r>
+            <a:br>
+              <a:rPr lang="en-SG" sz="2000" dirty="0"/>
+            </a:br>
+            <a:r>
+              <a:rPr lang="en-SG" sz="2000" dirty="0"/>
+              <a:t>application code is placed here</a:t>
+            </a:r>
+            <a:endParaRPr lang="en-US" sz="2000" dirty="0"/>
+          </a:p>
+        </p:txBody>
+      </p:sp>
+      <p:sp>
+        <p:nvSpPr>
+          <p:cNvPr id="4" name="Slide Number Placeholder 3">
             <a:extLst>
               <a:ext uri="{FF2B5EF4-FFF2-40B4-BE49-F238E27FC236}">
-                <a16:creationId xmlns:a16="http://schemas.microsoft.com/office/drawing/2014/main" id="{0D9C2F6E-D821-4DD1-B739-937147BD30D8}"/>
+                <a16:creationId xmlns:a16="http://schemas.microsoft.com/office/drawing/2014/main" id="{BB090AAE-2D04-46DE-B1A0-DB3DE692DC2E}"/>
               </a:ext>
             </a:extLst>
           </p:cNvPr>
@@ -7143,209 +5627,40 @@
           </a:p>
         </p:txBody>
       </p:sp>
-      <p:grpSp>
-        <p:nvGrpSpPr>
-          <p:cNvPr id="8" name="Group 7">
+      <p:pic>
+        <p:nvPicPr>
+          <p:cNvPr id="6" name="Picture 5">
             <a:extLst>
               <a:ext uri="{FF2B5EF4-FFF2-40B4-BE49-F238E27FC236}">
-                <a16:creationId xmlns:a16="http://schemas.microsoft.com/office/drawing/2014/main" id="{B14E2724-3CB5-4C93-8AAF-628DD87C7D88}"/>
+                <a16:creationId xmlns:a16="http://schemas.microsoft.com/office/drawing/2014/main" id="{ACC9CACA-6D78-4F7A-9213-B7662A5807D0}"/>
               </a:ext>
             </a:extLst>
           </p:cNvPr>
-          <p:cNvGrpSpPr/>
+          <p:cNvPicPr>
+            <a:picLocks noChangeAspect="1"/>
+          </p:cNvPicPr>
           <p:nvPr/>
-        </p:nvGrpSpPr>
-        <p:grpSpPr>
+        </p:nvPicPr>
+        <p:blipFill>
+          <a:blip r:embed="rId2"/>
+          <a:stretch>
+            <a:fillRect/>
+          </a:stretch>
+        </p:blipFill>
+        <p:spPr>
           <a:xfrm>
-            <a:off x="6153151" y="4038779"/>
-            <a:ext cx="2038349" cy="1419046"/>
-            <a:chOff x="5362575" y="4281942"/>
-            <a:chExt cx="2428875" cy="1261884"/>
+            <a:off x="4572000" y="1620964"/>
+            <a:ext cx="4295775" cy="3762375"/>
           </a:xfrm>
-        </p:grpSpPr>
-        <p:sp>
-          <p:nvSpPr>
-            <p:cNvPr id="6" name="TextBox 5">
-              <a:extLst>
-                <a:ext uri="{FF2B5EF4-FFF2-40B4-BE49-F238E27FC236}">
-                  <a16:creationId xmlns:a16="http://schemas.microsoft.com/office/drawing/2014/main" id="{5EB6D703-D899-4B8A-B498-8E7031AB300D}"/>
-                </a:ext>
-              </a:extLst>
-            </p:cNvPr>
-            <p:cNvSpPr txBox="1"/>
-            <p:nvPr/>
-          </p:nvSpPr>
-          <p:spPr>
-            <a:xfrm>
-              <a:off x="5362575" y="4281942"/>
-              <a:ext cx="2428875" cy="400110"/>
-            </a:xfrm>
-            <a:prstGeom prst="rect">
-              <a:avLst/>
-            </a:prstGeom>
-            <a:noFill/>
-            <a:ln>
-              <a:solidFill>
-                <a:schemeClr val="tx1"/>
-              </a:solidFill>
-            </a:ln>
-          </p:spPr>
-          <p:txBody>
-            <a:bodyPr wrap="square" rtlCol="0">
-              <a:spAutoFit/>
-            </a:bodyPr>
-            <a:lstStyle/>
-            <a:p>
-              <a:r>
-                <a:rPr lang="en-SG" sz="2000" dirty="0">
-                  <a:latin typeface="Yanone Kaffeesatz Medium" pitchFamily="2" charset="0"/>
-                </a:rPr>
-                <a:t>Digital I/O functions</a:t>
-              </a:r>
-              <a:endParaRPr lang="en-US" sz="2000" dirty="0">
-                <a:latin typeface="Yanone Kaffeesatz Medium" pitchFamily="2" charset="0"/>
-              </a:endParaRPr>
-            </a:p>
-          </p:txBody>
-        </p:sp>
-        <p:sp>
-          <p:nvSpPr>
-            <p:cNvPr id="7" name="TextBox 6">
-              <a:extLst>
-                <a:ext uri="{FF2B5EF4-FFF2-40B4-BE49-F238E27FC236}">
-                  <a16:creationId xmlns:a16="http://schemas.microsoft.com/office/drawing/2014/main" id="{03C69436-8CC2-4F22-B30B-E011D9E1A618}"/>
-                </a:ext>
-              </a:extLst>
-            </p:cNvPr>
-            <p:cNvSpPr txBox="1"/>
-            <p:nvPr/>
-          </p:nvSpPr>
-          <p:spPr>
-            <a:xfrm>
-              <a:off x="5362575" y="4682052"/>
-              <a:ext cx="2428875" cy="861774"/>
-            </a:xfrm>
-            <a:prstGeom prst="rect">
-              <a:avLst/>
-            </a:prstGeom>
-            <a:noFill/>
-            <a:ln>
-              <a:solidFill>
-                <a:schemeClr val="tx1"/>
-              </a:solidFill>
-            </a:ln>
-          </p:spPr>
-          <p:txBody>
-            <a:bodyPr wrap="square" rtlCol="0">
-              <a:spAutoFit/>
-            </a:bodyPr>
-            <a:lstStyle/>
-            <a:p>
-              <a:pPr marL="285750" indent="-285750">
-                <a:buFont typeface="Arial" panose="020B0604020202020204" pitchFamily="34" charset="0"/>
-                <a:buChar char="•"/>
-              </a:pPr>
-              <a:r>
-                <a:rPr lang="en-US" sz="1600" b="0" i="0" u="none" strike="noStrike" dirty="0" err="1">
-                  <a:solidFill>
-                    <a:srgbClr val="008184"/>
-                  </a:solidFill>
-                  <a:effectLst/>
-                  <a:latin typeface="Open Sans" panose="020B0606030504020204" pitchFamily="34" charset="0"/>
-                  <a:hlinkClick r:id="rId2"/>
-                </a:rPr>
-                <a:t>digitalRead</a:t>
-              </a:r>
-              <a:r>
-                <a:rPr lang="en-US" sz="1600" b="0" i="0" u="none" strike="noStrike" dirty="0">
-                  <a:solidFill>
-                    <a:srgbClr val="008184"/>
-                  </a:solidFill>
-                  <a:effectLst/>
-                  <a:latin typeface="Open Sans" panose="020B0606030504020204" pitchFamily="34" charset="0"/>
-                  <a:hlinkClick r:id="rId2"/>
-                </a:rPr>
-                <a:t>()</a:t>
-              </a:r>
-              <a:endParaRPr lang="en-US" sz="1600" b="0" i="0" u="none" strike="noStrike" dirty="0">
-                <a:solidFill>
-                  <a:srgbClr val="008184"/>
-                </a:solidFill>
-                <a:effectLst/>
-                <a:latin typeface="Open Sans" panose="020B0606030504020204" pitchFamily="34" charset="0"/>
-              </a:endParaRPr>
-            </a:p>
-            <a:p>
-              <a:pPr marL="285750" indent="-285750">
-                <a:buFont typeface="Arial" panose="020B0604020202020204" pitchFamily="34" charset="0"/>
-                <a:buChar char="•"/>
-              </a:pPr>
-              <a:r>
-                <a:rPr lang="en-US" sz="1600" b="0" i="0" u="none" strike="noStrike" dirty="0" err="1">
-                  <a:solidFill>
-                    <a:srgbClr val="008184"/>
-                  </a:solidFill>
-                  <a:effectLst/>
-                  <a:latin typeface="Open Sans" panose="020B0606030504020204" pitchFamily="34" charset="0"/>
-                  <a:hlinkClick r:id="rId3"/>
-                </a:rPr>
-                <a:t>digitalWrite</a:t>
-              </a:r>
-              <a:r>
-                <a:rPr lang="en-US" sz="1600" b="0" i="0" u="none" strike="noStrike" dirty="0">
-                  <a:solidFill>
-                    <a:srgbClr val="008184"/>
-                  </a:solidFill>
-                  <a:effectLst/>
-                  <a:latin typeface="Open Sans" panose="020B0606030504020204" pitchFamily="34" charset="0"/>
-                  <a:hlinkClick r:id="rId3"/>
-                </a:rPr>
-                <a:t>() </a:t>
-              </a:r>
-              <a:endParaRPr lang="en-US" sz="1600" b="0" i="0" u="none" strike="noStrike" dirty="0">
-                <a:solidFill>
-                  <a:srgbClr val="008184"/>
-                </a:solidFill>
-                <a:effectLst/>
-                <a:latin typeface="Open Sans" panose="020B0606030504020204" pitchFamily="34" charset="0"/>
-              </a:endParaRPr>
-            </a:p>
-            <a:p>
-              <a:pPr marL="285750" indent="-285750">
-                <a:buFont typeface="Arial" panose="020B0604020202020204" pitchFamily="34" charset="0"/>
-                <a:buChar char="•"/>
-              </a:pPr>
-              <a:r>
-                <a:rPr lang="en-US" sz="1600" b="0" i="0" u="none" strike="noStrike" dirty="0" err="1">
-                  <a:solidFill>
-                    <a:srgbClr val="008184"/>
-                  </a:solidFill>
-                  <a:effectLst/>
-                  <a:latin typeface="Open Sans" panose="020B0606030504020204" pitchFamily="34" charset="0"/>
-                  <a:hlinkClick r:id="rId4"/>
-                </a:rPr>
-                <a:t>pinMode</a:t>
-              </a:r>
-              <a:r>
-                <a:rPr lang="en-US" sz="1600" b="0" i="0" u="none" strike="noStrike" dirty="0">
-                  <a:solidFill>
-                    <a:srgbClr val="008184"/>
-                  </a:solidFill>
-                  <a:effectLst/>
-                  <a:latin typeface="Open Sans" panose="020B0606030504020204" pitchFamily="34" charset="0"/>
-                  <a:hlinkClick r:id="rId4"/>
-                </a:rPr>
-                <a:t>() </a:t>
-              </a:r>
-              <a:endParaRPr lang="en-US" sz="1600" dirty="0"/>
-            </a:p>
-          </p:txBody>
-        </p:sp>
-      </p:grpSp>
+          <a:prstGeom prst="rect">
+            <a:avLst/>
+          </a:prstGeom>
+        </p:spPr>
+      </p:pic>
     </p:spTree>
     <p:extLst>
       <p:ext uri="{BB962C8B-B14F-4D97-AF65-F5344CB8AC3E}">
-        <p14:creationId xmlns:p14="http://schemas.microsoft.com/office/powerpoint/2010/main" val="3680931201"/>
+        <p14:creationId xmlns:p14="http://schemas.microsoft.com/office/powerpoint/2010/main" val="1121540861"/>
       </p:ext>
     </p:extLst>
   </p:cSld>
@@ -7377,7 +5692,7 @@
           <p:cNvPr id="2" name="Title 1">
             <a:extLst>
               <a:ext uri="{FF2B5EF4-FFF2-40B4-BE49-F238E27FC236}">
-                <a16:creationId xmlns:a16="http://schemas.microsoft.com/office/drawing/2014/main" id="{A1B113EC-AEE5-4C3B-BFF9-2737E874DB2C}"/>
+                <a16:creationId xmlns:a16="http://schemas.microsoft.com/office/drawing/2014/main" id="{186EDF41-2D3D-45AE-AA36-D3E17AF3E363}"/>
               </a:ext>
             </a:extLst>
           </p:cNvPr>
@@ -7394,16 +5709,8 @@
           <a:lstStyle/>
           <a:p>
             <a:r>
-              <a:rPr lang="en-SG" dirty="0" err="1">
-                <a:hlinkClick r:id="rId2"/>
-              </a:rPr>
-              <a:t>pinMode</a:t>
-            </a:r>
-            <a:r>
-              <a:rPr lang="en-SG" dirty="0">
-                <a:hlinkClick r:id="rId2"/>
-              </a:rPr>
-              <a:t>(pin, MODE)</a:t>
+              <a:rPr lang="en-SG" dirty="0"/>
+              <a:t>Variables</a:t>
             </a:r>
             <a:endParaRPr lang="en-US" dirty="0"/>
           </a:p>
@@ -7414,7 +5721,7 @@
           <p:cNvPr id="3" name="Content Placeholder 2">
             <a:extLst>
               <a:ext uri="{FF2B5EF4-FFF2-40B4-BE49-F238E27FC236}">
-                <a16:creationId xmlns:a16="http://schemas.microsoft.com/office/drawing/2014/main" id="{3095C873-8D27-47EE-BE14-F816FD5E510F}"/>
+                <a16:creationId xmlns:a16="http://schemas.microsoft.com/office/drawing/2014/main" id="{F23AD55B-AD95-4118-B8AB-C62B2836616A}"/>
               </a:ext>
             </a:extLst>
           </p:cNvPr>
@@ -7425,68 +5732,71 @@
             <p:ph idx="1"/>
           </p:nvPr>
         </p:nvSpPr>
-        <p:spPr/>
-        <p:txBody>
-          <a:bodyPr/>
-          <a:lstStyle/>
-          <a:p>
-            <a:r>
-              <a:rPr lang="en-US" sz="2400" dirty="0"/>
-              <a:t>Configures specified pin to behave either as in input or an output.</a:t>
-            </a:r>
-          </a:p>
-          <a:p>
-            <a:r>
-              <a:rPr lang="en-US" sz="2400" dirty="0"/>
-              <a:t>Modes available:</a:t>
+        <p:spPr>
+          <a:xfrm>
+            <a:off x="628650" y="1469009"/>
+            <a:ext cx="5406390" cy="4351338"/>
+          </a:xfrm>
+        </p:spPr>
+        <p:txBody>
+          <a:bodyPr/>
+          <a:lstStyle/>
+          <a:p>
+            <a:r>
+              <a:rPr lang="en-SG" sz="2000" dirty="0"/>
+              <a:t>Variables are memory set aside to hold changing data.</a:t>
+            </a:r>
+          </a:p>
+          <a:p>
+            <a:r>
+              <a:rPr lang="en-SG" sz="2000" dirty="0"/>
+              <a:t>Variables use different amounts of memory depending on the data type used.</a:t>
+            </a:r>
+          </a:p>
+          <a:p>
+            <a:r>
+              <a:rPr lang="en-SG" sz="2000" dirty="0"/>
+              <a:t>Common data types are</a:t>
             </a:r>
           </a:p>
           <a:p>
             <a:pPr lvl="1"/>
             <a:r>
-              <a:rPr lang="en-US" sz="2000" dirty="0">
-                <a:latin typeface="Yanone Kaffeesatz Medium" pitchFamily="2" charset="0"/>
-              </a:rPr>
-              <a:t>INPUT</a:t>
-            </a:r>
-            <a:br>
+              <a:rPr lang="en-US" sz="1800" dirty="0"/>
+              <a:t>char 	8-bit</a:t>
+            </a:r>
+          </a:p>
+          <a:p>
+            <a:pPr lvl="1"/>
+            <a:r>
+              <a:rPr lang="en-US" sz="1800" dirty="0"/>
+              <a:t>int   	16-bit</a:t>
+            </a:r>
+          </a:p>
+          <a:p>
+            <a:pPr lvl="1"/>
+            <a:r>
+              <a:rPr lang="en-US" sz="1800" dirty="0"/>
+              <a:t>float	32-bit</a:t>
+            </a:r>
+          </a:p>
+          <a:p>
+            <a:pPr lvl="1"/>
+            <a:r>
+              <a:rPr lang="en-US" sz="1800" dirty="0"/>
+              <a:t>String	stores a sequence of characters</a:t>
+            </a:r>
+          </a:p>
+          <a:p>
+            <a:r>
               <a:rPr lang="en-US" sz="2000" dirty="0"/>
-            </a:br>
+              <a:t>We use identifiers (names) to name the variable and locate it.</a:t>
+            </a:r>
+          </a:p>
+          <a:p>
             <a:r>
               <a:rPr lang="en-US" sz="2000" dirty="0"/>
-              <a:t>digital input mode (high-impedance state)</a:t>
-            </a:r>
-          </a:p>
-          <a:p>
-            <a:pPr lvl="1"/>
-            <a:r>
-              <a:rPr lang="en-US" sz="2000" dirty="0">
-                <a:latin typeface="Yanone Kaffeesatz Medium" pitchFamily="2" charset="0"/>
-              </a:rPr>
-              <a:t>INPUT_PULLUP</a:t>
-            </a:r>
-            <a:br>
-              <a:rPr lang="en-US" sz="2000" dirty="0"/>
-            </a:br>
-            <a:r>
-              <a:rPr lang="en-US" sz="2000" dirty="0"/>
-              <a:t>digital input mode with internal 20K~50K ohm pull-up resistor</a:t>
-            </a:r>
-          </a:p>
-          <a:p>
-            <a:pPr lvl="1"/>
-            <a:r>
-              <a:rPr lang="en-US" sz="2000" dirty="0">
-                <a:latin typeface="Yanone Kaffeesatz Medium" pitchFamily="2" charset="0"/>
-              </a:rPr>
-              <a:t>OUTPUT</a:t>
-            </a:r>
-            <a:br>
-              <a:rPr lang="en-US" sz="2000" dirty="0"/>
-            </a:br>
-            <a:r>
-              <a:rPr lang="en-US" sz="2000" dirty="0"/>
-              <a:t>digital output mode able to source up to 40mA per pin, total of 200mA per chip</a:t>
+              <a:t>Use conversion functions to convert between them</a:t>
             </a:r>
           </a:p>
         </p:txBody>
@@ -7496,7 +5806,7 @@
           <p:cNvPr id="4" name="Slide Number Placeholder 3">
             <a:extLst>
               <a:ext uri="{FF2B5EF4-FFF2-40B4-BE49-F238E27FC236}">
-                <a16:creationId xmlns:a16="http://schemas.microsoft.com/office/drawing/2014/main" id="{45750BFB-0AA1-47EF-813A-62363373C674}"/>
+                <a16:creationId xmlns:a16="http://schemas.microsoft.com/office/drawing/2014/main" id="{1932B4F1-8099-46DD-81A5-CE836CC107B9}"/>
               </a:ext>
             </a:extLst>
           </p:cNvPr>
@@ -7520,10 +5830,556 @@
           </a:p>
         </p:txBody>
       </p:sp>
+      <p:grpSp>
+        <p:nvGrpSpPr>
+          <p:cNvPr id="7" name="Group 6">
+            <a:extLst>
+              <a:ext uri="{FF2B5EF4-FFF2-40B4-BE49-F238E27FC236}">
+                <a16:creationId xmlns:a16="http://schemas.microsoft.com/office/drawing/2014/main" id="{EF6741BE-525C-4959-B4D4-3EE9BB6E76D4}"/>
+              </a:ext>
+            </a:extLst>
+          </p:cNvPr>
+          <p:cNvGrpSpPr/>
+          <p:nvPr/>
+        </p:nvGrpSpPr>
+        <p:grpSpPr>
+          <a:xfrm>
+            <a:off x="6547104" y="1366235"/>
+            <a:ext cx="1705916" cy="4585871"/>
+            <a:chOff x="6629400" y="1027907"/>
+            <a:chExt cx="1705916" cy="4585871"/>
+          </a:xfrm>
+        </p:grpSpPr>
+        <p:sp>
+          <p:nvSpPr>
+            <p:cNvPr id="5" name="TextBox 4">
+              <a:extLst>
+                <a:ext uri="{FF2B5EF4-FFF2-40B4-BE49-F238E27FC236}">
+                  <a16:creationId xmlns:a16="http://schemas.microsoft.com/office/drawing/2014/main" id="{12D9EB4D-CDCF-4E84-BE2F-4BEDFAD5C5F3}"/>
+                </a:ext>
+              </a:extLst>
+            </p:cNvPr>
+            <p:cNvSpPr txBox="1"/>
+            <p:nvPr/>
+          </p:nvSpPr>
+          <p:spPr>
+            <a:xfrm>
+              <a:off x="6629400" y="1027907"/>
+              <a:ext cx="1032655" cy="400110"/>
+            </a:xfrm>
+            <a:prstGeom prst="rect">
+              <a:avLst/>
+            </a:prstGeom>
+            <a:noFill/>
+          </p:spPr>
+          <p:txBody>
+            <a:bodyPr wrap="none" rtlCol="0">
+              <a:spAutoFit/>
+            </a:bodyPr>
+            <a:lstStyle/>
+            <a:p>
+              <a:pPr algn="l"/>
+              <a:r>
+                <a:rPr lang="en-SG" sz="2000" dirty="0">
+                  <a:latin typeface="Yanone Kaffeesatz Medium" pitchFamily="2" charset="0"/>
+                </a:rPr>
+                <a:t>Data Types</a:t>
+              </a:r>
+              <a:endParaRPr lang="en-US" sz="2000" dirty="0">
+                <a:latin typeface="Yanone Kaffeesatz Medium" pitchFamily="2" charset="0"/>
+              </a:endParaRPr>
+            </a:p>
+          </p:txBody>
+        </p:sp>
+        <p:sp>
+          <p:nvSpPr>
+            <p:cNvPr id="6" name="TextBox 5">
+              <a:extLst>
+                <a:ext uri="{FF2B5EF4-FFF2-40B4-BE49-F238E27FC236}">
+                  <a16:creationId xmlns:a16="http://schemas.microsoft.com/office/drawing/2014/main" id="{10D0A1A8-7AFA-4514-A81C-8D882BCA6756}"/>
+                </a:ext>
+              </a:extLst>
+            </p:cNvPr>
+            <p:cNvSpPr txBox="1"/>
+            <p:nvPr/>
+          </p:nvSpPr>
+          <p:spPr>
+            <a:xfrm>
+              <a:off x="6629400" y="1428017"/>
+              <a:ext cx="1705916" cy="4185761"/>
+            </a:xfrm>
+            <a:prstGeom prst="rect">
+              <a:avLst/>
+            </a:prstGeom>
+            <a:noFill/>
+          </p:spPr>
+          <p:txBody>
+            <a:bodyPr wrap="none" rtlCol="0">
+              <a:spAutoFit/>
+            </a:bodyPr>
+            <a:lstStyle/>
+            <a:p>
+              <a:pPr marL="285750" indent="-285750" algn="l">
+                <a:buFont typeface="Arial" panose="020B0604020202020204" pitchFamily="34" charset="0"/>
+                <a:buChar char="•"/>
+              </a:pPr>
+              <a:r>
+                <a:rPr lang="en-SG" sz="1400" b="0" i="0" u="none" strike="noStrike" dirty="0">
+                  <a:solidFill>
+                    <a:srgbClr val="008184"/>
+                  </a:solidFill>
+                  <a:effectLst/>
+                  <a:latin typeface="Open Sans" panose="020B0606030504020204" pitchFamily="34" charset="0"/>
+                  <a:hlinkClick r:id="rId2"/>
+                </a:rPr>
+                <a:t>array </a:t>
+              </a:r>
+              <a:endParaRPr lang="en-SG" sz="1400" b="0" i="0" u="none" strike="noStrike" dirty="0">
+                <a:solidFill>
+                  <a:srgbClr val="008184"/>
+                </a:solidFill>
+                <a:effectLst/>
+                <a:latin typeface="Open Sans" panose="020B0606030504020204" pitchFamily="34" charset="0"/>
+              </a:endParaRPr>
+            </a:p>
+            <a:p>
+              <a:pPr marL="285750" indent="-285750" algn="l">
+                <a:buFont typeface="Arial" panose="020B0604020202020204" pitchFamily="34" charset="0"/>
+                <a:buChar char="•"/>
+              </a:pPr>
+              <a:r>
+                <a:rPr lang="en-SG" sz="1400" b="0" i="0" u="none" strike="noStrike" dirty="0">
+                  <a:solidFill>
+                    <a:srgbClr val="008184"/>
+                  </a:solidFill>
+                  <a:effectLst/>
+                  <a:latin typeface="Open Sans" panose="020B0606030504020204" pitchFamily="34" charset="0"/>
+                  <a:hlinkClick r:id="rId3"/>
+                </a:rPr>
+                <a:t>bool </a:t>
+              </a:r>
+              <a:endParaRPr lang="en-SG" sz="1400" b="0" i="0" u="none" strike="noStrike" dirty="0">
+                <a:solidFill>
+                  <a:srgbClr val="008184"/>
+                </a:solidFill>
+                <a:effectLst/>
+                <a:latin typeface="Open Sans" panose="020B0606030504020204" pitchFamily="34" charset="0"/>
+              </a:endParaRPr>
+            </a:p>
+            <a:p>
+              <a:pPr marL="285750" indent="-285750" algn="l">
+                <a:buFont typeface="Arial" panose="020B0604020202020204" pitchFamily="34" charset="0"/>
+                <a:buChar char="•"/>
+              </a:pPr>
+              <a:r>
+                <a:rPr lang="en-SG" sz="1400" b="0" i="0" u="none" strike="noStrike" dirty="0" err="1">
+                  <a:solidFill>
+                    <a:srgbClr val="008184"/>
+                  </a:solidFill>
+                  <a:effectLst/>
+                  <a:latin typeface="Open Sans" panose="020B0606030504020204" pitchFamily="34" charset="0"/>
+                  <a:hlinkClick r:id="rId4"/>
+                </a:rPr>
+                <a:t>boolean</a:t>
+              </a:r>
+              <a:r>
+                <a:rPr lang="en-SG" sz="1400" b="0" i="0" u="none" strike="noStrike" dirty="0">
+                  <a:solidFill>
+                    <a:srgbClr val="008184"/>
+                  </a:solidFill>
+                  <a:effectLst/>
+                  <a:latin typeface="Open Sans" panose="020B0606030504020204" pitchFamily="34" charset="0"/>
+                  <a:hlinkClick r:id="rId4"/>
+                </a:rPr>
+                <a:t> </a:t>
+              </a:r>
+              <a:endParaRPr lang="en-SG" sz="1400" b="0" i="0" u="none" strike="noStrike" dirty="0">
+                <a:solidFill>
+                  <a:srgbClr val="008184"/>
+                </a:solidFill>
+                <a:effectLst/>
+                <a:latin typeface="Open Sans" panose="020B0606030504020204" pitchFamily="34" charset="0"/>
+              </a:endParaRPr>
+            </a:p>
+            <a:p>
+              <a:pPr marL="285750" indent="-285750" algn="l">
+                <a:buFont typeface="Arial" panose="020B0604020202020204" pitchFamily="34" charset="0"/>
+                <a:buChar char="•"/>
+              </a:pPr>
+              <a:r>
+                <a:rPr lang="en-SG" sz="1400" b="0" i="0" u="none" strike="noStrike" dirty="0">
+                  <a:solidFill>
+                    <a:srgbClr val="008184"/>
+                  </a:solidFill>
+                  <a:effectLst/>
+                  <a:latin typeface="Open Sans" panose="020B0606030504020204" pitchFamily="34" charset="0"/>
+                  <a:hlinkClick r:id="rId5"/>
+                </a:rPr>
+                <a:t>byte </a:t>
+              </a:r>
+              <a:endParaRPr lang="en-SG" sz="1400" b="0" i="0" u="none" strike="noStrike" dirty="0">
+                <a:solidFill>
+                  <a:srgbClr val="008184"/>
+                </a:solidFill>
+                <a:effectLst/>
+                <a:latin typeface="Open Sans" panose="020B0606030504020204" pitchFamily="34" charset="0"/>
+              </a:endParaRPr>
+            </a:p>
+            <a:p>
+              <a:pPr marL="285750" indent="-285750" algn="l">
+                <a:buFont typeface="Arial" panose="020B0604020202020204" pitchFamily="34" charset="0"/>
+                <a:buChar char="•"/>
+              </a:pPr>
+              <a:r>
+                <a:rPr lang="en-SG" sz="1400" b="0" i="0" u="none" strike="noStrike" dirty="0">
+                  <a:solidFill>
+                    <a:srgbClr val="008184"/>
+                  </a:solidFill>
+                  <a:effectLst/>
+                  <a:latin typeface="Open Sans" panose="020B0606030504020204" pitchFamily="34" charset="0"/>
+                  <a:hlinkClick r:id="rId6"/>
+                </a:rPr>
+                <a:t>char </a:t>
+              </a:r>
+              <a:endParaRPr lang="en-SG" sz="1400" b="0" i="0" u="none" strike="noStrike" dirty="0">
+                <a:solidFill>
+                  <a:srgbClr val="008184"/>
+                </a:solidFill>
+                <a:effectLst/>
+                <a:latin typeface="Open Sans" panose="020B0606030504020204" pitchFamily="34" charset="0"/>
+              </a:endParaRPr>
+            </a:p>
+            <a:p>
+              <a:pPr marL="285750" indent="-285750" algn="l">
+                <a:buFont typeface="Arial" panose="020B0604020202020204" pitchFamily="34" charset="0"/>
+                <a:buChar char="•"/>
+              </a:pPr>
+              <a:r>
+                <a:rPr lang="en-SG" sz="1400" b="0" i="0" u="none" strike="noStrike" dirty="0">
+                  <a:solidFill>
+                    <a:srgbClr val="008184"/>
+                  </a:solidFill>
+                  <a:effectLst/>
+                  <a:latin typeface="Open Sans" panose="020B0606030504020204" pitchFamily="34" charset="0"/>
+                  <a:hlinkClick r:id="rId7"/>
+                </a:rPr>
+                <a:t>double </a:t>
+              </a:r>
+              <a:endParaRPr lang="en-SG" sz="1400" b="0" i="0" u="none" strike="noStrike" dirty="0">
+                <a:solidFill>
+                  <a:srgbClr val="008184"/>
+                </a:solidFill>
+                <a:effectLst/>
+                <a:latin typeface="Open Sans" panose="020B0606030504020204" pitchFamily="34" charset="0"/>
+              </a:endParaRPr>
+            </a:p>
+            <a:p>
+              <a:pPr marL="285750" indent="-285750" algn="l">
+                <a:buFont typeface="Arial" panose="020B0604020202020204" pitchFamily="34" charset="0"/>
+                <a:buChar char="•"/>
+              </a:pPr>
+              <a:r>
+                <a:rPr lang="en-SG" sz="1400" b="0" i="0" u="none" strike="noStrike" dirty="0">
+                  <a:solidFill>
+                    <a:srgbClr val="008184"/>
+                  </a:solidFill>
+                  <a:effectLst/>
+                  <a:latin typeface="Open Sans" panose="020B0606030504020204" pitchFamily="34" charset="0"/>
+                  <a:hlinkClick r:id="rId8"/>
+                </a:rPr>
+                <a:t>float </a:t>
+              </a:r>
+              <a:endParaRPr lang="en-SG" sz="1400" b="0" i="0" u="none" strike="noStrike" dirty="0">
+                <a:solidFill>
+                  <a:srgbClr val="008184"/>
+                </a:solidFill>
+                <a:effectLst/>
+                <a:latin typeface="Open Sans" panose="020B0606030504020204" pitchFamily="34" charset="0"/>
+              </a:endParaRPr>
+            </a:p>
+            <a:p>
+              <a:pPr marL="285750" indent="-285750" algn="l">
+                <a:buFont typeface="Arial" panose="020B0604020202020204" pitchFamily="34" charset="0"/>
+                <a:buChar char="•"/>
+              </a:pPr>
+              <a:r>
+                <a:rPr lang="en-SG" sz="1400" b="0" i="0" u="none" strike="noStrike" dirty="0">
+                  <a:solidFill>
+                    <a:srgbClr val="008184"/>
+                  </a:solidFill>
+                  <a:effectLst/>
+                  <a:latin typeface="Open Sans" panose="020B0606030504020204" pitchFamily="34" charset="0"/>
+                  <a:hlinkClick r:id="rId9"/>
+                </a:rPr>
+                <a:t>int </a:t>
+              </a:r>
+              <a:endParaRPr lang="en-SG" sz="1400" b="0" i="0" u="none" strike="noStrike" dirty="0">
+                <a:solidFill>
+                  <a:srgbClr val="008184"/>
+                </a:solidFill>
+                <a:effectLst/>
+                <a:latin typeface="Open Sans" panose="020B0606030504020204" pitchFamily="34" charset="0"/>
+              </a:endParaRPr>
+            </a:p>
+            <a:p>
+              <a:pPr marL="285750" indent="-285750" algn="l">
+                <a:buFont typeface="Arial" panose="020B0604020202020204" pitchFamily="34" charset="0"/>
+                <a:buChar char="•"/>
+              </a:pPr>
+              <a:r>
+                <a:rPr lang="en-SG" sz="1400" b="0" i="0" u="none" strike="noStrike" dirty="0">
+                  <a:solidFill>
+                    <a:srgbClr val="008184"/>
+                  </a:solidFill>
+                  <a:effectLst/>
+                  <a:latin typeface="Open Sans" panose="020B0606030504020204" pitchFamily="34" charset="0"/>
+                  <a:hlinkClick r:id="rId10"/>
+                </a:rPr>
+                <a:t>long </a:t>
+              </a:r>
+              <a:endParaRPr lang="en-SG" sz="1400" b="0" i="0" u="none" strike="noStrike" dirty="0">
+                <a:solidFill>
+                  <a:srgbClr val="008184"/>
+                </a:solidFill>
+                <a:effectLst/>
+                <a:latin typeface="Open Sans" panose="020B0606030504020204" pitchFamily="34" charset="0"/>
+              </a:endParaRPr>
+            </a:p>
+            <a:p>
+              <a:pPr marL="285750" indent="-285750" algn="l">
+                <a:buFont typeface="Arial" panose="020B0604020202020204" pitchFamily="34" charset="0"/>
+                <a:buChar char="•"/>
+              </a:pPr>
+              <a:r>
+                <a:rPr lang="en-SG" sz="1400" b="0" i="0" u="none" strike="noStrike" dirty="0">
+                  <a:solidFill>
+                    <a:srgbClr val="008184"/>
+                  </a:solidFill>
+                  <a:effectLst/>
+                  <a:latin typeface="Open Sans" panose="020B0606030504020204" pitchFamily="34" charset="0"/>
+                  <a:hlinkClick r:id="rId11"/>
+                </a:rPr>
+                <a:t>short </a:t>
+              </a:r>
+              <a:endParaRPr lang="en-SG" sz="1400" b="0" i="0" u="none" strike="noStrike" dirty="0">
+                <a:solidFill>
+                  <a:srgbClr val="008184"/>
+                </a:solidFill>
+                <a:effectLst/>
+                <a:latin typeface="Open Sans" panose="020B0606030504020204" pitchFamily="34" charset="0"/>
+              </a:endParaRPr>
+            </a:p>
+            <a:p>
+              <a:pPr marL="285750" indent="-285750" algn="l">
+                <a:buFont typeface="Arial" panose="020B0604020202020204" pitchFamily="34" charset="0"/>
+                <a:buChar char="•"/>
+              </a:pPr>
+              <a:r>
+                <a:rPr lang="en-SG" sz="1400" b="0" i="0" u="none" strike="noStrike" dirty="0" err="1">
+                  <a:solidFill>
+                    <a:srgbClr val="008184"/>
+                  </a:solidFill>
+                  <a:effectLst/>
+                  <a:latin typeface="Open Sans" panose="020B0606030504020204" pitchFamily="34" charset="0"/>
+                  <a:hlinkClick r:id="rId12"/>
+                </a:rPr>
+                <a:t>size_t</a:t>
+              </a:r>
+              <a:r>
+                <a:rPr lang="en-SG" sz="1400" b="0" i="0" u="none" strike="noStrike" dirty="0">
+                  <a:solidFill>
+                    <a:srgbClr val="008184"/>
+                  </a:solidFill>
+                  <a:effectLst/>
+                  <a:latin typeface="Open Sans" panose="020B0606030504020204" pitchFamily="34" charset="0"/>
+                  <a:hlinkClick r:id="rId12"/>
+                </a:rPr>
+                <a:t> </a:t>
+              </a:r>
+              <a:endParaRPr lang="en-SG" sz="1400" b="0" i="0" u="none" strike="noStrike" dirty="0">
+                <a:solidFill>
+                  <a:srgbClr val="008184"/>
+                </a:solidFill>
+                <a:effectLst/>
+                <a:latin typeface="Open Sans" panose="020B0606030504020204" pitchFamily="34" charset="0"/>
+              </a:endParaRPr>
+            </a:p>
+            <a:p>
+              <a:pPr marL="285750" indent="-285750" algn="l">
+                <a:buFont typeface="Arial" panose="020B0604020202020204" pitchFamily="34" charset="0"/>
+                <a:buChar char="•"/>
+              </a:pPr>
+              <a:r>
+                <a:rPr lang="en-SG" sz="1400" b="0" i="0" u="none" strike="noStrike" dirty="0">
+                  <a:solidFill>
+                    <a:srgbClr val="008184"/>
+                  </a:solidFill>
+                  <a:effectLst/>
+                  <a:latin typeface="Open Sans" panose="020B0606030504020204" pitchFamily="34" charset="0"/>
+                  <a:hlinkClick r:id="rId13"/>
+                </a:rPr>
+                <a:t>string </a:t>
+              </a:r>
+              <a:endParaRPr lang="en-SG" sz="1400" b="0" i="0" u="none" strike="noStrike" dirty="0">
+                <a:solidFill>
+                  <a:srgbClr val="008184"/>
+                </a:solidFill>
+                <a:effectLst/>
+                <a:latin typeface="Open Sans" panose="020B0606030504020204" pitchFamily="34" charset="0"/>
+              </a:endParaRPr>
+            </a:p>
+            <a:p>
+              <a:pPr marL="285750" indent="-285750" algn="l">
+                <a:buFont typeface="Arial" panose="020B0604020202020204" pitchFamily="34" charset="0"/>
+                <a:buChar char="•"/>
+              </a:pPr>
+              <a:r>
+                <a:rPr lang="en-SG" sz="1400" b="0" i="0" u="none" strike="noStrike" dirty="0">
+                  <a:solidFill>
+                    <a:srgbClr val="008184"/>
+                  </a:solidFill>
+                  <a:effectLst/>
+                  <a:latin typeface="Open Sans" panose="020B0606030504020204" pitchFamily="34" charset="0"/>
+                  <a:hlinkClick r:id="rId14"/>
+                </a:rPr>
+                <a:t>String() </a:t>
+              </a:r>
+              <a:endParaRPr lang="en-SG" sz="1400" b="0" i="0" u="none" strike="noStrike" dirty="0">
+                <a:solidFill>
+                  <a:srgbClr val="008184"/>
+                </a:solidFill>
+                <a:effectLst/>
+                <a:latin typeface="Open Sans" panose="020B0606030504020204" pitchFamily="34" charset="0"/>
+              </a:endParaRPr>
+            </a:p>
+            <a:p>
+              <a:pPr marL="285750" indent="-285750" algn="l">
+                <a:buFont typeface="Arial" panose="020B0604020202020204" pitchFamily="34" charset="0"/>
+                <a:buChar char="•"/>
+              </a:pPr>
+              <a:r>
+                <a:rPr lang="en-SG" sz="1400" b="0" i="0" u="none" strike="noStrike" dirty="0">
+                  <a:solidFill>
+                    <a:srgbClr val="008184"/>
+                  </a:solidFill>
+                  <a:effectLst/>
+                  <a:latin typeface="Open Sans" panose="020B0606030504020204" pitchFamily="34" charset="0"/>
+                  <a:hlinkClick r:id="rId15"/>
+                </a:rPr>
+                <a:t>unsigned char </a:t>
+              </a:r>
+              <a:endParaRPr lang="en-SG" sz="1400" b="0" i="0" u="none" strike="noStrike" dirty="0">
+                <a:solidFill>
+                  <a:srgbClr val="008184"/>
+                </a:solidFill>
+                <a:effectLst/>
+                <a:latin typeface="Open Sans" panose="020B0606030504020204" pitchFamily="34" charset="0"/>
+              </a:endParaRPr>
+            </a:p>
+            <a:p>
+              <a:pPr marL="285750" indent="-285750" algn="l">
+                <a:buFont typeface="Arial" panose="020B0604020202020204" pitchFamily="34" charset="0"/>
+                <a:buChar char="•"/>
+              </a:pPr>
+              <a:r>
+                <a:rPr lang="en-SG" sz="1400" b="0" i="0" u="none" strike="noStrike" dirty="0">
+                  <a:solidFill>
+                    <a:srgbClr val="008184"/>
+                  </a:solidFill>
+                  <a:effectLst/>
+                  <a:latin typeface="Open Sans" panose="020B0606030504020204" pitchFamily="34" charset="0"/>
+                  <a:hlinkClick r:id="rId16"/>
+                </a:rPr>
+                <a:t>unsigned int </a:t>
+              </a:r>
+              <a:endParaRPr lang="en-SG" sz="1400" b="0" i="0" u="none" strike="noStrike" dirty="0">
+                <a:solidFill>
+                  <a:srgbClr val="008184"/>
+                </a:solidFill>
+                <a:effectLst/>
+                <a:latin typeface="Open Sans" panose="020B0606030504020204" pitchFamily="34" charset="0"/>
+              </a:endParaRPr>
+            </a:p>
+            <a:p>
+              <a:pPr marL="285750" indent="-285750" algn="l">
+                <a:buFont typeface="Arial" panose="020B0604020202020204" pitchFamily="34" charset="0"/>
+                <a:buChar char="•"/>
+              </a:pPr>
+              <a:r>
+                <a:rPr lang="en-SG" sz="1400" b="0" i="0" u="none" strike="noStrike" dirty="0">
+                  <a:solidFill>
+                    <a:srgbClr val="008184"/>
+                  </a:solidFill>
+                  <a:effectLst/>
+                  <a:latin typeface="Open Sans" panose="020B0606030504020204" pitchFamily="34" charset="0"/>
+                  <a:hlinkClick r:id="rId17"/>
+                </a:rPr>
+                <a:t>unsigned long </a:t>
+              </a:r>
+              <a:endParaRPr lang="en-SG" sz="1400" b="0" i="0" u="none" strike="noStrike" dirty="0">
+                <a:solidFill>
+                  <a:srgbClr val="008184"/>
+                </a:solidFill>
+                <a:effectLst/>
+                <a:latin typeface="Open Sans" panose="020B0606030504020204" pitchFamily="34" charset="0"/>
+              </a:endParaRPr>
+            </a:p>
+            <a:p>
+              <a:pPr marL="285750" indent="-285750" algn="l">
+                <a:buFont typeface="Arial" panose="020B0604020202020204" pitchFamily="34" charset="0"/>
+                <a:buChar char="•"/>
+              </a:pPr>
+              <a:r>
+                <a:rPr lang="en-SG" sz="1400" b="0" i="0" u="none" strike="noStrike" dirty="0">
+                  <a:solidFill>
+                    <a:srgbClr val="008184"/>
+                  </a:solidFill>
+                  <a:effectLst/>
+                  <a:latin typeface="Open Sans" panose="020B0606030504020204" pitchFamily="34" charset="0"/>
+                  <a:hlinkClick r:id="rId18"/>
+                </a:rPr>
+                <a:t>void </a:t>
+              </a:r>
+              <a:endParaRPr lang="en-SG" sz="1400" b="0" i="0" u="none" strike="noStrike" dirty="0">
+                <a:solidFill>
+                  <a:srgbClr val="008184"/>
+                </a:solidFill>
+                <a:effectLst/>
+                <a:latin typeface="Open Sans" panose="020B0606030504020204" pitchFamily="34" charset="0"/>
+              </a:endParaRPr>
+            </a:p>
+            <a:p>
+              <a:pPr marL="285750" indent="-285750" algn="l">
+                <a:buFont typeface="Arial" panose="020B0604020202020204" pitchFamily="34" charset="0"/>
+                <a:buChar char="•"/>
+              </a:pPr>
+              <a:r>
+                <a:rPr lang="en-SG" sz="1400" b="0" i="0" u="none" strike="noStrike" dirty="0">
+                  <a:solidFill>
+                    <a:srgbClr val="008184"/>
+                  </a:solidFill>
+                  <a:effectLst/>
+                  <a:latin typeface="Open Sans" panose="020B0606030504020204" pitchFamily="34" charset="0"/>
+                  <a:hlinkClick r:id="rId19"/>
+                </a:rPr>
+                <a:t>word </a:t>
+              </a:r>
+              <a:endParaRPr lang="en-SG" sz="1400" dirty="0"/>
+            </a:p>
+            <a:p>
+              <a:pPr marL="285750" indent="-285750" algn="l">
+                <a:buFont typeface="Arial" panose="020B0604020202020204" pitchFamily="34" charset="0"/>
+                <a:buChar char="•"/>
+              </a:pPr>
+              <a:endParaRPr lang="en-US" sz="1400" dirty="0"/>
+            </a:p>
+          </p:txBody>
+        </p:sp>
+      </p:grpSp>
     </p:spTree>
     <p:extLst>
       <p:ext uri="{BB962C8B-B14F-4D97-AF65-F5344CB8AC3E}">
-        <p14:creationId xmlns:p14="http://schemas.microsoft.com/office/powerpoint/2010/main" val="177681663"/>
+        <p14:creationId xmlns:p14="http://schemas.microsoft.com/office/powerpoint/2010/main" val="212466325"/>
       </p:ext>
     </p:extLst>
   </p:cSld>
@@ -7555,7 +6411,7 @@
           <p:cNvPr id="2" name="Title 1">
             <a:extLst>
               <a:ext uri="{FF2B5EF4-FFF2-40B4-BE49-F238E27FC236}">
-                <a16:creationId xmlns:a16="http://schemas.microsoft.com/office/drawing/2014/main" id="{0CAD9630-EDA0-4138-8C0C-171360E12B4D}"/>
+                <a16:creationId xmlns:a16="http://schemas.microsoft.com/office/drawing/2014/main" id="{CDFA1B05-9163-4EAB-A65E-802A10549465}"/>
               </a:ext>
             </a:extLst>
           </p:cNvPr>
@@ -7572,51 +6428,10 @@
           <a:lstStyle/>
           <a:p>
             <a:r>
-              <a:rPr lang="en-SG" dirty="0" err="1">
-                <a:hlinkClick r:id="rId2"/>
-              </a:rPr>
-              <a:t>digitalWrite</a:t>
-            </a:r>
-            <a:r>
               <a:rPr lang="en-SG" dirty="0"/>
-              <a:t>(pin, {LOW|HIGH})</a:t>
+              <a:t>Operators</a:t>
             </a:r>
             <a:endParaRPr lang="en-US" dirty="0"/>
-          </a:p>
-        </p:txBody>
-      </p:sp>
-      <p:sp>
-        <p:nvSpPr>
-          <p:cNvPr id="3" name="Content Placeholder 2">
-            <a:extLst>
-              <a:ext uri="{FF2B5EF4-FFF2-40B4-BE49-F238E27FC236}">
-                <a16:creationId xmlns:a16="http://schemas.microsoft.com/office/drawing/2014/main" id="{64FDBA11-844F-4877-ACF7-67F817FAFD4B}"/>
-              </a:ext>
-            </a:extLst>
-          </p:cNvPr>
-          <p:cNvSpPr>
-            <a:spLocks noGrp="1"/>
-          </p:cNvSpPr>
-          <p:nvPr>
-            <p:ph idx="1"/>
-          </p:nvPr>
-        </p:nvSpPr>
-        <p:spPr/>
-        <p:txBody>
-          <a:bodyPr/>
-          <a:lstStyle/>
-          <a:p>
-            <a:r>
-              <a:rPr lang="en-SG" sz="2000" dirty="0"/>
-              <a:t>Outputs a LOW (0V) or HIGH (5V) to a digital pin.</a:t>
-            </a:r>
-          </a:p>
-          <a:p>
-            <a:r>
-              <a:rPr lang="en-SG" sz="2000" dirty="0"/>
-              <a:t>The digital pin must be configured as OUTPUT.</a:t>
-            </a:r>
-            <a:endParaRPr lang="en-US" sz="2000" dirty="0"/>
           </a:p>
         </p:txBody>
       </p:sp>
@@ -7625,7 +6440,7 @@
           <p:cNvPr id="4" name="Slide Number Placeholder 3">
             <a:extLst>
               <a:ext uri="{FF2B5EF4-FFF2-40B4-BE49-F238E27FC236}">
-                <a16:creationId xmlns:a16="http://schemas.microsoft.com/office/drawing/2014/main" id="{40F581C6-3C55-4EE6-B378-92356E550D67}"/>
+                <a16:creationId xmlns:a16="http://schemas.microsoft.com/office/drawing/2014/main" id="{FB2F0CA4-7972-4DE6-8ECD-9692125CCDA8}"/>
               </a:ext>
             </a:extLst>
           </p:cNvPr>
@@ -7649,72 +6464,1075 @@
           </a:p>
         </p:txBody>
       </p:sp>
-      <p:pic>
-        <p:nvPicPr>
-          <p:cNvPr id="6" name="Picture 5">
+      <p:grpSp>
+        <p:nvGrpSpPr>
+          <p:cNvPr id="8" name="Group 7">
             <a:extLst>
               <a:ext uri="{FF2B5EF4-FFF2-40B4-BE49-F238E27FC236}">
-                <a16:creationId xmlns:a16="http://schemas.microsoft.com/office/drawing/2014/main" id="{45731F02-F2F4-47E0-B6A1-4DB1886EC807}"/>
+                <a16:creationId xmlns:a16="http://schemas.microsoft.com/office/drawing/2014/main" id="{3A3789E3-72CE-4C15-9B07-632045383AEE}"/>
               </a:ext>
             </a:extLst>
           </p:cNvPr>
-          <p:cNvPicPr>
-            <a:picLocks noChangeAspect="1"/>
-          </p:cNvPicPr>
+          <p:cNvGrpSpPr/>
           <p:nvPr/>
-        </p:nvPicPr>
-        <p:blipFill>
-          <a:blip r:embed="rId3"/>
-          <a:stretch>
-            <a:fillRect/>
-          </a:stretch>
-        </p:blipFill>
-        <p:spPr>
+        </p:nvGrpSpPr>
+        <p:grpSpPr>
           <a:xfrm>
-            <a:off x="983673" y="2738004"/>
-            <a:ext cx="3352800" cy="2762250"/>
+            <a:off x="731520" y="1614714"/>
+            <a:ext cx="1915909" cy="2215992"/>
+            <a:chOff x="6629400" y="1027907"/>
+            <a:chExt cx="1915909" cy="2215992"/>
           </a:xfrm>
-          <a:prstGeom prst="rect">
-            <a:avLst/>
-          </a:prstGeom>
-        </p:spPr>
-      </p:pic>
-      <p:pic>
-        <p:nvPicPr>
-          <p:cNvPr id="10" name="Picture 9">
+        </p:grpSpPr>
+        <p:sp>
+          <p:nvSpPr>
+            <p:cNvPr id="9" name="TextBox 8">
+              <a:extLst>
+                <a:ext uri="{FF2B5EF4-FFF2-40B4-BE49-F238E27FC236}">
+                  <a16:creationId xmlns:a16="http://schemas.microsoft.com/office/drawing/2014/main" id="{BF4279A7-8BD0-4E6A-9EAD-C2F56E710213}"/>
+                </a:ext>
+              </a:extLst>
+            </p:cNvPr>
+            <p:cNvSpPr txBox="1"/>
+            <p:nvPr/>
+          </p:nvSpPr>
+          <p:spPr>
+            <a:xfrm>
+              <a:off x="6629400" y="1027907"/>
+              <a:ext cx="1883849" cy="400110"/>
+            </a:xfrm>
+            <a:prstGeom prst="rect">
+              <a:avLst/>
+            </a:prstGeom>
+            <a:noFill/>
+          </p:spPr>
+          <p:txBody>
+            <a:bodyPr wrap="none" rtlCol="0">
+              <a:spAutoFit/>
+            </a:bodyPr>
+            <a:lstStyle/>
+            <a:p>
+              <a:pPr algn="l"/>
+              <a:r>
+                <a:rPr lang="en-SG" sz="2000" dirty="0">
+                  <a:latin typeface="Yanone Kaffeesatz Medium" pitchFamily="2" charset="0"/>
+                </a:rPr>
+                <a:t>Arithmetic Operators</a:t>
+              </a:r>
+              <a:endParaRPr lang="en-US" sz="2000" dirty="0">
+                <a:latin typeface="Yanone Kaffeesatz Medium" pitchFamily="2" charset="0"/>
+              </a:endParaRPr>
+            </a:p>
+          </p:txBody>
+        </p:sp>
+        <p:sp>
+          <p:nvSpPr>
+            <p:cNvPr id="10" name="TextBox 9">
+              <a:extLst>
+                <a:ext uri="{FF2B5EF4-FFF2-40B4-BE49-F238E27FC236}">
+                  <a16:creationId xmlns:a16="http://schemas.microsoft.com/office/drawing/2014/main" id="{9E741ADC-7181-4ED0-AB52-C9A407B575AC}"/>
+                </a:ext>
+              </a:extLst>
+            </p:cNvPr>
+            <p:cNvSpPr txBox="1"/>
+            <p:nvPr/>
+          </p:nvSpPr>
+          <p:spPr>
+            <a:xfrm>
+              <a:off x="6629400" y="1428017"/>
+              <a:ext cx="1915909" cy="1815882"/>
+            </a:xfrm>
+            <a:prstGeom prst="rect">
+              <a:avLst/>
+            </a:prstGeom>
+            <a:noFill/>
+          </p:spPr>
+          <p:txBody>
+            <a:bodyPr wrap="none" rtlCol="0">
+              <a:spAutoFit/>
+            </a:bodyPr>
+            <a:lstStyle/>
+            <a:p>
+              <a:pPr marL="285750" indent="-285750" algn="l">
+                <a:buFont typeface="Arial" panose="020B0604020202020204" pitchFamily="34" charset="0"/>
+                <a:buChar char="•"/>
+              </a:pPr>
+              <a:r>
+                <a:rPr lang="en-US" sz="1400" b="0" i="0" u="sng" dirty="0">
+                  <a:solidFill>
+                    <a:srgbClr val="005C5F"/>
+                  </a:solidFill>
+                  <a:effectLst/>
+                  <a:latin typeface="Open Sans" panose="020B0606030504020204" pitchFamily="34" charset="0"/>
+                  <a:hlinkClick r:id="rId2"/>
+                </a:rPr>
+                <a:t>% (remainder) </a:t>
+              </a:r>
+              <a:endParaRPr lang="en-US" sz="1400" b="0" i="0" u="sng" dirty="0">
+                <a:solidFill>
+                  <a:srgbClr val="005C5F"/>
+                </a:solidFill>
+                <a:effectLst/>
+                <a:latin typeface="Open Sans" panose="020B0606030504020204" pitchFamily="34" charset="0"/>
+              </a:endParaRPr>
+            </a:p>
+            <a:p>
+              <a:pPr marL="285750" indent="-285750" algn="l">
+                <a:buFont typeface="Arial" panose="020B0604020202020204" pitchFamily="34" charset="0"/>
+                <a:buChar char="•"/>
+              </a:pPr>
+              <a:r>
+                <a:rPr lang="en-US" sz="1400" b="0" i="0" u="none" strike="noStrike" dirty="0">
+                  <a:solidFill>
+                    <a:srgbClr val="008184"/>
+                  </a:solidFill>
+                  <a:effectLst/>
+                  <a:latin typeface="Open Sans" panose="020B0606030504020204" pitchFamily="34" charset="0"/>
+                  <a:hlinkClick r:id="rId3"/>
+                </a:rPr>
+                <a:t>* (multiplication) </a:t>
+              </a:r>
+              <a:endParaRPr lang="en-US" sz="1400" b="0" i="0" u="none" strike="noStrike" dirty="0">
+                <a:solidFill>
+                  <a:srgbClr val="008184"/>
+                </a:solidFill>
+                <a:effectLst/>
+                <a:latin typeface="Open Sans" panose="020B0606030504020204" pitchFamily="34" charset="0"/>
+              </a:endParaRPr>
+            </a:p>
+            <a:p>
+              <a:pPr marL="285750" indent="-285750" algn="l">
+                <a:buFont typeface="Arial" panose="020B0604020202020204" pitchFamily="34" charset="0"/>
+                <a:buChar char="•"/>
+              </a:pPr>
+              <a:r>
+                <a:rPr lang="en-US" sz="1400" b="0" i="0" u="none" strike="noStrike" dirty="0">
+                  <a:solidFill>
+                    <a:srgbClr val="008184"/>
+                  </a:solidFill>
+                  <a:effectLst/>
+                  <a:latin typeface="Open Sans" panose="020B0606030504020204" pitchFamily="34" charset="0"/>
+                  <a:hlinkClick r:id="rId4"/>
+                </a:rPr>
+                <a:t>+ (addition) </a:t>
+              </a:r>
+              <a:endParaRPr lang="en-US" sz="1400" b="0" i="0" u="none" strike="noStrike" dirty="0">
+                <a:solidFill>
+                  <a:srgbClr val="008184"/>
+                </a:solidFill>
+                <a:effectLst/>
+                <a:latin typeface="Open Sans" panose="020B0606030504020204" pitchFamily="34" charset="0"/>
+              </a:endParaRPr>
+            </a:p>
+            <a:p>
+              <a:pPr marL="285750" indent="-285750" algn="l">
+                <a:buFont typeface="Arial" panose="020B0604020202020204" pitchFamily="34" charset="0"/>
+                <a:buChar char="•"/>
+              </a:pPr>
+              <a:r>
+                <a:rPr lang="en-US" sz="1400" b="0" i="0" u="none" strike="noStrike" dirty="0">
+                  <a:solidFill>
+                    <a:srgbClr val="008184"/>
+                  </a:solidFill>
+                  <a:effectLst/>
+                  <a:latin typeface="Open Sans" panose="020B0606030504020204" pitchFamily="34" charset="0"/>
+                  <a:hlinkClick r:id="rId5"/>
+                </a:rPr>
+                <a:t>- (subtraction) </a:t>
+              </a:r>
+              <a:endParaRPr lang="en-US" sz="1400" b="0" i="0" u="none" strike="noStrike" dirty="0">
+                <a:solidFill>
+                  <a:srgbClr val="008184"/>
+                </a:solidFill>
+                <a:effectLst/>
+                <a:latin typeface="Open Sans" panose="020B0606030504020204" pitchFamily="34" charset="0"/>
+              </a:endParaRPr>
+            </a:p>
+            <a:p>
+              <a:pPr marL="285750" indent="-285750" algn="l">
+                <a:buFont typeface="Arial" panose="020B0604020202020204" pitchFamily="34" charset="0"/>
+                <a:buChar char="•"/>
+              </a:pPr>
+              <a:r>
+                <a:rPr lang="en-US" sz="1400" b="0" i="0" u="none" strike="noStrike" dirty="0">
+                  <a:solidFill>
+                    <a:srgbClr val="008184"/>
+                  </a:solidFill>
+                  <a:effectLst/>
+                  <a:latin typeface="Open Sans" panose="020B0606030504020204" pitchFamily="34" charset="0"/>
+                  <a:hlinkClick r:id="rId6"/>
+                </a:rPr>
+                <a:t>/ (division) </a:t>
+              </a:r>
+              <a:endParaRPr lang="en-US" sz="1400" b="0" i="0" u="none" strike="noStrike" dirty="0">
+                <a:solidFill>
+                  <a:srgbClr val="008184"/>
+                </a:solidFill>
+                <a:effectLst/>
+                <a:latin typeface="Open Sans" panose="020B0606030504020204" pitchFamily="34" charset="0"/>
+              </a:endParaRPr>
+            </a:p>
+            <a:p>
+              <a:pPr marL="285750" indent="-285750" algn="l">
+                <a:buFont typeface="Arial" panose="020B0604020202020204" pitchFamily="34" charset="0"/>
+                <a:buChar char="•"/>
+              </a:pPr>
+              <a:r>
+                <a:rPr lang="en-US" sz="1400" b="0" i="0" u="none" strike="noStrike" dirty="0">
+                  <a:solidFill>
+                    <a:srgbClr val="008184"/>
+                  </a:solidFill>
+                  <a:effectLst/>
+                  <a:latin typeface="Open Sans" panose="020B0606030504020204" pitchFamily="34" charset="0"/>
+                  <a:hlinkClick r:id="rId7"/>
+                </a:rPr>
+                <a:t>= (assignment</a:t>
+              </a:r>
+              <a:br>
+                <a:rPr lang="en-US" sz="1400" b="0" i="0" u="none" strike="noStrike" dirty="0">
+                  <a:solidFill>
+                    <a:srgbClr val="008184"/>
+                  </a:solidFill>
+                  <a:effectLst/>
+                  <a:latin typeface="Open Sans" panose="020B0606030504020204" pitchFamily="34" charset="0"/>
+                  <a:hlinkClick r:id="rId7"/>
+                </a:rPr>
+              </a:br>
+              <a:r>
+                <a:rPr lang="en-US" sz="1400" b="0" i="0" u="none" strike="noStrike" dirty="0">
+                  <a:solidFill>
+                    <a:srgbClr val="008184"/>
+                  </a:solidFill>
+                  <a:effectLst/>
+                  <a:latin typeface="Open Sans" panose="020B0606030504020204" pitchFamily="34" charset="0"/>
+                  <a:hlinkClick r:id="rId7"/>
+                </a:rPr>
+                <a:t>     operator) </a:t>
+              </a:r>
+              <a:endParaRPr lang="en-SG" sz="1400" dirty="0"/>
+            </a:p>
+            <a:p>
+              <a:pPr marL="285750" indent="-285750" algn="l">
+                <a:buFont typeface="Arial" panose="020B0604020202020204" pitchFamily="34" charset="0"/>
+                <a:buChar char="•"/>
+              </a:pPr>
+              <a:endParaRPr lang="en-US" sz="1400" dirty="0"/>
+            </a:p>
+          </p:txBody>
+        </p:sp>
+      </p:grpSp>
+      <p:grpSp>
+        <p:nvGrpSpPr>
+          <p:cNvPr id="11" name="Group 10">
             <a:extLst>
               <a:ext uri="{FF2B5EF4-FFF2-40B4-BE49-F238E27FC236}">
-                <a16:creationId xmlns:a16="http://schemas.microsoft.com/office/drawing/2014/main" id="{25677E93-048E-4150-9814-C4A3CC6785AB}"/>
+                <a16:creationId xmlns:a16="http://schemas.microsoft.com/office/drawing/2014/main" id="{14B6C2D4-0768-4D3B-A60C-234B1B8F8911}"/>
               </a:ext>
             </a:extLst>
           </p:cNvPr>
-          <p:cNvPicPr>
-            <a:picLocks noChangeAspect="1"/>
-          </p:cNvPicPr>
+          <p:cNvGrpSpPr/>
           <p:nvPr/>
-        </p:nvPicPr>
-        <p:blipFill>
-          <a:blip r:embed="rId4"/>
-          <a:stretch>
-            <a:fillRect/>
-          </a:stretch>
-        </p:blipFill>
-        <p:spPr>
+        </p:nvGrpSpPr>
+        <p:grpSpPr>
           <a:xfrm>
-            <a:off x="4691496" y="2738437"/>
-            <a:ext cx="3762375" cy="3362325"/>
+            <a:off x="3172968" y="1623858"/>
+            <a:ext cx="1827744" cy="1354217"/>
+            <a:chOff x="6629400" y="1027907"/>
+            <a:chExt cx="1827744" cy="1354217"/>
           </a:xfrm>
-          <a:prstGeom prst="rect">
-            <a:avLst/>
-          </a:prstGeom>
-        </p:spPr>
-      </p:pic>
-      <p:sp>
-        <p:nvSpPr>
-          <p:cNvPr id="11" name="TextBox 10">
+        </p:grpSpPr>
+        <p:sp>
+          <p:nvSpPr>
+            <p:cNvPr id="12" name="TextBox 11">
+              <a:extLst>
+                <a:ext uri="{FF2B5EF4-FFF2-40B4-BE49-F238E27FC236}">
+                  <a16:creationId xmlns:a16="http://schemas.microsoft.com/office/drawing/2014/main" id="{437CD8E5-885F-4079-889A-10E82D498EE2}"/>
+                </a:ext>
+              </a:extLst>
+            </p:cNvPr>
+            <p:cNvSpPr txBox="1"/>
+            <p:nvPr/>
+          </p:nvSpPr>
+          <p:spPr>
+            <a:xfrm>
+              <a:off x="6629400" y="1027907"/>
+              <a:ext cx="1601721" cy="400110"/>
+            </a:xfrm>
+            <a:prstGeom prst="rect">
+              <a:avLst/>
+            </a:prstGeom>
+            <a:noFill/>
+          </p:spPr>
+          <p:txBody>
+            <a:bodyPr wrap="none" rtlCol="0">
+              <a:spAutoFit/>
+            </a:bodyPr>
+            <a:lstStyle/>
+            <a:p>
+              <a:pPr algn="l"/>
+              <a:r>
+                <a:rPr lang="en-SG" sz="2000" dirty="0">
+                  <a:latin typeface="Yanone Kaffeesatz Medium" pitchFamily="2" charset="0"/>
+                </a:rPr>
+                <a:t>Boolean Operators</a:t>
+              </a:r>
+              <a:endParaRPr lang="en-US" sz="2000" dirty="0">
+                <a:latin typeface="Yanone Kaffeesatz Medium" pitchFamily="2" charset="0"/>
+              </a:endParaRPr>
+            </a:p>
+          </p:txBody>
+        </p:sp>
+        <p:sp>
+          <p:nvSpPr>
+            <p:cNvPr id="13" name="TextBox 12">
+              <a:extLst>
+                <a:ext uri="{FF2B5EF4-FFF2-40B4-BE49-F238E27FC236}">
+                  <a16:creationId xmlns:a16="http://schemas.microsoft.com/office/drawing/2014/main" id="{2F2C54A3-6EAD-45EA-A8EC-897D56C3C7BF}"/>
+                </a:ext>
+              </a:extLst>
+            </p:cNvPr>
+            <p:cNvSpPr txBox="1"/>
+            <p:nvPr/>
+          </p:nvSpPr>
+          <p:spPr>
+            <a:xfrm>
+              <a:off x="6629400" y="1428017"/>
+              <a:ext cx="1827744" cy="954107"/>
+            </a:xfrm>
+            <a:prstGeom prst="rect">
+              <a:avLst/>
+            </a:prstGeom>
+            <a:noFill/>
+          </p:spPr>
+          <p:txBody>
+            <a:bodyPr wrap="none" rtlCol="0">
+              <a:spAutoFit/>
+            </a:bodyPr>
+            <a:lstStyle/>
+            <a:p>
+              <a:pPr marL="285750" indent="-285750" algn="l">
+                <a:buFont typeface="Arial" panose="020B0604020202020204" pitchFamily="34" charset="0"/>
+                <a:buChar char="•"/>
+              </a:pPr>
+              <a:r>
+                <a:rPr lang="en-SG" sz="1400" b="0" i="0" u="none" strike="noStrike" dirty="0">
+                  <a:solidFill>
+                    <a:srgbClr val="008184"/>
+                  </a:solidFill>
+                  <a:effectLst/>
+                  <a:latin typeface="Open Sans" panose="020B0606030504020204" pitchFamily="34" charset="0"/>
+                  <a:hlinkClick r:id="rId8"/>
+                </a:rPr>
+                <a:t>! (logical not) </a:t>
+              </a:r>
+              <a:endParaRPr lang="en-SG" sz="1400" b="0" i="0" u="none" strike="noStrike" dirty="0">
+                <a:solidFill>
+                  <a:srgbClr val="008184"/>
+                </a:solidFill>
+                <a:effectLst/>
+                <a:latin typeface="Open Sans" panose="020B0606030504020204" pitchFamily="34" charset="0"/>
+              </a:endParaRPr>
+            </a:p>
+            <a:p>
+              <a:pPr marL="285750" indent="-285750" algn="l">
+                <a:buFont typeface="Arial" panose="020B0604020202020204" pitchFamily="34" charset="0"/>
+                <a:buChar char="•"/>
+              </a:pPr>
+              <a:r>
+                <a:rPr lang="en-SG" sz="1400" b="0" i="0" u="none" strike="noStrike" dirty="0">
+                  <a:solidFill>
+                    <a:srgbClr val="008184"/>
+                  </a:solidFill>
+                  <a:effectLst/>
+                  <a:latin typeface="Open Sans" panose="020B0606030504020204" pitchFamily="34" charset="0"/>
+                  <a:hlinkClick r:id="rId9"/>
+                </a:rPr>
+                <a:t>&amp;&amp; (logical and) </a:t>
+              </a:r>
+              <a:endParaRPr lang="en-SG" sz="1400" b="0" i="0" u="none" strike="noStrike" dirty="0">
+                <a:solidFill>
+                  <a:srgbClr val="008184"/>
+                </a:solidFill>
+                <a:effectLst/>
+                <a:latin typeface="Open Sans" panose="020B0606030504020204" pitchFamily="34" charset="0"/>
+              </a:endParaRPr>
+            </a:p>
+            <a:p>
+              <a:pPr marL="285750" indent="-285750" algn="l">
+                <a:buFont typeface="Arial" panose="020B0604020202020204" pitchFamily="34" charset="0"/>
+                <a:buChar char="•"/>
+              </a:pPr>
+              <a:r>
+                <a:rPr lang="en-SG" sz="1400" b="0" i="0" u="none" strike="noStrike" dirty="0">
+                  <a:solidFill>
+                    <a:srgbClr val="008184"/>
+                  </a:solidFill>
+                  <a:effectLst/>
+                  <a:latin typeface="Open Sans" panose="020B0606030504020204" pitchFamily="34" charset="0"/>
+                  <a:hlinkClick r:id="rId10"/>
+                </a:rPr>
+                <a:t>|| (logical or) </a:t>
+              </a:r>
+              <a:endParaRPr lang="en-SG" sz="1400" dirty="0"/>
+            </a:p>
+            <a:p>
+              <a:pPr marL="285750" indent="-285750" algn="l">
+                <a:buFont typeface="Arial" panose="020B0604020202020204" pitchFamily="34" charset="0"/>
+                <a:buChar char="•"/>
+              </a:pPr>
+              <a:endParaRPr lang="en-US" sz="1400" dirty="0"/>
+            </a:p>
+          </p:txBody>
+        </p:sp>
+      </p:grpSp>
+      <p:grpSp>
+        <p:nvGrpSpPr>
+          <p:cNvPr id="14" name="Group 13">
             <a:extLst>
               <a:ext uri="{FF2B5EF4-FFF2-40B4-BE49-F238E27FC236}">
-                <a16:creationId xmlns:a16="http://schemas.microsoft.com/office/drawing/2014/main" id="{06DE5DB8-FB19-45DE-9C18-B2978B7F14FD}"/>
+                <a16:creationId xmlns:a16="http://schemas.microsoft.com/office/drawing/2014/main" id="{B1A61241-5DE6-429A-9FBA-42E23BF40213}"/>
+              </a:ext>
+            </a:extLst>
+          </p:cNvPr>
+          <p:cNvGrpSpPr/>
+          <p:nvPr/>
+        </p:nvGrpSpPr>
+        <p:grpSpPr>
+          <a:xfrm>
+            <a:off x="5489220" y="1614714"/>
+            <a:ext cx="2977097" cy="2646879"/>
+            <a:chOff x="6629400" y="1027907"/>
+            <a:chExt cx="2977097" cy="2646879"/>
+          </a:xfrm>
+        </p:grpSpPr>
+        <p:sp>
+          <p:nvSpPr>
+            <p:cNvPr id="15" name="TextBox 14">
+              <a:extLst>
+                <a:ext uri="{FF2B5EF4-FFF2-40B4-BE49-F238E27FC236}">
+                  <a16:creationId xmlns:a16="http://schemas.microsoft.com/office/drawing/2014/main" id="{D28E4D79-4B1D-4037-8C7D-5129A4C3043E}"/>
+                </a:ext>
+              </a:extLst>
+            </p:cNvPr>
+            <p:cNvSpPr txBox="1"/>
+            <p:nvPr/>
+          </p:nvSpPr>
+          <p:spPr>
+            <a:xfrm>
+              <a:off x="6629400" y="1027907"/>
+              <a:ext cx="1797287" cy="400110"/>
+            </a:xfrm>
+            <a:prstGeom prst="rect">
+              <a:avLst/>
+            </a:prstGeom>
+            <a:noFill/>
+          </p:spPr>
+          <p:txBody>
+            <a:bodyPr wrap="none" rtlCol="0">
+              <a:spAutoFit/>
+            </a:bodyPr>
+            <a:lstStyle/>
+            <a:p>
+              <a:pPr algn="l"/>
+              <a:r>
+                <a:rPr lang="en-SG" sz="2000" dirty="0">
+                  <a:latin typeface="Yanone Kaffeesatz Medium" pitchFamily="2" charset="0"/>
+                </a:rPr>
+                <a:t>Compound Operators</a:t>
+              </a:r>
+              <a:endParaRPr lang="en-US" sz="2000" dirty="0">
+                <a:latin typeface="Yanone Kaffeesatz Medium" pitchFamily="2" charset="0"/>
+              </a:endParaRPr>
+            </a:p>
+          </p:txBody>
+        </p:sp>
+        <p:sp>
+          <p:nvSpPr>
+            <p:cNvPr id="16" name="TextBox 15">
+              <a:extLst>
+                <a:ext uri="{FF2B5EF4-FFF2-40B4-BE49-F238E27FC236}">
+                  <a16:creationId xmlns:a16="http://schemas.microsoft.com/office/drawing/2014/main" id="{0515FC8A-B15E-45D6-B0C3-B6DA90B369FF}"/>
+                </a:ext>
+              </a:extLst>
+            </p:cNvPr>
+            <p:cNvSpPr txBox="1"/>
+            <p:nvPr/>
+          </p:nvSpPr>
+          <p:spPr>
+            <a:xfrm>
+              <a:off x="6629400" y="1428017"/>
+              <a:ext cx="2977097" cy="2246769"/>
+            </a:xfrm>
+            <a:prstGeom prst="rect">
+              <a:avLst/>
+            </a:prstGeom>
+            <a:noFill/>
+          </p:spPr>
+          <p:txBody>
+            <a:bodyPr wrap="none" rtlCol="0">
+              <a:spAutoFit/>
+            </a:bodyPr>
+            <a:lstStyle/>
+            <a:p>
+              <a:pPr marL="285750" indent="-285750" algn="l">
+                <a:buFont typeface="Arial" panose="020B0604020202020204" pitchFamily="34" charset="0"/>
+                <a:buChar char="•"/>
+              </a:pPr>
+              <a:r>
+                <a:rPr lang="en-US" sz="1400" b="0" i="0" u="none" strike="noStrike" dirty="0">
+                  <a:solidFill>
+                    <a:srgbClr val="008184"/>
+                  </a:solidFill>
+                  <a:effectLst/>
+                  <a:latin typeface="Open Sans" panose="020B0606030504020204" pitchFamily="34" charset="0"/>
+                  <a:hlinkClick r:id="rId11"/>
+                </a:rPr>
+                <a:t>%= (compound remainder) </a:t>
+              </a:r>
+              <a:endParaRPr lang="en-US" sz="1400" b="0" i="0" u="none" strike="noStrike" dirty="0">
+                <a:solidFill>
+                  <a:srgbClr val="008184"/>
+                </a:solidFill>
+                <a:effectLst/>
+                <a:latin typeface="Open Sans" panose="020B0606030504020204" pitchFamily="34" charset="0"/>
+              </a:endParaRPr>
+            </a:p>
+            <a:p>
+              <a:pPr marL="285750" indent="-285750" algn="l">
+                <a:buFont typeface="Arial" panose="020B0604020202020204" pitchFamily="34" charset="0"/>
+                <a:buChar char="•"/>
+              </a:pPr>
+              <a:r>
+                <a:rPr lang="en-US" sz="1400" b="0" i="0" u="none" strike="noStrike" dirty="0">
+                  <a:solidFill>
+                    <a:srgbClr val="008184"/>
+                  </a:solidFill>
+                  <a:effectLst/>
+                  <a:latin typeface="Open Sans" panose="020B0606030504020204" pitchFamily="34" charset="0"/>
+                  <a:hlinkClick r:id="rId12"/>
+                </a:rPr>
+                <a:t>&amp;= (compound bitwise and) </a:t>
+              </a:r>
+              <a:endParaRPr lang="en-US" sz="1400" b="0" i="0" u="none" strike="noStrike" dirty="0">
+                <a:solidFill>
+                  <a:srgbClr val="008184"/>
+                </a:solidFill>
+                <a:effectLst/>
+                <a:latin typeface="Open Sans" panose="020B0606030504020204" pitchFamily="34" charset="0"/>
+              </a:endParaRPr>
+            </a:p>
+            <a:p>
+              <a:pPr marL="285750" indent="-285750" algn="l">
+                <a:buFont typeface="Arial" panose="020B0604020202020204" pitchFamily="34" charset="0"/>
+                <a:buChar char="•"/>
+              </a:pPr>
+              <a:r>
+                <a:rPr lang="en-US" sz="1400" b="0" i="0" u="none" strike="noStrike" dirty="0">
+                  <a:solidFill>
+                    <a:srgbClr val="008184"/>
+                  </a:solidFill>
+                  <a:effectLst/>
+                  <a:latin typeface="Open Sans" panose="020B0606030504020204" pitchFamily="34" charset="0"/>
+                  <a:hlinkClick r:id="rId13"/>
+                </a:rPr>
+                <a:t>*= (compound multiplication) </a:t>
+              </a:r>
+              <a:endParaRPr lang="en-US" sz="1400" b="0" i="0" u="none" strike="noStrike" dirty="0">
+                <a:solidFill>
+                  <a:srgbClr val="008184"/>
+                </a:solidFill>
+                <a:effectLst/>
+                <a:latin typeface="Open Sans" panose="020B0606030504020204" pitchFamily="34" charset="0"/>
+              </a:endParaRPr>
+            </a:p>
+            <a:p>
+              <a:pPr marL="285750" indent="-285750" algn="l">
+                <a:buFont typeface="Arial" panose="020B0604020202020204" pitchFamily="34" charset="0"/>
+                <a:buChar char="•"/>
+              </a:pPr>
+              <a:r>
+                <a:rPr lang="en-US" sz="1400" b="0" i="0" u="none" strike="noStrike" dirty="0">
+                  <a:solidFill>
+                    <a:srgbClr val="008184"/>
+                  </a:solidFill>
+                  <a:effectLst/>
+                  <a:latin typeface="Open Sans" panose="020B0606030504020204" pitchFamily="34" charset="0"/>
+                  <a:hlinkClick r:id="rId14"/>
+                </a:rPr>
+                <a:t>++ (increment) </a:t>
+              </a:r>
+              <a:endParaRPr lang="en-US" sz="1400" b="0" i="0" u="none" strike="noStrike" dirty="0">
+                <a:solidFill>
+                  <a:srgbClr val="008184"/>
+                </a:solidFill>
+                <a:effectLst/>
+                <a:latin typeface="Open Sans" panose="020B0606030504020204" pitchFamily="34" charset="0"/>
+              </a:endParaRPr>
+            </a:p>
+            <a:p>
+              <a:pPr marL="285750" indent="-285750" algn="l">
+                <a:buFont typeface="Arial" panose="020B0604020202020204" pitchFamily="34" charset="0"/>
+                <a:buChar char="•"/>
+              </a:pPr>
+              <a:r>
+                <a:rPr lang="en-US" sz="1400" b="0" i="0" u="none" strike="noStrike" dirty="0">
+                  <a:solidFill>
+                    <a:srgbClr val="008184"/>
+                  </a:solidFill>
+                  <a:effectLst/>
+                  <a:latin typeface="Open Sans" panose="020B0606030504020204" pitchFamily="34" charset="0"/>
+                  <a:hlinkClick r:id="rId15"/>
+                </a:rPr>
+                <a:t>+= (compound addition) </a:t>
+              </a:r>
+              <a:endParaRPr lang="en-US" sz="1400" b="0" i="0" u="none" strike="noStrike" dirty="0">
+                <a:solidFill>
+                  <a:srgbClr val="008184"/>
+                </a:solidFill>
+                <a:effectLst/>
+                <a:latin typeface="Open Sans" panose="020B0606030504020204" pitchFamily="34" charset="0"/>
+              </a:endParaRPr>
+            </a:p>
+            <a:p>
+              <a:pPr marL="285750" indent="-285750" algn="l">
+                <a:buFont typeface="Arial" panose="020B0604020202020204" pitchFamily="34" charset="0"/>
+                <a:buChar char="•"/>
+              </a:pPr>
+              <a:r>
+                <a:rPr lang="en-US" sz="1400" b="0" i="0" u="none" strike="noStrike" dirty="0">
+                  <a:solidFill>
+                    <a:srgbClr val="008184"/>
+                  </a:solidFill>
+                  <a:effectLst/>
+                  <a:latin typeface="Open Sans" panose="020B0606030504020204" pitchFamily="34" charset="0"/>
+                  <a:hlinkClick r:id="rId16"/>
+                </a:rPr>
+                <a:t>-- (decrement) </a:t>
+              </a:r>
+              <a:endParaRPr lang="en-US" sz="1400" b="0" i="0" u="none" strike="noStrike" dirty="0">
+                <a:solidFill>
+                  <a:srgbClr val="008184"/>
+                </a:solidFill>
+                <a:effectLst/>
+                <a:latin typeface="Open Sans" panose="020B0606030504020204" pitchFamily="34" charset="0"/>
+              </a:endParaRPr>
+            </a:p>
+            <a:p>
+              <a:pPr marL="285750" indent="-285750" algn="l">
+                <a:buFont typeface="Arial" panose="020B0604020202020204" pitchFamily="34" charset="0"/>
+                <a:buChar char="•"/>
+              </a:pPr>
+              <a:r>
+                <a:rPr lang="en-US" sz="1400" b="0" i="0" u="none" strike="noStrike" dirty="0">
+                  <a:solidFill>
+                    <a:srgbClr val="008184"/>
+                  </a:solidFill>
+                  <a:effectLst/>
+                  <a:latin typeface="Open Sans" panose="020B0606030504020204" pitchFamily="34" charset="0"/>
+                  <a:hlinkClick r:id="rId17"/>
+                </a:rPr>
+                <a:t>-= (compound subtraction) </a:t>
+              </a:r>
+              <a:endParaRPr lang="en-US" sz="1400" b="0" i="0" u="none" strike="noStrike" dirty="0">
+                <a:solidFill>
+                  <a:srgbClr val="008184"/>
+                </a:solidFill>
+                <a:effectLst/>
+                <a:latin typeface="Open Sans" panose="020B0606030504020204" pitchFamily="34" charset="0"/>
+              </a:endParaRPr>
+            </a:p>
+            <a:p>
+              <a:pPr marL="285750" indent="-285750" algn="l">
+                <a:buFont typeface="Arial" panose="020B0604020202020204" pitchFamily="34" charset="0"/>
+                <a:buChar char="•"/>
+              </a:pPr>
+              <a:r>
+                <a:rPr lang="en-US" sz="1400" b="0" i="0" u="none" strike="noStrike" dirty="0">
+                  <a:solidFill>
+                    <a:srgbClr val="008184"/>
+                  </a:solidFill>
+                  <a:effectLst/>
+                  <a:latin typeface="Open Sans" panose="020B0606030504020204" pitchFamily="34" charset="0"/>
+                  <a:hlinkClick r:id="rId18"/>
+                </a:rPr>
+                <a:t>/= (compound division) </a:t>
+              </a:r>
+              <a:endParaRPr lang="en-US" sz="1400" b="0" i="0" u="none" strike="noStrike" dirty="0">
+                <a:solidFill>
+                  <a:srgbClr val="008184"/>
+                </a:solidFill>
+                <a:effectLst/>
+                <a:latin typeface="Open Sans" panose="020B0606030504020204" pitchFamily="34" charset="0"/>
+              </a:endParaRPr>
+            </a:p>
+            <a:p>
+              <a:pPr marL="285750" indent="-285750" algn="l">
+                <a:buFont typeface="Arial" panose="020B0604020202020204" pitchFamily="34" charset="0"/>
+                <a:buChar char="•"/>
+              </a:pPr>
+              <a:r>
+                <a:rPr lang="en-US" sz="1400" b="0" i="0" u="none" strike="noStrike" dirty="0">
+                  <a:solidFill>
+                    <a:srgbClr val="008184"/>
+                  </a:solidFill>
+                  <a:effectLst/>
+                  <a:latin typeface="Open Sans" panose="020B0606030504020204" pitchFamily="34" charset="0"/>
+                  <a:hlinkClick r:id="rId19"/>
+                </a:rPr>
+                <a:t>^= (compound bitwise </a:t>
+              </a:r>
+              <a:r>
+                <a:rPr lang="en-US" sz="1400" b="0" i="0" u="none" strike="noStrike" dirty="0" err="1">
+                  <a:solidFill>
+                    <a:srgbClr val="008184"/>
+                  </a:solidFill>
+                  <a:effectLst/>
+                  <a:latin typeface="Open Sans" panose="020B0606030504020204" pitchFamily="34" charset="0"/>
+                  <a:hlinkClick r:id="rId19"/>
+                </a:rPr>
+                <a:t>xor</a:t>
+              </a:r>
+              <a:r>
+                <a:rPr lang="en-US" sz="1400" b="0" i="0" u="none" strike="noStrike" dirty="0">
+                  <a:solidFill>
+                    <a:srgbClr val="008184"/>
+                  </a:solidFill>
+                  <a:effectLst/>
+                  <a:latin typeface="Open Sans" panose="020B0606030504020204" pitchFamily="34" charset="0"/>
+                  <a:hlinkClick r:id="rId19"/>
+                </a:rPr>
+                <a:t>) </a:t>
+              </a:r>
+              <a:endParaRPr lang="en-US" sz="1400" b="0" i="0" u="none" strike="noStrike" dirty="0">
+                <a:solidFill>
+                  <a:srgbClr val="008184"/>
+                </a:solidFill>
+                <a:effectLst/>
+                <a:latin typeface="Open Sans" panose="020B0606030504020204" pitchFamily="34" charset="0"/>
+              </a:endParaRPr>
+            </a:p>
+            <a:p>
+              <a:pPr marL="285750" indent="-285750" algn="l">
+                <a:buFont typeface="Arial" panose="020B0604020202020204" pitchFamily="34" charset="0"/>
+                <a:buChar char="•"/>
+              </a:pPr>
+              <a:r>
+                <a:rPr lang="en-US" sz="1400" b="0" i="0" u="none" strike="noStrike" dirty="0">
+                  <a:solidFill>
+                    <a:srgbClr val="008184"/>
+                  </a:solidFill>
+                  <a:effectLst/>
+                  <a:latin typeface="Open Sans" panose="020B0606030504020204" pitchFamily="34" charset="0"/>
+                  <a:hlinkClick r:id="rId20"/>
+                </a:rPr>
+                <a:t>|= (compound bitwise or) </a:t>
+              </a:r>
+              <a:endParaRPr lang="en-US" sz="1400" dirty="0"/>
+            </a:p>
+          </p:txBody>
+        </p:sp>
+      </p:grpSp>
+      <p:grpSp>
+        <p:nvGrpSpPr>
+          <p:cNvPr id="17" name="Group 16">
+            <a:extLst>
+              <a:ext uri="{FF2B5EF4-FFF2-40B4-BE49-F238E27FC236}">
+                <a16:creationId xmlns:a16="http://schemas.microsoft.com/office/drawing/2014/main" id="{A2A17985-CB5E-4918-877F-B082C06A0391}"/>
+              </a:ext>
+            </a:extLst>
+          </p:cNvPr>
+          <p:cNvGrpSpPr/>
+          <p:nvPr/>
+        </p:nvGrpSpPr>
+        <p:grpSpPr>
+          <a:xfrm>
+            <a:off x="3172968" y="3153597"/>
+            <a:ext cx="1899879" cy="1785105"/>
+            <a:chOff x="6629400" y="1027907"/>
+            <a:chExt cx="1899879" cy="1785105"/>
+          </a:xfrm>
+        </p:grpSpPr>
+        <p:sp>
+          <p:nvSpPr>
+            <p:cNvPr id="18" name="TextBox 17">
+              <a:extLst>
+                <a:ext uri="{FF2B5EF4-FFF2-40B4-BE49-F238E27FC236}">
+                  <a16:creationId xmlns:a16="http://schemas.microsoft.com/office/drawing/2014/main" id="{CD3C021A-4E8B-4DBE-89DD-FFDDD71F52A4}"/>
+                </a:ext>
+              </a:extLst>
+            </p:cNvPr>
+            <p:cNvSpPr txBox="1"/>
+            <p:nvPr/>
+          </p:nvSpPr>
+          <p:spPr>
+            <a:xfrm>
+              <a:off x="6629400" y="1027907"/>
+              <a:ext cx="1569660" cy="400110"/>
+            </a:xfrm>
+            <a:prstGeom prst="rect">
+              <a:avLst/>
+            </a:prstGeom>
+            <a:noFill/>
+          </p:spPr>
+          <p:txBody>
+            <a:bodyPr wrap="none" rtlCol="0">
+              <a:spAutoFit/>
+            </a:bodyPr>
+            <a:lstStyle/>
+            <a:p>
+              <a:pPr algn="l"/>
+              <a:r>
+                <a:rPr lang="en-SG" sz="2000" dirty="0">
+                  <a:latin typeface="Yanone Kaffeesatz Medium" pitchFamily="2" charset="0"/>
+                </a:rPr>
+                <a:t>Bitwise Operators</a:t>
+              </a:r>
+              <a:endParaRPr lang="en-US" sz="2000" dirty="0">
+                <a:latin typeface="Yanone Kaffeesatz Medium" pitchFamily="2" charset="0"/>
+              </a:endParaRPr>
+            </a:p>
+          </p:txBody>
+        </p:sp>
+        <p:sp>
+          <p:nvSpPr>
+            <p:cNvPr id="19" name="TextBox 18">
+              <a:extLst>
+                <a:ext uri="{FF2B5EF4-FFF2-40B4-BE49-F238E27FC236}">
+                  <a16:creationId xmlns:a16="http://schemas.microsoft.com/office/drawing/2014/main" id="{C87C705A-A336-466A-89AA-CB603D19D456}"/>
+                </a:ext>
+              </a:extLst>
+            </p:cNvPr>
+            <p:cNvSpPr txBox="1"/>
+            <p:nvPr/>
+          </p:nvSpPr>
+          <p:spPr>
+            <a:xfrm>
+              <a:off x="6629400" y="1428017"/>
+              <a:ext cx="1899879" cy="1384995"/>
+            </a:xfrm>
+            <a:prstGeom prst="rect">
+              <a:avLst/>
+            </a:prstGeom>
+            <a:noFill/>
+          </p:spPr>
+          <p:txBody>
+            <a:bodyPr wrap="none" rtlCol="0">
+              <a:spAutoFit/>
+            </a:bodyPr>
+            <a:lstStyle/>
+            <a:p>
+              <a:pPr marL="285750" indent="-285750" algn="l">
+                <a:buFont typeface="Arial" panose="020B0604020202020204" pitchFamily="34" charset="0"/>
+                <a:buChar char="•"/>
+              </a:pPr>
+              <a:r>
+                <a:rPr lang="en-SG" sz="1400" b="0" i="0" u="none" strike="noStrike" dirty="0">
+                  <a:solidFill>
+                    <a:srgbClr val="008184"/>
+                  </a:solidFill>
+                  <a:effectLst/>
+                  <a:latin typeface="Open Sans" panose="020B0606030504020204" pitchFamily="34" charset="0"/>
+                  <a:hlinkClick r:id="rId21"/>
+                </a:rPr>
+                <a:t>&amp; (bitwise and) </a:t>
+              </a:r>
+              <a:endParaRPr lang="en-SG" sz="1400" b="0" i="0" u="none" strike="noStrike" dirty="0">
+                <a:solidFill>
+                  <a:srgbClr val="008184"/>
+                </a:solidFill>
+                <a:effectLst/>
+                <a:latin typeface="Open Sans" panose="020B0606030504020204" pitchFamily="34" charset="0"/>
+              </a:endParaRPr>
+            </a:p>
+            <a:p>
+              <a:pPr marL="285750" indent="-285750" algn="l">
+                <a:buFont typeface="Arial" panose="020B0604020202020204" pitchFamily="34" charset="0"/>
+                <a:buChar char="•"/>
+              </a:pPr>
+              <a:r>
+                <a:rPr lang="en-SG" sz="1400" b="0" i="0" u="none" strike="noStrike" dirty="0">
+                  <a:solidFill>
+                    <a:srgbClr val="008184"/>
+                  </a:solidFill>
+                  <a:effectLst/>
+                  <a:latin typeface="Open Sans" panose="020B0606030504020204" pitchFamily="34" charset="0"/>
+                  <a:hlinkClick r:id="rId22"/>
+                </a:rPr>
+                <a:t>&lt;&lt; (</a:t>
+              </a:r>
+              <a:r>
+                <a:rPr lang="en-SG" sz="1400" b="0" i="0" u="none" strike="noStrike" dirty="0" err="1">
+                  <a:solidFill>
+                    <a:srgbClr val="008184"/>
+                  </a:solidFill>
+                  <a:effectLst/>
+                  <a:latin typeface="Open Sans" panose="020B0606030504020204" pitchFamily="34" charset="0"/>
+                  <a:hlinkClick r:id="rId22"/>
+                </a:rPr>
+                <a:t>bitshift</a:t>
+              </a:r>
+              <a:r>
+                <a:rPr lang="en-SG" sz="1400" b="0" i="0" u="none" strike="noStrike" dirty="0">
+                  <a:solidFill>
+                    <a:srgbClr val="008184"/>
+                  </a:solidFill>
+                  <a:effectLst/>
+                  <a:latin typeface="Open Sans" panose="020B0606030504020204" pitchFamily="34" charset="0"/>
+                  <a:hlinkClick r:id="rId22"/>
+                </a:rPr>
+                <a:t> left) </a:t>
+              </a:r>
+              <a:endParaRPr lang="en-SG" sz="1400" b="0" i="0" u="none" strike="noStrike" dirty="0">
+                <a:solidFill>
+                  <a:srgbClr val="008184"/>
+                </a:solidFill>
+                <a:effectLst/>
+                <a:latin typeface="Open Sans" panose="020B0606030504020204" pitchFamily="34" charset="0"/>
+              </a:endParaRPr>
+            </a:p>
+            <a:p>
+              <a:pPr marL="285750" indent="-285750" algn="l">
+                <a:buFont typeface="Arial" panose="020B0604020202020204" pitchFamily="34" charset="0"/>
+                <a:buChar char="•"/>
+              </a:pPr>
+              <a:r>
+                <a:rPr lang="en-SG" sz="1400" b="0" i="0" u="none" strike="noStrike" dirty="0">
+                  <a:solidFill>
+                    <a:srgbClr val="008184"/>
+                  </a:solidFill>
+                  <a:effectLst/>
+                  <a:latin typeface="Open Sans" panose="020B0606030504020204" pitchFamily="34" charset="0"/>
+                  <a:hlinkClick r:id="rId23"/>
+                </a:rPr>
+                <a:t>&gt;&gt; (</a:t>
+              </a:r>
+              <a:r>
+                <a:rPr lang="en-SG" sz="1400" b="0" i="0" u="none" strike="noStrike" dirty="0" err="1">
+                  <a:solidFill>
+                    <a:srgbClr val="008184"/>
+                  </a:solidFill>
+                  <a:effectLst/>
+                  <a:latin typeface="Open Sans" panose="020B0606030504020204" pitchFamily="34" charset="0"/>
+                  <a:hlinkClick r:id="rId23"/>
+                </a:rPr>
+                <a:t>bitshift</a:t>
+              </a:r>
+              <a:r>
+                <a:rPr lang="en-SG" sz="1400" b="0" i="0" u="none" strike="noStrike" dirty="0">
+                  <a:solidFill>
+                    <a:srgbClr val="008184"/>
+                  </a:solidFill>
+                  <a:effectLst/>
+                  <a:latin typeface="Open Sans" panose="020B0606030504020204" pitchFamily="34" charset="0"/>
+                  <a:hlinkClick r:id="rId23"/>
+                </a:rPr>
+                <a:t> right) </a:t>
+              </a:r>
+              <a:endParaRPr lang="en-SG" sz="1400" b="0" i="0" u="none" strike="noStrike" dirty="0">
+                <a:solidFill>
+                  <a:srgbClr val="008184"/>
+                </a:solidFill>
+                <a:effectLst/>
+                <a:latin typeface="Open Sans" panose="020B0606030504020204" pitchFamily="34" charset="0"/>
+              </a:endParaRPr>
+            </a:p>
+            <a:p>
+              <a:pPr marL="285750" indent="-285750" algn="l">
+                <a:buFont typeface="Arial" panose="020B0604020202020204" pitchFamily="34" charset="0"/>
+                <a:buChar char="•"/>
+              </a:pPr>
+              <a:r>
+                <a:rPr lang="en-SG" sz="1400" b="0" i="0" u="none" strike="noStrike" dirty="0">
+                  <a:solidFill>
+                    <a:srgbClr val="008184"/>
+                  </a:solidFill>
+                  <a:effectLst/>
+                  <a:latin typeface="Open Sans" panose="020B0606030504020204" pitchFamily="34" charset="0"/>
+                  <a:hlinkClick r:id="rId24"/>
+                </a:rPr>
+                <a:t>^ (bitwise </a:t>
+              </a:r>
+              <a:r>
+                <a:rPr lang="en-SG" sz="1400" b="0" i="0" u="none" strike="noStrike" dirty="0" err="1">
+                  <a:solidFill>
+                    <a:srgbClr val="008184"/>
+                  </a:solidFill>
+                  <a:effectLst/>
+                  <a:latin typeface="Open Sans" panose="020B0606030504020204" pitchFamily="34" charset="0"/>
+                  <a:hlinkClick r:id="rId24"/>
+                </a:rPr>
+                <a:t>xor</a:t>
+              </a:r>
+              <a:r>
+                <a:rPr lang="en-SG" sz="1400" b="0" i="0" u="none" strike="noStrike" dirty="0">
+                  <a:solidFill>
+                    <a:srgbClr val="008184"/>
+                  </a:solidFill>
+                  <a:effectLst/>
+                  <a:latin typeface="Open Sans" panose="020B0606030504020204" pitchFamily="34" charset="0"/>
+                  <a:hlinkClick r:id="rId24"/>
+                </a:rPr>
+                <a:t>) </a:t>
+              </a:r>
+              <a:endParaRPr lang="en-SG" sz="1400" b="0" i="0" u="none" strike="noStrike" dirty="0">
+                <a:solidFill>
+                  <a:srgbClr val="008184"/>
+                </a:solidFill>
+                <a:effectLst/>
+                <a:latin typeface="Open Sans" panose="020B0606030504020204" pitchFamily="34" charset="0"/>
+              </a:endParaRPr>
+            </a:p>
+            <a:p>
+              <a:pPr marL="285750" indent="-285750" algn="l">
+                <a:buFont typeface="Arial" panose="020B0604020202020204" pitchFamily="34" charset="0"/>
+                <a:buChar char="•"/>
+              </a:pPr>
+              <a:r>
+                <a:rPr lang="en-SG" sz="1400" b="0" i="0" u="sng" dirty="0">
+                  <a:solidFill>
+                    <a:srgbClr val="005C5F"/>
+                  </a:solidFill>
+                  <a:effectLst/>
+                  <a:latin typeface="Open Sans" panose="020B0606030504020204" pitchFamily="34" charset="0"/>
+                  <a:hlinkClick r:id="rId25"/>
+                </a:rPr>
+                <a:t>| (bitwise or) </a:t>
+              </a:r>
+              <a:endParaRPr lang="en-SG" sz="1400" b="0" i="0" u="sng" dirty="0">
+                <a:solidFill>
+                  <a:srgbClr val="005C5F"/>
+                </a:solidFill>
+                <a:effectLst/>
+                <a:latin typeface="Open Sans" panose="020B0606030504020204" pitchFamily="34" charset="0"/>
+              </a:endParaRPr>
+            </a:p>
+            <a:p>
+              <a:pPr marL="285750" indent="-285750" algn="l">
+                <a:buFont typeface="Arial" panose="020B0604020202020204" pitchFamily="34" charset="0"/>
+                <a:buChar char="•"/>
+              </a:pPr>
+              <a:r>
+                <a:rPr lang="en-SG" sz="1400" b="0" i="0" u="none" strike="noStrike" dirty="0">
+                  <a:solidFill>
+                    <a:srgbClr val="008184"/>
+                  </a:solidFill>
+                  <a:effectLst/>
+                  <a:latin typeface="Open Sans" panose="020B0606030504020204" pitchFamily="34" charset="0"/>
+                  <a:hlinkClick r:id="rId26"/>
+                </a:rPr>
+                <a:t>~ (bitwise not) </a:t>
+              </a:r>
+              <a:endParaRPr lang="en-US" sz="1400" dirty="0"/>
+            </a:p>
+          </p:txBody>
+        </p:sp>
+      </p:grpSp>
+      <p:sp>
+        <p:nvSpPr>
+          <p:cNvPr id="20" name="TextBox 19">
+            <a:extLst>
+              <a:ext uri="{FF2B5EF4-FFF2-40B4-BE49-F238E27FC236}">
+                <a16:creationId xmlns:a16="http://schemas.microsoft.com/office/drawing/2014/main" id="{F08B7D85-85CE-4DDF-88FE-8D18C3898BA8}"/>
               </a:ext>
             </a:extLst>
           </p:cNvPr>
@@ -7723,8 +7541,8 @@
         </p:nvSpPr>
         <p:spPr>
           <a:xfrm>
-            <a:off x="907473" y="5727701"/>
-            <a:ext cx="4077567" cy="646331"/>
+            <a:off x="6223423" y="4246204"/>
+            <a:ext cx="2226892" cy="584775"/>
           </a:xfrm>
           <a:prstGeom prst="rect">
             <a:avLst/>
@@ -7732,23 +7550,94 @@
           <a:noFill/>
         </p:spPr>
         <p:txBody>
-          <a:bodyPr wrap="square" rtlCol="0">
+          <a:bodyPr wrap="none" rtlCol="0">
             <a:spAutoFit/>
           </a:bodyPr>
           <a:lstStyle/>
           <a:p>
-            <a:r>
-              <a:rPr lang="en-SG" dirty="0"/>
-              <a:t>You can also output a LOW to create a GND for sinking current!</a:t>
-            </a:r>
-            <a:endParaRPr lang="en-US" dirty="0"/>
+            <a:pPr algn="l"/>
+            <a:r>
+              <a:rPr lang="en-SG" sz="1600" dirty="0"/>
+              <a:t>Use the </a:t>
+            </a:r>
+            <a:r>
+              <a:rPr lang="en-SG" sz="3200" dirty="0">
+                <a:solidFill>
+                  <a:srgbClr val="FF0000"/>
+                </a:solidFill>
+                <a:latin typeface="Yanone Kaffeesatz Medium" pitchFamily="2" charset="0"/>
+              </a:rPr>
+              <a:t>KISS</a:t>
+            </a:r>
+            <a:r>
+              <a:rPr lang="en-SG" sz="1600" dirty="0"/>
+              <a:t> principle!</a:t>
+            </a:r>
+            <a:endParaRPr lang="en-US" sz="1600" dirty="0"/>
+          </a:p>
+        </p:txBody>
+      </p:sp>
+      <p:sp>
+        <p:nvSpPr>
+          <p:cNvPr id="21" name="TextBox 20">
+            <a:extLst>
+              <a:ext uri="{FF2B5EF4-FFF2-40B4-BE49-F238E27FC236}">
+                <a16:creationId xmlns:a16="http://schemas.microsoft.com/office/drawing/2014/main" id="{01FD308B-3F8C-4BBD-B3C4-66C005B321C3}"/>
+              </a:ext>
+            </a:extLst>
+          </p:cNvPr>
+          <p:cNvSpPr txBox="1"/>
+          <p:nvPr/>
+        </p:nvSpPr>
+        <p:spPr>
+          <a:xfrm>
+            <a:off x="731520" y="4938702"/>
+            <a:ext cx="4092402" cy="830997"/>
+          </a:xfrm>
+          <a:prstGeom prst="rect">
+            <a:avLst/>
+          </a:prstGeom>
+          <a:noFill/>
+        </p:spPr>
+        <p:txBody>
+          <a:bodyPr wrap="none" rtlCol="0">
+            <a:spAutoFit/>
+          </a:bodyPr>
+          <a:lstStyle/>
+          <a:p>
+            <a:pPr algn="l"/>
+            <a:r>
+              <a:rPr lang="en-SG" sz="1600" dirty="0"/>
+              <a:t>Operators work only with </a:t>
+            </a:r>
+            <a:r>
+              <a:rPr lang="en-SG" sz="3200" dirty="0">
+                <a:solidFill>
+                  <a:srgbClr val="FF0000"/>
+                </a:solidFill>
+                <a:latin typeface="Yanone Kaffeesatz Medium" pitchFamily="2" charset="0"/>
+              </a:rPr>
+              <a:t>similar</a:t>
+            </a:r>
+            <a:r>
+              <a:rPr lang="en-SG" sz="1600" dirty="0"/>
+              <a:t> data types</a:t>
+            </a:r>
+          </a:p>
+          <a:p>
+            <a:pPr algn="l"/>
+            <a:r>
+              <a:rPr lang="en-SG" sz="1600" dirty="0"/>
+              <a:t>Use conversion functions to help.</a:t>
+            </a:r>
+            <a:endParaRPr lang="en-US" sz="1600" dirty="0"/>
           </a:p>
         </p:txBody>
       </p:sp>
     </p:spTree>
     <p:extLst>
       <p:ext uri="{BB962C8B-B14F-4D97-AF65-F5344CB8AC3E}">
-        <p14:creationId xmlns:p14="http://schemas.microsoft.com/office/powerpoint/2010/main" val="2996649309"/>
+        <p14:creationId xmlns:p14="http://schemas.microsoft.com/office/powerpoint/2010/main" val="2920058440"/>
       </p:ext>
     </p:extLst>
   </p:cSld>
@@ -7780,7 +7669,7 @@
           <p:cNvPr id="2" name="Title 1">
             <a:extLst>
               <a:ext uri="{FF2B5EF4-FFF2-40B4-BE49-F238E27FC236}">
-                <a16:creationId xmlns:a16="http://schemas.microsoft.com/office/drawing/2014/main" id="{E4A4E5E6-EDEE-42E1-B390-FA0A6CC04453}"/>
+                <a16:creationId xmlns:a16="http://schemas.microsoft.com/office/drawing/2014/main" id="{6DB85C7E-FA28-490F-8809-B06D2C363DE7}"/>
               </a:ext>
             </a:extLst>
           </p:cNvPr>
@@ -7798,7 +7687,7 @@
           <a:p>
             <a:r>
               <a:rPr lang="en-SG" dirty="0"/>
-              <a:t>Driving an LED</a:t>
+              <a:t>Boolean</a:t>
             </a:r>
             <a:endParaRPr lang="en-US" dirty="0"/>
           </a:p>
@@ -7806,10 +7695,10 @@
       </p:sp>
       <p:sp>
         <p:nvSpPr>
-          <p:cNvPr id="5" name="Content Placeholder 4">
+          <p:cNvPr id="3" name="Content Placeholder 2">
             <a:extLst>
               <a:ext uri="{FF2B5EF4-FFF2-40B4-BE49-F238E27FC236}">
-                <a16:creationId xmlns:a16="http://schemas.microsoft.com/office/drawing/2014/main" id="{A8807321-D703-4CF5-AA02-B94515F69562}"/>
+                <a16:creationId xmlns:a16="http://schemas.microsoft.com/office/drawing/2014/main" id="{7D8490A6-0ED1-4BBB-B234-A3393F8E28CF}"/>
               </a:ext>
             </a:extLst>
           </p:cNvPr>
@@ -7817,104 +7706,53 @@
             <a:spLocks noGrp="1"/>
           </p:cNvSpPr>
           <p:nvPr>
-            <p:ph sz="half" idx="1"/>
-          </p:nvPr>
-        </p:nvSpPr>
-        <p:spPr/>
-        <p:txBody>
-          <a:bodyPr/>
-          <a:lstStyle/>
-          <a:p>
-            <a:r>
-              <a:rPr lang="en-SG" sz="2000" dirty="0"/>
-              <a:t>An LED lights up (conducts) if a correct voltage is applied to the pins.</a:t>
-            </a:r>
-          </a:p>
-          <a:p>
-            <a:r>
-              <a:rPr lang="en-SG" sz="2000" dirty="0"/>
-              <a:t>When the LED conducts, current is allowed to pass through.  The LED drops about 2V.</a:t>
-            </a:r>
-          </a:p>
-          <a:p>
-            <a:r>
-              <a:rPr lang="en-SG" sz="2000" dirty="0"/>
-              <a:t>We need to limit this current (10~20mA) otherwise, we will get a short-circuit.</a:t>
-            </a:r>
-          </a:p>
-          <a:p>
-            <a:r>
-              <a:rPr lang="en-SG" sz="2000" dirty="0"/>
-              <a:t>Current limiting resistor value:</a:t>
-            </a:r>
-            <a:br>
-              <a:rPr lang="en-SG" sz="2000" dirty="0"/>
-            </a:br>
-            <a:r>
-              <a:rPr lang="en-SG" sz="2000" dirty="0"/>
-              <a:t>R = V / I</a:t>
-            </a:r>
-            <a:br>
-              <a:rPr lang="en-SG" sz="2000" dirty="0"/>
-            </a:br>
-            <a:r>
-              <a:rPr lang="en-SG" sz="2000" dirty="0"/>
-              <a:t>   = (5 – 2V) / 10 mA</a:t>
-            </a:r>
-            <a:br>
-              <a:rPr lang="en-SG" sz="2000" dirty="0"/>
-            </a:br>
-            <a:r>
-              <a:rPr lang="en-SG" sz="2000" dirty="0"/>
-              <a:t>   = 300 ohms  </a:t>
-            </a:r>
-          </a:p>
-          <a:p>
-            <a:pPr marL="0" indent="0">
-              <a:buNone/>
-            </a:pPr>
-            <a:endParaRPr lang="en-SG" sz="2000" dirty="0"/>
-          </a:p>
-          <a:p>
-            <a:endParaRPr lang="en-US" sz="2000" dirty="0"/>
-          </a:p>
-        </p:txBody>
-      </p:sp>
-      <p:pic>
-        <p:nvPicPr>
-          <p:cNvPr id="8" name="Content Placeholder 7">
-            <a:extLst>
-              <a:ext uri="{FF2B5EF4-FFF2-40B4-BE49-F238E27FC236}">
-                <a16:creationId xmlns:a16="http://schemas.microsoft.com/office/drawing/2014/main" id="{BB371FC5-F55A-4E5C-8C13-EBD6982D318E}"/>
-              </a:ext>
-            </a:extLst>
-          </p:cNvPr>
-          <p:cNvPicPr>
-            <a:picLocks noGrp="1" noChangeAspect="1"/>
-          </p:cNvPicPr>
-          <p:nvPr>
-            <p:ph sz="half" idx="2"/>
-          </p:nvPr>
-        </p:nvPicPr>
-        <p:blipFill>
-          <a:blip r:embed="rId2"/>
-          <a:stretch>
-            <a:fillRect/>
-          </a:stretch>
-        </p:blipFill>
+            <p:ph idx="1"/>
+          </p:nvPr>
+        </p:nvSpPr>
         <p:spPr>
           <a:xfrm>
-            <a:off x="4629150" y="1966675"/>
-            <a:ext cx="3886200" cy="2863884"/>
+            <a:off x="628650" y="1597025"/>
+            <a:ext cx="7886700" cy="1228471"/>
           </a:xfrm>
         </p:spPr>
-      </p:pic>
+        <p:txBody>
+          <a:bodyPr/>
+          <a:lstStyle/>
+          <a:p>
+            <a:r>
+              <a:rPr lang="en-SG" sz="2000" dirty="0"/>
+              <a:t>Boolean variables have only 2 values: True/False</a:t>
+            </a:r>
+          </a:p>
+          <a:p>
+            <a:r>
+              <a:rPr lang="en-SG" sz="2000" dirty="0"/>
+              <a:t>Boolean expressions have only 2 results: True/False</a:t>
+            </a:r>
+          </a:p>
+          <a:p>
+            <a:r>
+              <a:rPr lang="en-SG" sz="2000" dirty="0"/>
+              <a:t>Comparison operators give a Boolean result</a:t>
+            </a:r>
+          </a:p>
+          <a:p>
+            <a:r>
+              <a:rPr lang="en-SG" sz="2000" dirty="0"/>
+              <a:t>Boolean operators work only with Booleans</a:t>
+            </a:r>
+          </a:p>
+          <a:p>
+            <a:endParaRPr lang="en-US" sz="2000" dirty="0"/>
+          </a:p>
+        </p:txBody>
+      </p:sp>
       <p:sp>
         <p:nvSpPr>
           <p:cNvPr id="4" name="Slide Number Placeholder 3">
             <a:extLst>
               <a:ext uri="{FF2B5EF4-FFF2-40B4-BE49-F238E27FC236}">
-                <a16:creationId xmlns:a16="http://schemas.microsoft.com/office/drawing/2014/main" id="{8497A1D5-946D-4D15-A5D7-6898A40A00CB}"/>
+                <a16:creationId xmlns:a16="http://schemas.microsoft.com/office/drawing/2014/main" id="{ABBEF6D0-86D9-4CE2-9C5A-EA7D087D761A}"/>
               </a:ext>
             </a:extLst>
           </p:cNvPr>
@@ -7938,12 +7776,405 @@
           </a:p>
         </p:txBody>
       </p:sp>
-      <p:sp>
-        <p:nvSpPr>
-          <p:cNvPr id="9" name="TextBox 8">
+      <p:grpSp>
+        <p:nvGrpSpPr>
+          <p:cNvPr id="8" name="Group 7">
             <a:extLst>
               <a:ext uri="{FF2B5EF4-FFF2-40B4-BE49-F238E27FC236}">
-                <a16:creationId xmlns:a16="http://schemas.microsoft.com/office/drawing/2014/main" id="{957A9522-C7C7-4F3E-BBDC-B2563181AC98}"/>
+                <a16:creationId xmlns:a16="http://schemas.microsoft.com/office/drawing/2014/main" id="{FB87E5B4-A99E-42BE-B2A4-11E512FA0319}"/>
+              </a:ext>
+            </a:extLst>
+          </p:cNvPr>
+          <p:cNvGrpSpPr/>
+          <p:nvPr/>
+        </p:nvGrpSpPr>
+        <p:grpSpPr>
+          <a:xfrm>
+            <a:off x="869736" y="3334566"/>
+            <a:ext cx="2877326" cy="1785105"/>
+            <a:chOff x="6629400" y="1027907"/>
+            <a:chExt cx="2877326" cy="1785105"/>
+          </a:xfrm>
+        </p:grpSpPr>
+        <p:sp>
+          <p:nvSpPr>
+            <p:cNvPr id="9" name="TextBox 8">
+              <a:extLst>
+                <a:ext uri="{FF2B5EF4-FFF2-40B4-BE49-F238E27FC236}">
+                  <a16:creationId xmlns:a16="http://schemas.microsoft.com/office/drawing/2014/main" id="{29E6218B-2E1E-493C-AD2F-227E6BAA5DD6}"/>
+                </a:ext>
+              </a:extLst>
+            </p:cNvPr>
+            <p:cNvSpPr txBox="1"/>
+            <p:nvPr/>
+          </p:nvSpPr>
+          <p:spPr>
+            <a:xfrm>
+              <a:off x="6629400" y="1027907"/>
+              <a:ext cx="1891865" cy="400110"/>
+            </a:xfrm>
+            <a:prstGeom prst="rect">
+              <a:avLst/>
+            </a:prstGeom>
+            <a:noFill/>
+          </p:spPr>
+          <p:txBody>
+            <a:bodyPr wrap="none" rtlCol="0">
+              <a:spAutoFit/>
+            </a:bodyPr>
+            <a:lstStyle/>
+            <a:p>
+              <a:pPr algn="l"/>
+              <a:r>
+                <a:rPr lang="en-SG" sz="2000" dirty="0">
+                  <a:latin typeface="Yanone Kaffeesatz Medium" pitchFamily="2" charset="0"/>
+                </a:rPr>
+                <a:t>Comparison Operators</a:t>
+              </a:r>
+              <a:endParaRPr lang="en-US" sz="2000" dirty="0">
+                <a:latin typeface="Yanone Kaffeesatz Medium" pitchFamily="2" charset="0"/>
+              </a:endParaRPr>
+            </a:p>
+          </p:txBody>
+        </p:sp>
+        <p:sp>
+          <p:nvSpPr>
+            <p:cNvPr id="10" name="TextBox 9">
+              <a:extLst>
+                <a:ext uri="{FF2B5EF4-FFF2-40B4-BE49-F238E27FC236}">
+                  <a16:creationId xmlns:a16="http://schemas.microsoft.com/office/drawing/2014/main" id="{939F4A69-756D-432B-9A80-D7620DCD2375}"/>
+                </a:ext>
+              </a:extLst>
+            </p:cNvPr>
+            <p:cNvSpPr txBox="1"/>
+            <p:nvPr/>
+          </p:nvSpPr>
+          <p:spPr>
+            <a:xfrm>
+              <a:off x="6629400" y="1428017"/>
+              <a:ext cx="2877326" cy="1384995"/>
+            </a:xfrm>
+            <a:prstGeom prst="rect">
+              <a:avLst/>
+            </a:prstGeom>
+            <a:noFill/>
+          </p:spPr>
+          <p:txBody>
+            <a:bodyPr wrap="none" rtlCol="0">
+              <a:spAutoFit/>
+            </a:bodyPr>
+            <a:lstStyle/>
+            <a:p>
+              <a:pPr marL="285750" indent="-285750" algn="l">
+                <a:buFont typeface="Arial" panose="020B0604020202020204" pitchFamily="34" charset="0"/>
+                <a:buChar char="•"/>
+              </a:pPr>
+              <a:r>
+                <a:rPr lang="en-SG" sz="1400" b="0" i="0" u="none" strike="noStrike" dirty="0">
+                  <a:solidFill>
+                    <a:srgbClr val="008184"/>
+                  </a:solidFill>
+                  <a:effectLst/>
+                  <a:latin typeface="Open Sans" panose="020B0606030504020204" pitchFamily="34" charset="0"/>
+                  <a:hlinkClick r:id="rId2"/>
+                </a:rPr>
+                <a:t>!= (not equal to) </a:t>
+              </a:r>
+              <a:endParaRPr lang="en-SG" sz="1400" b="0" i="0" u="none" strike="noStrike" dirty="0">
+                <a:solidFill>
+                  <a:srgbClr val="008184"/>
+                </a:solidFill>
+                <a:effectLst/>
+                <a:latin typeface="Open Sans" panose="020B0606030504020204" pitchFamily="34" charset="0"/>
+              </a:endParaRPr>
+            </a:p>
+            <a:p>
+              <a:pPr marL="285750" indent="-285750" algn="l">
+                <a:buFont typeface="Arial" panose="020B0604020202020204" pitchFamily="34" charset="0"/>
+                <a:buChar char="•"/>
+              </a:pPr>
+              <a:r>
+                <a:rPr lang="en-SG" sz="1400" b="0" i="0" u="none" strike="noStrike" dirty="0">
+                  <a:solidFill>
+                    <a:srgbClr val="008184"/>
+                  </a:solidFill>
+                  <a:effectLst/>
+                  <a:latin typeface="Open Sans" panose="020B0606030504020204" pitchFamily="34" charset="0"/>
+                  <a:hlinkClick r:id="rId3"/>
+                </a:rPr>
+                <a:t>&lt; (less than) </a:t>
+              </a:r>
+              <a:endParaRPr lang="en-SG" sz="1400" b="0" i="0" u="none" strike="noStrike" dirty="0">
+                <a:solidFill>
+                  <a:srgbClr val="008184"/>
+                </a:solidFill>
+                <a:effectLst/>
+                <a:latin typeface="Open Sans" panose="020B0606030504020204" pitchFamily="34" charset="0"/>
+              </a:endParaRPr>
+            </a:p>
+            <a:p>
+              <a:pPr marL="285750" indent="-285750" algn="l">
+                <a:buFont typeface="Arial" panose="020B0604020202020204" pitchFamily="34" charset="0"/>
+                <a:buChar char="•"/>
+              </a:pPr>
+              <a:r>
+                <a:rPr lang="en-SG" sz="1400" b="0" i="0" u="none" strike="noStrike" dirty="0">
+                  <a:solidFill>
+                    <a:srgbClr val="008184"/>
+                  </a:solidFill>
+                  <a:effectLst/>
+                  <a:latin typeface="Open Sans" panose="020B0606030504020204" pitchFamily="34" charset="0"/>
+                  <a:hlinkClick r:id="rId4"/>
+                </a:rPr>
+                <a:t>&lt;= (less than or equal to) </a:t>
+              </a:r>
+              <a:endParaRPr lang="en-SG" sz="1400" b="0" i="0" u="none" strike="noStrike" dirty="0">
+                <a:solidFill>
+                  <a:srgbClr val="008184"/>
+                </a:solidFill>
+                <a:effectLst/>
+                <a:latin typeface="Open Sans" panose="020B0606030504020204" pitchFamily="34" charset="0"/>
+              </a:endParaRPr>
+            </a:p>
+            <a:p>
+              <a:pPr marL="285750" indent="-285750" algn="l">
+                <a:buFont typeface="Arial" panose="020B0604020202020204" pitchFamily="34" charset="0"/>
+                <a:buChar char="•"/>
+              </a:pPr>
+              <a:r>
+                <a:rPr lang="en-SG" sz="1400" b="0" i="0" u="none" strike="noStrike" dirty="0">
+                  <a:solidFill>
+                    <a:srgbClr val="008184"/>
+                  </a:solidFill>
+                  <a:effectLst/>
+                  <a:latin typeface="Open Sans" panose="020B0606030504020204" pitchFamily="34" charset="0"/>
+                  <a:hlinkClick r:id="rId5"/>
+                </a:rPr>
+                <a:t>== (equal to) </a:t>
+              </a:r>
+              <a:endParaRPr lang="en-SG" sz="1400" b="0" i="0" u="none" strike="noStrike" dirty="0">
+                <a:solidFill>
+                  <a:srgbClr val="008184"/>
+                </a:solidFill>
+                <a:effectLst/>
+                <a:latin typeface="Open Sans" panose="020B0606030504020204" pitchFamily="34" charset="0"/>
+              </a:endParaRPr>
+            </a:p>
+            <a:p>
+              <a:pPr marL="285750" indent="-285750" algn="l">
+                <a:buFont typeface="Arial" panose="020B0604020202020204" pitchFamily="34" charset="0"/>
+                <a:buChar char="•"/>
+              </a:pPr>
+              <a:r>
+                <a:rPr lang="en-SG" sz="1400" b="0" i="0" u="none" strike="noStrike" dirty="0">
+                  <a:solidFill>
+                    <a:srgbClr val="008184"/>
+                  </a:solidFill>
+                  <a:effectLst/>
+                  <a:latin typeface="Open Sans" panose="020B0606030504020204" pitchFamily="34" charset="0"/>
+                  <a:hlinkClick r:id="rId6"/>
+                </a:rPr>
+                <a:t>&gt; (greater than) </a:t>
+              </a:r>
+              <a:endParaRPr lang="en-SG" sz="1400" b="0" i="0" u="none" strike="noStrike" dirty="0">
+                <a:solidFill>
+                  <a:srgbClr val="008184"/>
+                </a:solidFill>
+                <a:effectLst/>
+                <a:latin typeface="Open Sans" panose="020B0606030504020204" pitchFamily="34" charset="0"/>
+              </a:endParaRPr>
+            </a:p>
+            <a:p>
+              <a:pPr marL="285750" indent="-285750" algn="l">
+                <a:buFont typeface="Arial" panose="020B0604020202020204" pitchFamily="34" charset="0"/>
+                <a:buChar char="•"/>
+              </a:pPr>
+              <a:r>
+                <a:rPr lang="en-SG" sz="1400" b="0" i="0" u="sng" dirty="0">
+                  <a:solidFill>
+                    <a:srgbClr val="005C5F"/>
+                  </a:solidFill>
+                  <a:effectLst/>
+                  <a:latin typeface="Open Sans" panose="020B0606030504020204" pitchFamily="34" charset="0"/>
+                  <a:hlinkClick r:id="rId7"/>
+                </a:rPr>
+                <a:t>&gt;= (greater than or equal to) </a:t>
+              </a:r>
+              <a:endParaRPr lang="en-US" sz="1400" dirty="0"/>
+            </a:p>
+          </p:txBody>
+        </p:sp>
+      </p:grpSp>
+      <p:grpSp>
+        <p:nvGrpSpPr>
+          <p:cNvPr id="11" name="Group 10">
+            <a:extLst>
+              <a:ext uri="{FF2B5EF4-FFF2-40B4-BE49-F238E27FC236}">
+                <a16:creationId xmlns:a16="http://schemas.microsoft.com/office/drawing/2014/main" id="{3B959554-2499-4D93-B634-60834E2CB2C4}"/>
+              </a:ext>
+            </a:extLst>
+          </p:cNvPr>
+          <p:cNvGrpSpPr/>
+          <p:nvPr/>
+        </p:nvGrpSpPr>
+        <p:grpSpPr>
+          <a:xfrm>
+            <a:off x="4178808" y="3334566"/>
+            <a:ext cx="1827744" cy="1354217"/>
+            <a:chOff x="6629400" y="1027907"/>
+            <a:chExt cx="1827744" cy="1354217"/>
+          </a:xfrm>
+        </p:grpSpPr>
+        <p:sp>
+          <p:nvSpPr>
+            <p:cNvPr id="12" name="TextBox 11">
+              <a:extLst>
+                <a:ext uri="{FF2B5EF4-FFF2-40B4-BE49-F238E27FC236}">
+                  <a16:creationId xmlns:a16="http://schemas.microsoft.com/office/drawing/2014/main" id="{4F3E0693-AF36-43FB-872F-98538BD768A9}"/>
+                </a:ext>
+              </a:extLst>
+            </p:cNvPr>
+            <p:cNvSpPr txBox="1"/>
+            <p:nvPr/>
+          </p:nvSpPr>
+          <p:spPr>
+            <a:xfrm>
+              <a:off x="6629400" y="1027907"/>
+              <a:ext cx="1601721" cy="400110"/>
+            </a:xfrm>
+            <a:prstGeom prst="rect">
+              <a:avLst/>
+            </a:prstGeom>
+            <a:noFill/>
+          </p:spPr>
+          <p:txBody>
+            <a:bodyPr wrap="none" rtlCol="0">
+              <a:spAutoFit/>
+            </a:bodyPr>
+            <a:lstStyle/>
+            <a:p>
+              <a:pPr algn="l"/>
+              <a:r>
+                <a:rPr lang="en-SG" sz="2000" dirty="0">
+                  <a:latin typeface="Yanone Kaffeesatz Medium" pitchFamily="2" charset="0"/>
+                </a:rPr>
+                <a:t>Boolean Operators</a:t>
+              </a:r>
+              <a:endParaRPr lang="en-US" sz="2000" dirty="0">
+                <a:latin typeface="Yanone Kaffeesatz Medium" pitchFamily="2" charset="0"/>
+              </a:endParaRPr>
+            </a:p>
+          </p:txBody>
+        </p:sp>
+        <p:sp>
+          <p:nvSpPr>
+            <p:cNvPr id="13" name="TextBox 12">
+              <a:extLst>
+                <a:ext uri="{FF2B5EF4-FFF2-40B4-BE49-F238E27FC236}">
+                  <a16:creationId xmlns:a16="http://schemas.microsoft.com/office/drawing/2014/main" id="{8D42AEC1-8E88-40AA-8A42-A388CA850D20}"/>
+                </a:ext>
+              </a:extLst>
+            </p:cNvPr>
+            <p:cNvSpPr txBox="1"/>
+            <p:nvPr/>
+          </p:nvSpPr>
+          <p:spPr>
+            <a:xfrm>
+              <a:off x="6629400" y="1428017"/>
+              <a:ext cx="1827744" cy="954107"/>
+            </a:xfrm>
+            <a:prstGeom prst="rect">
+              <a:avLst/>
+            </a:prstGeom>
+            <a:noFill/>
+          </p:spPr>
+          <p:txBody>
+            <a:bodyPr wrap="none" rtlCol="0">
+              <a:spAutoFit/>
+            </a:bodyPr>
+            <a:lstStyle/>
+            <a:p>
+              <a:pPr marL="285750" indent="-285750" algn="l">
+                <a:buFont typeface="Arial" panose="020B0604020202020204" pitchFamily="34" charset="0"/>
+                <a:buChar char="•"/>
+              </a:pPr>
+              <a:r>
+                <a:rPr lang="en-SG" sz="1400" b="0" i="0" u="none" strike="noStrike" dirty="0">
+                  <a:solidFill>
+                    <a:srgbClr val="008184"/>
+                  </a:solidFill>
+                  <a:effectLst/>
+                  <a:latin typeface="Open Sans" panose="020B0606030504020204" pitchFamily="34" charset="0"/>
+                  <a:hlinkClick r:id="rId8"/>
+                </a:rPr>
+                <a:t>! (logical not) </a:t>
+              </a:r>
+              <a:endParaRPr lang="en-SG" sz="1400" b="0" i="0" u="none" strike="noStrike" dirty="0">
+                <a:solidFill>
+                  <a:srgbClr val="008184"/>
+                </a:solidFill>
+                <a:effectLst/>
+                <a:latin typeface="Open Sans" panose="020B0606030504020204" pitchFamily="34" charset="0"/>
+              </a:endParaRPr>
+            </a:p>
+            <a:p>
+              <a:pPr marL="285750" indent="-285750" algn="l">
+                <a:buFont typeface="Arial" panose="020B0604020202020204" pitchFamily="34" charset="0"/>
+                <a:buChar char="•"/>
+              </a:pPr>
+              <a:r>
+                <a:rPr lang="en-SG" sz="1400" b="0" i="0" u="none" strike="noStrike" dirty="0">
+                  <a:solidFill>
+                    <a:srgbClr val="008184"/>
+                  </a:solidFill>
+                  <a:effectLst/>
+                  <a:latin typeface="Open Sans" panose="020B0606030504020204" pitchFamily="34" charset="0"/>
+                  <a:hlinkClick r:id="rId9"/>
+                </a:rPr>
+                <a:t>&amp;&amp; (logical and) </a:t>
+              </a:r>
+              <a:endParaRPr lang="en-SG" sz="1400" b="0" i="0" u="none" strike="noStrike" dirty="0">
+                <a:solidFill>
+                  <a:srgbClr val="008184"/>
+                </a:solidFill>
+                <a:effectLst/>
+                <a:latin typeface="Open Sans" panose="020B0606030504020204" pitchFamily="34" charset="0"/>
+              </a:endParaRPr>
+            </a:p>
+            <a:p>
+              <a:pPr marL="285750" indent="-285750" algn="l">
+                <a:buFont typeface="Arial" panose="020B0604020202020204" pitchFamily="34" charset="0"/>
+                <a:buChar char="•"/>
+              </a:pPr>
+              <a:r>
+                <a:rPr lang="en-SG" sz="1400" b="0" i="0" u="none" strike="noStrike" dirty="0">
+                  <a:solidFill>
+                    <a:srgbClr val="008184"/>
+                  </a:solidFill>
+                  <a:effectLst/>
+                  <a:latin typeface="Open Sans" panose="020B0606030504020204" pitchFamily="34" charset="0"/>
+                  <a:hlinkClick r:id="rId10"/>
+                </a:rPr>
+                <a:t>|| (logical or) </a:t>
+              </a:r>
+              <a:endParaRPr lang="en-SG" sz="1400" dirty="0"/>
+            </a:p>
+            <a:p>
+              <a:pPr marL="285750" indent="-285750" algn="l">
+                <a:buFont typeface="Arial" panose="020B0604020202020204" pitchFamily="34" charset="0"/>
+                <a:buChar char="•"/>
+              </a:pPr>
+              <a:endParaRPr lang="en-US" sz="1400" dirty="0"/>
+            </a:p>
+          </p:txBody>
+        </p:sp>
+      </p:grpSp>
+      <p:sp>
+        <p:nvSpPr>
+          <p:cNvPr id="14" name="TextBox 13">
+            <a:extLst>
+              <a:ext uri="{FF2B5EF4-FFF2-40B4-BE49-F238E27FC236}">
+                <a16:creationId xmlns:a16="http://schemas.microsoft.com/office/drawing/2014/main" id="{78B829D0-D241-4944-8966-35835582160F}"/>
               </a:ext>
             </a:extLst>
           </p:cNvPr>
@@ -7952,8 +8183,8 @@
         </p:nvSpPr>
         <p:spPr>
           <a:xfrm>
-            <a:off x="5727657" y="4830559"/>
-            <a:ext cx="2740068" cy="1323439"/>
+            <a:off x="4390564" y="5375703"/>
+            <a:ext cx="3231975" cy="584775"/>
           </a:xfrm>
           <a:prstGeom prst="rect">
             <a:avLst/>
@@ -7961,45 +8192,24 @@
           <a:noFill/>
         </p:spPr>
         <p:txBody>
-          <a:bodyPr wrap="square" rtlCol="0">
+          <a:bodyPr wrap="none" rtlCol="0">
             <a:spAutoFit/>
           </a:bodyPr>
           <a:lstStyle/>
           <a:p>
+            <a:pPr algn="l"/>
             <a:r>
               <a:rPr lang="en-SG" sz="1600" dirty="0"/>
-              <a:t>LED current depends on type, check </a:t>
-            </a:r>
-            <a:r>
-              <a:rPr lang="en-SG" sz="1600" dirty="0">
-                <a:hlinkClick r:id="rId3"/>
+              <a:t>Used in </a:t>
+            </a:r>
+            <a:r>
+              <a:rPr lang="en-SG" sz="3200" dirty="0">
+                <a:solidFill>
+                  <a:srgbClr val="FF0000"/>
+                </a:solidFill>
+                <a:latin typeface="Yanone Kaffeesatz Medium" pitchFamily="2" charset="0"/>
               </a:rPr>
-              <a:t>data sheet</a:t>
-            </a:r>
-            <a:r>
-              <a:rPr lang="en-SG" sz="1600" dirty="0"/>
-              <a:t> for forward voltage and current limits.</a:t>
-            </a:r>
-            <a:br>
-              <a:rPr lang="en-SG" sz="1600" dirty="0"/>
-            </a:br>
-            <a:r>
-              <a:rPr lang="en-SG" sz="1600" dirty="0"/>
-              <a:t>Watch: </a:t>
-            </a:r>
-            <a:r>
-              <a:rPr lang="en-SG" sz="1600" dirty="0" err="1"/>
-              <a:t>GreatScott</a:t>
-            </a:r>
-            <a:r>
-              <a:rPr lang="en-SG" sz="1600" dirty="0"/>
-              <a:t>! </a:t>
-            </a:r>
-            <a:r>
-              <a:rPr lang="en-SG" sz="1600" dirty="0">
-                <a:hlinkClick r:id="rId4"/>
-              </a:rPr>
-              <a:t>Everything about LEDs</a:t>
+              <a:t>Conditionals, Loops</a:t>
             </a:r>
             <a:endParaRPr lang="en-US" sz="1600" dirty="0"/>
           </a:p>
@@ -8008,7 +8218,7 @@
     </p:spTree>
     <p:extLst>
       <p:ext uri="{BB962C8B-B14F-4D97-AF65-F5344CB8AC3E}">
-        <p14:creationId xmlns:p14="http://schemas.microsoft.com/office/powerpoint/2010/main" val="3430489277"/>
+        <p14:creationId xmlns:p14="http://schemas.microsoft.com/office/powerpoint/2010/main" val="1844272046"/>
       </p:ext>
     </p:extLst>
   </p:cSld>
@@ -8040,7 +8250,7 @@
           <p:cNvPr id="2" name="Title 1">
             <a:extLst>
               <a:ext uri="{FF2B5EF4-FFF2-40B4-BE49-F238E27FC236}">
-                <a16:creationId xmlns:a16="http://schemas.microsoft.com/office/drawing/2014/main" id="{7D57C137-D1C6-4AF2-AADA-36631022ED53}"/>
+                <a16:creationId xmlns:a16="http://schemas.microsoft.com/office/drawing/2014/main" id="{95CAF2AC-1350-420F-A58A-3E0C9E9C4429}"/>
               </a:ext>
             </a:extLst>
           </p:cNvPr>
@@ -8058,18 +8268,133 @@
           <a:p>
             <a:r>
               <a:rPr lang="en-SG" dirty="0"/>
-              <a:t>Digital Input</a:t>
+              <a:t>Conditional:  </a:t>
+            </a:r>
+            <a:r>
+              <a:rPr lang="en-SG" dirty="0">
+                <a:hlinkClick r:id="rId2"/>
+              </a:rPr>
+              <a:t>if</a:t>
+            </a:r>
+            <a:r>
+              <a:rPr lang="en-SG" dirty="0"/>
+              <a:t> … </a:t>
+            </a:r>
+            <a:r>
+              <a:rPr lang="en-SG" dirty="0">
+                <a:hlinkClick r:id="rId3"/>
+              </a:rPr>
+              <a:t>else</a:t>
             </a:r>
             <a:endParaRPr lang="en-US" dirty="0"/>
+          </a:p>
+        </p:txBody>
+      </p:sp>
+      <p:sp>
+        <p:nvSpPr>
+          <p:cNvPr id="3" name="Content Placeholder 2">
+            <a:extLst>
+              <a:ext uri="{FF2B5EF4-FFF2-40B4-BE49-F238E27FC236}">
+                <a16:creationId xmlns:a16="http://schemas.microsoft.com/office/drawing/2014/main" id="{B2C218FF-E8A7-48C6-AB13-62C861EF216D}"/>
+              </a:ext>
+            </a:extLst>
+          </p:cNvPr>
+          <p:cNvSpPr>
+            <a:spLocks noGrp="1"/>
+          </p:cNvSpPr>
+          <p:nvPr>
+            <p:ph sz="half" idx="1"/>
+          </p:nvPr>
+        </p:nvSpPr>
+        <p:spPr/>
+        <p:txBody>
+          <a:bodyPr/>
+          <a:lstStyle/>
+          <a:p>
+            <a:r>
+              <a:rPr lang="en-SG" sz="2000" dirty="0"/>
+              <a:t>Control Structure which checks the </a:t>
+            </a:r>
+            <a:r>
+              <a:rPr lang="en-SG" sz="2000" dirty="0">
+                <a:solidFill>
+                  <a:srgbClr val="FF0000"/>
+                </a:solidFill>
+              </a:rPr>
+              <a:t>condition expression</a:t>
+            </a:r>
+            <a:r>
+              <a:rPr lang="en-SG" sz="2000" dirty="0"/>
+              <a:t> and if </a:t>
+            </a:r>
+            <a:r>
+              <a:rPr lang="en-SG" sz="2000" dirty="0">
+                <a:solidFill>
+                  <a:srgbClr val="FF0000"/>
+                </a:solidFill>
+              </a:rPr>
+              <a:t>true</a:t>
+            </a:r>
+            <a:r>
+              <a:rPr lang="en-SG" sz="2000" dirty="0"/>
+              <a:t> executes the following code block.</a:t>
+            </a:r>
+          </a:p>
+          <a:p>
+            <a:r>
+              <a:rPr lang="en-SG" sz="2000" dirty="0"/>
+              <a:t>Condition Expression is a Boolean expression.</a:t>
+            </a:r>
+          </a:p>
+          <a:p>
+            <a:r>
+              <a:rPr lang="en-SG" sz="2000" dirty="0"/>
+              <a:t>When used with the else, control transfers to the else block.</a:t>
+            </a:r>
+          </a:p>
+          <a:p>
+            <a:r>
+              <a:rPr lang="en-SG" sz="2000" dirty="0"/>
+              <a:t>Can have nested or have multiples else-if conditionals for more granular control.</a:t>
+            </a:r>
+          </a:p>
+        </p:txBody>
+      </p:sp>
+      <p:sp>
+        <p:nvSpPr>
+          <p:cNvPr id="4" name="Slide Number Placeholder 3">
+            <a:extLst>
+              <a:ext uri="{FF2B5EF4-FFF2-40B4-BE49-F238E27FC236}">
+                <a16:creationId xmlns:a16="http://schemas.microsoft.com/office/drawing/2014/main" id="{63C0D526-4D06-48E9-A2FB-D9AA33FD98CA}"/>
+              </a:ext>
+            </a:extLst>
+          </p:cNvPr>
+          <p:cNvSpPr>
+            <a:spLocks noGrp="1"/>
+          </p:cNvSpPr>
+          <p:nvPr>
+            <p:ph type="sldNum" sz="quarter" idx="12"/>
+          </p:nvPr>
+        </p:nvSpPr>
+        <p:spPr/>
+        <p:txBody>
+          <a:bodyPr/>
+          <a:lstStyle/>
+          <a:p>
+            <a:fld id="{CAB166B3-F268-4CEF-878A-CFB0D0D505D3}" type="slidenum">
+              <a:rPr lang="en-US" smtClean="0"/>
+              <a:t>7</a:t>
+            </a:fld>
+            <a:endParaRPr lang="en-US"/>
           </a:p>
         </p:txBody>
       </p:sp>
       <p:pic>
         <p:nvPicPr>
-          <p:cNvPr id="7" name="Content Placeholder 6">
+          <p:cNvPr id="8" name="Content Placeholder 7" descr="Text&#10;&#10;Description automatically generated">
             <a:extLst>
               <a:ext uri="{FF2B5EF4-FFF2-40B4-BE49-F238E27FC236}">
-                <a16:creationId xmlns:a16="http://schemas.microsoft.com/office/drawing/2014/main" id="{9FED58B9-FFB3-4A21-A7AD-887BD2CF8036}"/>
+                <a16:creationId xmlns:a16="http://schemas.microsoft.com/office/drawing/2014/main" id="{3D260963-D437-4B25-B61A-B1A7384E856E}"/>
               </a:ext>
             </a:extLst>
           </p:cNvPr>
@@ -8077,164 +8402,35 @@
             <a:picLocks noGrp="1" noChangeAspect="1"/>
           </p:cNvPicPr>
           <p:nvPr>
-            <p:ph sz="half" idx="1"/>
+            <p:ph sz="half" idx="2"/>
           </p:nvPr>
         </p:nvPicPr>
         <p:blipFill>
-          <a:blip r:embed="rId2"/>
+          <a:blip r:embed="rId4">
+            <a:extLst>
+              <a:ext uri="{28A0092B-C50C-407E-A947-70E740481C1C}">
+                <a14:useLocalDpi xmlns:a14="http://schemas.microsoft.com/office/drawing/2010/main" val="0"/>
+              </a:ext>
+            </a:extLst>
+          </a:blip>
           <a:stretch>
             <a:fillRect/>
           </a:stretch>
         </p:blipFill>
         <p:spPr>
           <a:xfrm>
-            <a:off x="704338" y="1825625"/>
-            <a:ext cx="3734823" cy="4351338"/>
-          </a:xfrm>
-        </p:spPr>
-      </p:pic>
-      <p:sp>
-        <p:nvSpPr>
-          <p:cNvPr id="4" name="Content Placeholder 3">
-            <a:extLst>
-              <a:ext uri="{FF2B5EF4-FFF2-40B4-BE49-F238E27FC236}">
-                <a16:creationId xmlns:a16="http://schemas.microsoft.com/office/drawing/2014/main" id="{174E6265-2CA1-4622-B5F2-BDD7592338C0}"/>
-              </a:ext>
-            </a:extLst>
-          </p:cNvPr>
-          <p:cNvSpPr>
-            <a:spLocks noGrp="1"/>
-          </p:cNvSpPr>
-          <p:nvPr>
-            <p:ph sz="half" idx="2"/>
-          </p:nvPr>
-        </p:nvSpPr>
-        <p:spPr/>
-        <p:txBody>
-          <a:bodyPr/>
-          <a:lstStyle/>
-          <a:p>
-            <a:r>
-              <a:rPr lang="en-SG" sz="2000" dirty="0"/>
-              <a:t>We can use digital inputs to read the status of the switches in a circuit.</a:t>
-            </a:r>
-          </a:p>
-          <a:p>
-            <a:r>
-              <a:rPr lang="en-SG" sz="2000" dirty="0"/>
-              <a:t>Need to add a current-limiting resistor to prevent short circuits.</a:t>
-            </a:r>
-          </a:p>
-          <a:p>
-            <a:r>
-              <a:rPr lang="en-SG" sz="2000" dirty="0"/>
-              <a:t>Usual value is 10 </a:t>
-            </a:r>
-            <a:r>
-              <a:rPr lang="en-SG" sz="2000" dirty="0" err="1"/>
-              <a:t>kOhm</a:t>
-            </a:r>
-            <a:endParaRPr lang="en-SG" sz="2000" dirty="0"/>
-          </a:p>
-          <a:p>
-            <a:r>
-              <a:rPr lang="en-SG" sz="2000" dirty="0"/>
-              <a:t>States:</a:t>
-            </a:r>
-          </a:p>
-          <a:p>
-            <a:pPr lvl="1"/>
-            <a:r>
-              <a:rPr lang="en-SG" sz="1600" dirty="0"/>
-              <a:t>A - normal HIGH, when closed LOW</a:t>
-            </a:r>
-          </a:p>
-          <a:p>
-            <a:pPr lvl="1"/>
-            <a:r>
-              <a:rPr lang="en-SG" sz="1600" dirty="0"/>
-              <a:t>B – normal LOW, when closed HIGH</a:t>
-            </a:r>
-            <a:endParaRPr lang="en-US" sz="1600" dirty="0"/>
-          </a:p>
-        </p:txBody>
-      </p:sp>
-      <p:sp>
-        <p:nvSpPr>
-          <p:cNvPr id="5" name="Slide Number Placeholder 4">
-            <a:extLst>
-              <a:ext uri="{FF2B5EF4-FFF2-40B4-BE49-F238E27FC236}">
-                <a16:creationId xmlns:a16="http://schemas.microsoft.com/office/drawing/2014/main" id="{45602283-3E14-4812-8CE7-A826077441D2}"/>
-              </a:ext>
-            </a:extLst>
-          </p:cNvPr>
-          <p:cNvSpPr>
-            <a:spLocks noGrp="1"/>
-          </p:cNvSpPr>
-          <p:nvPr>
-            <p:ph type="sldNum" sz="quarter" idx="12"/>
-          </p:nvPr>
-        </p:nvSpPr>
-        <p:spPr/>
-        <p:txBody>
-          <a:bodyPr/>
-          <a:lstStyle/>
-          <a:p>
-            <a:fld id="{CAB166B3-F268-4CEF-878A-CFB0D0D505D3}" type="slidenum">
-              <a:rPr lang="en-US" smtClean="0"/>
-              <a:t>7</a:t>
-            </a:fld>
-            <a:endParaRPr lang="en-US"/>
-          </a:p>
-        </p:txBody>
-      </p:sp>
-      <p:sp>
-        <p:nvSpPr>
-          <p:cNvPr id="8" name="TextBox 7">
-            <a:extLst>
-              <a:ext uri="{FF2B5EF4-FFF2-40B4-BE49-F238E27FC236}">
-                <a16:creationId xmlns:a16="http://schemas.microsoft.com/office/drawing/2014/main" id="{94270CC2-CC6A-48A0-A09D-079B8D9EBF1D}"/>
-              </a:ext>
-            </a:extLst>
-          </p:cNvPr>
-          <p:cNvSpPr txBox="1"/>
-          <p:nvPr/>
-        </p:nvSpPr>
-        <p:spPr>
-          <a:xfrm>
-            <a:off x="781050" y="6231136"/>
-            <a:ext cx="1707775" cy="307777"/>
+            <a:off x="5024437" y="1827117"/>
+            <a:ext cx="3095625" cy="2867025"/>
           </a:xfrm>
           <a:prstGeom prst="rect">
             <a:avLst/>
           </a:prstGeom>
-          <a:noFill/>
         </p:spPr>
-        <p:txBody>
-          <a:bodyPr wrap="none" rtlCol="0">
-            <a:spAutoFit/>
-          </a:bodyPr>
-          <a:lstStyle/>
-          <a:p>
-            <a:pPr algn="l"/>
-            <a:r>
-              <a:rPr lang="en-SG" sz="1400" dirty="0"/>
-              <a:t>Circuits by </a:t>
-            </a:r>
-            <a:r>
-              <a:rPr lang="en-SG" sz="1400" dirty="0" err="1">
-                <a:hlinkClick r:id="rId3"/>
-              </a:rPr>
-              <a:t>CircuitLab</a:t>
-            </a:r>
-            <a:endParaRPr lang="en-US" sz="1400" dirty="0"/>
-          </a:p>
-        </p:txBody>
-      </p:sp>
+      </p:pic>
     </p:spTree>
     <p:extLst>
       <p:ext uri="{BB962C8B-B14F-4D97-AF65-F5344CB8AC3E}">
-        <p14:creationId xmlns:p14="http://schemas.microsoft.com/office/powerpoint/2010/main" val="2171878671"/>
+        <p14:creationId xmlns:p14="http://schemas.microsoft.com/office/powerpoint/2010/main" val="2952127789"/>
       </p:ext>
     </p:extLst>
   </p:cSld>
@@ -8266,7 +8462,7 @@
           <p:cNvPr id="2" name="Title 1">
             <a:extLst>
               <a:ext uri="{FF2B5EF4-FFF2-40B4-BE49-F238E27FC236}">
-                <a16:creationId xmlns:a16="http://schemas.microsoft.com/office/drawing/2014/main" id="{7D57C137-D1C6-4AF2-AADA-36631022ED53}"/>
+                <a16:creationId xmlns:a16="http://schemas.microsoft.com/office/drawing/2014/main" id="{95CAF2AC-1350-420F-A58A-3E0C9E9C4429}"/>
               </a:ext>
             </a:extLst>
           </p:cNvPr>
@@ -8284,7 +8480,13 @@
           <a:p>
             <a:r>
               <a:rPr lang="en-SG" dirty="0"/>
-              <a:t>Digital Input</a:t>
+              <a:t>Conditional:  </a:t>
+            </a:r>
+            <a:r>
+              <a:rPr lang="en-SG" dirty="0">
+                <a:hlinkClick r:id="rId2"/>
+              </a:rPr>
+              <a:t>switch … case</a:t>
             </a:r>
             <a:endParaRPr lang="en-US" dirty="0"/>
           </a:p>
@@ -8292,10 +8494,108 @@
       </p:sp>
       <p:sp>
         <p:nvSpPr>
-          <p:cNvPr id="5" name="Slide Number Placeholder 4">
+          <p:cNvPr id="3" name="Content Placeholder 2">
             <a:extLst>
               <a:ext uri="{FF2B5EF4-FFF2-40B4-BE49-F238E27FC236}">
-                <a16:creationId xmlns:a16="http://schemas.microsoft.com/office/drawing/2014/main" id="{45602283-3E14-4812-8CE7-A826077441D2}"/>
+                <a16:creationId xmlns:a16="http://schemas.microsoft.com/office/drawing/2014/main" id="{B2C218FF-E8A7-48C6-AB13-62C861EF216D}"/>
+              </a:ext>
+            </a:extLst>
+          </p:cNvPr>
+          <p:cNvSpPr>
+            <a:spLocks noGrp="1"/>
+          </p:cNvSpPr>
+          <p:nvPr>
+            <p:ph sz="half" idx="1"/>
+          </p:nvPr>
+        </p:nvSpPr>
+        <p:spPr/>
+        <p:txBody>
+          <a:bodyPr/>
+          <a:lstStyle/>
+          <a:p>
+            <a:r>
+              <a:rPr lang="en-SG" sz="2000" dirty="0"/>
+              <a:t>Control Structure which checks the </a:t>
+            </a:r>
+            <a:r>
+              <a:rPr lang="en-SG" sz="2000" dirty="0">
+                <a:solidFill>
+                  <a:srgbClr val="FF0000"/>
+                </a:solidFill>
+              </a:rPr>
+              <a:t>value </a:t>
+            </a:r>
+            <a:r>
+              <a:rPr lang="en-SG" sz="2000" dirty="0"/>
+              <a:t>in </a:t>
+            </a:r>
+            <a:r>
+              <a:rPr lang="en-SG" sz="2400" dirty="0">
+                <a:latin typeface="Yanone Kaffeesatz Medium" pitchFamily="2" charset="0"/>
+              </a:rPr>
+              <a:t>switch</a:t>
+            </a:r>
+            <a:r>
+              <a:rPr lang="en-SG" sz="2000" dirty="0"/>
+              <a:t> (preferably ordinal) and transfers control to the matching </a:t>
+            </a:r>
+            <a:r>
+              <a:rPr lang="en-SG" sz="2400" dirty="0">
+                <a:latin typeface="Yanone Kaffeesatz Medium" pitchFamily="2" charset="0"/>
+              </a:rPr>
+              <a:t>case</a:t>
+            </a:r>
+            <a:r>
+              <a:rPr lang="en-SG" sz="2000" dirty="0"/>
+              <a:t> code block.</a:t>
+            </a:r>
+          </a:p>
+          <a:p>
+            <a:r>
+              <a:rPr lang="en-SG" sz="2000" dirty="0"/>
+              <a:t>Each case code block must be terminated with a </a:t>
+            </a:r>
+            <a:r>
+              <a:rPr lang="en-SG" sz="2400" dirty="0">
+                <a:latin typeface="Yanone Kaffeesatz Medium" pitchFamily="2" charset="0"/>
+              </a:rPr>
+              <a:t>break</a:t>
+            </a:r>
+            <a:r>
+              <a:rPr lang="en-SG" sz="2000" dirty="0"/>
+              <a:t>.</a:t>
+            </a:r>
+          </a:p>
+          <a:p>
+            <a:r>
+              <a:rPr lang="en-SG" sz="2000" dirty="0"/>
+              <a:t>Each case must match exactly.</a:t>
+            </a:r>
+          </a:p>
+          <a:p>
+            <a:r>
+              <a:rPr lang="en-SG" sz="2000" dirty="0"/>
+              <a:t>Control is transferred to the </a:t>
+            </a:r>
+            <a:r>
+              <a:rPr lang="en-SG" sz="2400" dirty="0">
+                <a:latin typeface="Yanone Kaffeesatz Medium" pitchFamily="2" charset="0"/>
+              </a:rPr>
+              <a:t>default</a:t>
+            </a:r>
+            <a:r>
+              <a:rPr lang="en-SG" sz="2000" dirty="0"/>
+              <a:t> code block (if any) if there is no match. </a:t>
+            </a:r>
+          </a:p>
+        </p:txBody>
+      </p:sp>
+      <p:sp>
+        <p:nvSpPr>
+          <p:cNvPr id="4" name="Slide Number Placeholder 3">
+            <a:extLst>
+              <a:ext uri="{FF2B5EF4-FFF2-40B4-BE49-F238E27FC236}">
+                <a16:creationId xmlns:a16="http://schemas.microsoft.com/office/drawing/2014/main" id="{63C0D526-4D06-48E9-A2FB-D9AA33FD98CA}"/>
               </a:ext>
             </a:extLst>
           </p:cNvPr>
@@ -8319,64 +8619,12 @@
           </a:p>
         </p:txBody>
       </p:sp>
-      <p:sp>
-        <p:nvSpPr>
-          <p:cNvPr id="8" name="TextBox 7">
+      <p:pic>
+        <p:nvPicPr>
+          <p:cNvPr id="9" name="Content Placeholder 8">
             <a:extLst>
               <a:ext uri="{FF2B5EF4-FFF2-40B4-BE49-F238E27FC236}">
-                <a16:creationId xmlns:a16="http://schemas.microsoft.com/office/drawing/2014/main" id="{94270CC2-CC6A-48A0-A09D-079B8D9EBF1D}"/>
-              </a:ext>
-            </a:extLst>
-          </p:cNvPr>
-          <p:cNvSpPr txBox="1"/>
-          <p:nvPr/>
-        </p:nvSpPr>
-        <p:spPr>
-          <a:xfrm>
-            <a:off x="781050" y="5888236"/>
-            <a:ext cx="3237168" cy="307777"/>
-          </a:xfrm>
-          <a:prstGeom prst="rect">
-            <a:avLst/>
-          </a:prstGeom>
-          <a:noFill/>
-        </p:spPr>
-        <p:txBody>
-          <a:bodyPr wrap="none" rtlCol="0">
-            <a:spAutoFit/>
-          </a:bodyPr>
-          <a:lstStyle/>
-          <a:p>
-            <a:pPr algn="l"/>
-            <a:r>
-              <a:rPr lang="en-SG" sz="1400" dirty="0">
-                <a:hlinkClick r:id="rId2"/>
-              </a:rPr>
-              <a:t>How to use PB switches with </a:t>
-            </a:r>
-            <a:r>
-              <a:rPr lang="en-SG" sz="1400" dirty="0" err="1">
-                <a:hlinkClick r:id="rId2"/>
-              </a:rPr>
-              <a:t>digitalRead</a:t>
-            </a:r>
-            <a:r>
-              <a:rPr lang="en-SG" sz="1400" dirty="0">
-                <a:hlinkClick r:id="rId2"/>
-              </a:rPr>
-              <a:t>()</a:t>
-            </a:r>
-            <a:endParaRPr lang="en-US" sz="1400" dirty="0"/>
-          </a:p>
-        </p:txBody>
-      </p:sp>
-      <p:pic>
-        <p:nvPicPr>
-          <p:cNvPr id="10" name="Content Placeholder 9">
-            <a:hlinkClick r:id="rId2"/>
-            <a:extLst>
-              <a:ext uri="{FF2B5EF4-FFF2-40B4-BE49-F238E27FC236}">
-                <a16:creationId xmlns:a16="http://schemas.microsoft.com/office/drawing/2014/main" id="{8D34617E-AE25-4842-843C-23E61E88E822}"/>
+                <a16:creationId xmlns:a16="http://schemas.microsoft.com/office/drawing/2014/main" id="{3DC8C67A-E316-4E0B-9840-B3558418B2E9}"/>
               </a:ext>
             </a:extLst>
           </p:cNvPr>
@@ -8384,7 +8632,7 @@
             <a:picLocks noGrp="1" noChangeAspect="1"/>
           </p:cNvPicPr>
           <p:nvPr>
-            <p:ph sz="half" idx="1"/>
+            <p:ph sz="half" idx="2"/>
           </p:nvPr>
         </p:nvPicPr>
         <p:blipFill>
@@ -8395,44 +8643,15 @@
         </p:blipFill>
         <p:spPr>
           <a:xfrm>
-            <a:off x="628650" y="1720549"/>
-            <a:ext cx="3886200" cy="4028089"/>
-          </a:xfrm>
-        </p:spPr>
-      </p:pic>
-      <p:pic>
-        <p:nvPicPr>
-          <p:cNvPr id="16" name="Content Placeholder 15">
-            <a:extLst>
-              <a:ext uri="{FF2B5EF4-FFF2-40B4-BE49-F238E27FC236}">
-                <a16:creationId xmlns:a16="http://schemas.microsoft.com/office/drawing/2014/main" id="{6EC266E7-239C-484F-94E5-908DBAADB42E}"/>
-              </a:ext>
-            </a:extLst>
-          </p:cNvPr>
-          <p:cNvPicPr>
-            <a:picLocks noGrp="1" noChangeAspect="1"/>
-          </p:cNvPicPr>
-          <p:nvPr>
-            <p:ph sz="half" idx="2"/>
-          </p:nvPr>
-        </p:nvPicPr>
-        <p:blipFill>
-          <a:blip r:embed="rId4"/>
-          <a:stretch>
-            <a:fillRect/>
-          </a:stretch>
-        </p:blipFill>
-        <p:spPr>
-          <a:xfrm>
-            <a:off x="4688802" y="942975"/>
-            <a:ext cx="3223322" cy="5233988"/>
+            <a:off x="4629150" y="1730434"/>
+            <a:ext cx="3886200" cy="4175960"/>
           </a:xfrm>
         </p:spPr>
       </p:pic>
     </p:spTree>
     <p:extLst>
       <p:ext uri="{BB962C8B-B14F-4D97-AF65-F5344CB8AC3E}">
-        <p14:creationId xmlns:p14="http://schemas.microsoft.com/office/powerpoint/2010/main" val="3017191744"/>
+        <p14:creationId xmlns:p14="http://schemas.microsoft.com/office/powerpoint/2010/main" val="2079947642"/>
       </p:ext>
     </p:extLst>
   </p:cSld>
@@ -8464,7 +8683,7 @@
           <p:cNvPr id="2" name="Title 1">
             <a:extLst>
               <a:ext uri="{FF2B5EF4-FFF2-40B4-BE49-F238E27FC236}">
-                <a16:creationId xmlns:a16="http://schemas.microsoft.com/office/drawing/2014/main" id="{4C931D81-91C9-4EAE-876A-AAF0CAD708DF}"/>
+                <a16:creationId xmlns:a16="http://schemas.microsoft.com/office/drawing/2014/main" id="{95CAF2AC-1350-420F-A58A-3E0C9E9C4429}"/>
               </a:ext>
             </a:extLst>
           </p:cNvPr>
@@ -8482,19 +8701,108 @@
           <a:p>
             <a:r>
               <a:rPr lang="en-SG" dirty="0"/>
-              <a:t>Internal Input Pullup Resistor</a:t>
+              <a:t>Loop:  </a:t>
+            </a:r>
+            <a:r>
+              <a:rPr lang="en-SG" dirty="0">
+                <a:hlinkClick r:id="rId2"/>
+              </a:rPr>
+              <a:t>for</a:t>
             </a:r>
             <a:endParaRPr lang="en-US" dirty="0"/>
+          </a:p>
+        </p:txBody>
+      </p:sp>
+      <p:sp>
+        <p:nvSpPr>
+          <p:cNvPr id="3" name="Content Placeholder 2">
+            <a:extLst>
+              <a:ext uri="{FF2B5EF4-FFF2-40B4-BE49-F238E27FC236}">
+                <a16:creationId xmlns:a16="http://schemas.microsoft.com/office/drawing/2014/main" id="{B2C218FF-E8A7-48C6-AB13-62C861EF216D}"/>
+              </a:ext>
+            </a:extLst>
+          </p:cNvPr>
+          <p:cNvSpPr>
+            <a:spLocks noGrp="1"/>
+          </p:cNvSpPr>
+          <p:nvPr>
+            <p:ph sz="half" idx="1"/>
+          </p:nvPr>
+        </p:nvSpPr>
+        <p:spPr/>
+        <p:txBody>
+          <a:bodyPr/>
+          <a:lstStyle/>
+          <a:p>
+            <a:r>
+              <a:rPr lang="en-SG" sz="2000" dirty="0"/>
+              <a:t>Structure of for</a:t>
+            </a:r>
+          </a:p>
+          <a:p>
+            <a:pPr lvl="1"/>
+            <a:r>
+              <a:rPr lang="en-SG" sz="1600" dirty="0"/>
+              <a:t>Initialization</a:t>
+            </a:r>
+          </a:p>
+          <a:p>
+            <a:pPr lvl="1"/>
+            <a:r>
+              <a:rPr lang="en-SG" sz="1600" dirty="0"/>
+              <a:t>Conditional expression</a:t>
+            </a:r>
+          </a:p>
+          <a:p>
+            <a:pPr lvl="1"/>
+            <a:r>
+              <a:rPr lang="en-SG" sz="1600" dirty="0"/>
+              <a:t>Increment</a:t>
+            </a:r>
+          </a:p>
+          <a:p>
+            <a:r>
+              <a:rPr lang="en-SG" sz="2000" dirty="0"/>
+              <a:t>Used when we know exactly the number of times we wish to loop.</a:t>
+            </a:r>
+          </a:p>
+        </p:txBody>
+      </p:sp>
+      <p:sp>
+        <p:nvSpPr>
+          <p:cNvPr id="4" name="Slide Number Placeholder 3">
+            <a:extLst>
+              <a:ext uri="{FF2B5EF4-FFF2-40B4-BE49-F238E27FC236}">
+                <a16:creationId xmlns:a16="http://schemas.microsoft.com/office/drawing/2014/main" id="{63C0D526-4D06-48E9-A2FB-D9AA33FD98CA}"/>
+              </a:ext>
+            </a:extLst>
+          </p:cNvPr>
+          <p:cNvSpPr>
+            <a:spLocks noGrp="1"/>
+          </p:cNvSpPr>
+          <p:nvPr>
+            <p:ph type="sldNum" sz="quarter" idx="12"/>
+          </p:nvPr>
+        </p:nvSpPr>
+        <p:spPr/>
+        <p:txBody>
+          <a:bodyPr/>
+          <a:lstStyle/>
+          <a:p>
+            <a:fld id="{CAB166B3-F268-4CEF-878A-CFB0D0D505D3}" type="slidenum">
+              <a:rPr lang="en-US" smtClean="0"/>
+              <a:t>9</a:t>
+            </a:fld>
+            <a:endParaRPr lang="en-US"/>
           </a:p>
         </p:txBody>
       </p:sp>
       <p:pic>
         <p:nvPicPr>
-          <p:cNvPr id="7" name="Content Placeholder 6">
-            <a:hlinkClick r:id="rId2"/>
+          <p:cNvPr id="8" name="Content Placeholder 7">
             <a:extLst>
               <a:ext uri="{FF2B5EF4-FFF2-40B4-BE49-F238E27FC236}">
-                <a16:creationId xmlns:a16="http://schemas.microsoft.com/office/drawing/2014/main" id="{ADCA746E-1458-4F7A-BFC5-3AC40E85AAEC}"/>
+                <a16:creationId xmlns:a16="http://schemas.microsoft.com/office/drawing/2014/main" id="{4CDCCA1D-71E5-4C51-9F99-44EE42CCDD66}"/>
               </a:ext>
             </a:extLst>
           </p:cNvPr>
@@ -8502,7 +8810,7 @@
             <a:picLocks noGrp="1" noChangeAspect="1"/>
           </p:cNvPicPr>
           <p:nvPr>
-            <p:ph sz="half" idx="1"/>
+            <p:ph sz="half" idx="2"/>
           </p:nvPr>
         </p:nvPicPr>
         <p:blipFill>
@@ -8513,108 +8821,17 @@
         </p:blipFill>
         <p:spPr>
           <a:xfrm>
-            <a:off x="628650" y="1901902"/>
-            <a:ext cx="3886200" cy="3398683"/>
+            <a:off x="4629150" y="1568211"/>
+            <a:ext cx="3886200" cy="2287558"/>
           </a:xfrm>
         </p:spPr>
       </p:pic>
       <p:sp>
         <p:nvSpPr>
-          <p:cNvPr id="4" name="Content Placeholder 3">
+          <p:cNvPr id="10" name="TextBox 9">
             <a:extLst>
               <a:ext uri="{FF2B5EF4-FFF2-40B4-BE49-F238E27FC236}">
-                <a16:creationId xmlns:a16="http://schemas.microsoft.com/office/drawing/2014/main" id="{0DF94245-979B-4588-A89C-A4EE9D68521A}"/>
-              </a:ext>
-            </a:extLst>
-          </p:cNvPr>
-          <p:cNvSpPr>
-            <a:spLocks noGrp="1"/>
-          </p:cNvSpPr>
-          <p:nvPr>
-            <p:ph sz="half" idx="2"/>
-          </p:nvPr>
-        </p:nvSpPr>
-        <p:spPr/>
-        <p:txBody>
-          <a:bodyPr/>
-          <a:lstStyle/>
-          <a:p>
-            <a:r>
-              <a:rPr lang="en-SG" sz="2000" dirty="0"/>
-              <a:t>We can use the internal pullup resistor by changing the mode</a:t>
-            </a:r>
-          </a:p>
-          <a:p>
-            <a:r>
-              <a:rPr lang="en-SG" sz="2000" dirty="0" err="1">
-                <a:latin typeface="Yanone Kaffeesatz Medium" pitchFamily="2" charset="0"/>
-              </a:rPr>
-              <a:t>pinMode</a:t>
-            </a:r>
-            <a:r>
-              <a:rPr lang="en-SG" sz="2000" dirty="0">
-                <a:latin typeface="Yanone Kaffeesatz Medium" pitchFamily="2" charset="0"/>
-              </a:rPr>
-              <a:t>(pin, </a:t>
-            </a:r>
-            <a:r>
-              <a:rPr lang="en-SG" sz="2000" dirty="0">
-                <a:latin typeface="Yanone Kaffeesatz Medium" pitchFamily="2" charset="0"/>
-                <a:hlinkClick r:id="rId4"/>
-              </a:rPr>
-              <a:t>INPUT_PULLUP</a:t>
-            </a:r>
-            <a:r>
-              <a:rPr lang="en-SG" sz="2000" dirty="0">
-                <a:latin typeface="Yanone Kaffeesatz Medium" pitchFamily="2" charset="0"/>
-              </a:rPr>
-              <a:t>)</a:t>
-            </a:r>
-          </a:p>
-          <a:p>
-            <a:r>
-              <a:rPr lang="en-US" sz="2000" dirty="0"/>
-              <a:t>Internal pullup resistor is 20K~50K which limits the current.</a:t>
-            </a:r>
-          </a:p>
-        </p:txBody>
-      </p:sp>
-      <p:sp>
-        <p:nvSpPr>
-          <p:cNvPr id="5" name="Slide Number Placeholder 4">
-            <a:extLst>
-              <a:ext uri="{FF2B5EF4-FFF2-40B4-BE49-F238E27FC236}">
-                <a16:creationId xmlns:a16="http://schemas.microsoft.com/office/drawing/2014/main" id="{0CA79CD7-7565-4261-AC41-4190BA4DDB6B}"/>
-              </a:ext>
-            </a:extLst>
-          </p:cNvPr>
-          <p:cNvSpPr>
-            <a:spLocks noGrp="1"/>
-          </p:cNvSpPr>
-          <p:nvPr>
-            <p:ph type="sldNum" sz="quarter" idx="12"/>
-          </p:nvPr>
-        </p:nvSpPr>
-        <p:spPr/>
-        <p:txBody>
-          <a:bodyPr/>
-          <a:lstStyle/>
-          <a:p>
-            <a:fld id="{CAB166B3-F268-4CEF-878A-CFB0D0D505D3}" type="slidenum">
-              <a:rPr lang="en-US" smtClean="0"/>
-              <a:t>9</a:t>
-            </a:fld>
-            <a:endParaRPr lang="en-US"/>
-          </a:p>
-        </p:txBody>
-      </p:sp>
-      <p:sp>
-        <p:nvSpPr>
-          <p:cNvPr id="8" name="TextBox 7">
-            <a:hlinkClick r:id="rId2"/>
-            <a:extLst>
-              <a:ext uri="{FF2B5EF4-FFF2-40B4-BE49-F238E27FC236}">
-                <a16:creationId xmlns:a16="http://schemas.microsoft.com/office/drawing/2014/main" id="{407F347E-5B81-466B-91A5-B07EA456F19A}"/>
+                <a16:creationId xmlns:a16="http://schemas.microsoft.com/office/drawing/2014/main" id="{23E546F2-728A-4FF9-81AF-07863584B128}"/>
               </a:ext>
             </a:extLst>
           </p:cNvPr>
@@ -8623,8 +8840,8 @@
         </p:nvSpPr>
         <p:spPr>
           <a:xfrm>
-            <a:off x="2105940" y="5357909"/>
-            <a:ext cx="2466060" cy="307777"/>
+            <a:off x="5836158" y="4191271"/>
+            <a:ext cx="2780505" cy="461665"/>
           </a:xfrm>
           <a:prstGeom prst="rect">
             <a:avLst/>
@@ -8639,49 +8856,30 @@
           <a:p>
             <a:pPr algn="l"/>
             <a:r>
-              <a:rPr lang="en-SG" sz="1400" dirty="0">
-                <a:hlinkClick r:id="rId2"/>
+              <a:rPr lang="en-SG" sz="1600" dirty="0"/>
+              <a:t>Loops a </a:t>
+            </a:r>
+            <a:r>
+              <a:rPr lang="en-SG" sz="2400" dirty="0">
+                <a:solidFill>
+                  <a:srgbClr val="FF0000"/>
+                </a:solidFill>
+                <a:latin typeface="Yanone Kaffeesatz Medium" pitchFamily="2" charset="0"/>
               </a:rPr>
-              <a:t>Uno input pullup resistor demo</a:t>
-            </a:r>
-            <a:endParaRPr lang="en-US" sz="1400" dirty="0"/>
-          </a:p>
-        </p:txBody>
-      </p:sp>
-      <p:pic>
-        <p:nvPicPr>
-          <p:cNvPr id="10" name="Picture 9">
-            <a:extLst>
-              <a:ext uri="{FF2B5EF4-FFF2-40B4-BE49-F238E27FC236}">
-                <a16:creationId xmlns:a16="http://schemas.microsoft.com/office/drawing/2014/main" id="{4866EB37-1CBF-4F0E-A710-318BFAB79989}"/>
-              </a:ext>
-            </a:extLst>
-          </p:cNvPr>
-          <p:cNvPicPr>
-            <a:picLocks noChangeAspect="1"/>
-          </p:cNvPicPr>
-          <p:nvPr/>
-        </p:nvPicPr>
-        <p:blipFill>
-          <a:blip r:embed="rId5"/>
-          <a:stretch>
-            <a:fillRect/>
-          </a:stretch>
-        </p:blipFill>
-        <p:spPr>
-          <a:xfrm>
-            <a:off x="4676775" y="3797299"/>
-            <a:ext cx="2718364" cy="2486025"/>
-          </a:xfrm>
-          <a:prstGeom prst="rect">
-            <a:avLst/>
-          </a:prstGeom>
-        </p:spPr>
-      </p:pic>
+              <a:t>fixed</a:t>
+            </a:r>
+            <a:r>
+              <a:rPr lang="en-SG" sz="1600" dirty="0"/>
+              <a:t> number of times</a:t>
+            </a:r>
+            <a:endParaRPr lang="en-US" sz="1600" dirty="0"/>
+          </a:p>
+        </p:txBody>
+      </p:sp>
     </p:spTree>
     <p:extLst>
       <p:ext uri="{BB962C8B-B14F-4D97-AF65-F5344CB8AC3E}">
-        <p14:creationId xmlns:p14="http://schemas.microsoft.com/office/powerpoint/2010/main" val="3926272602"/>
+        <p14:creationId xmlns:p14="http://schemas.microsoft.com/office/powerpoint/2010/main" val="1109989995"/>
       </p:ext>
     </p:extLst>
   </p:cSld>

--- a/presentations/ep1000_embedded2/ep1000_embedded2.pptx
+++ b/presentations/ep1000_embedded2/ep1000_embedded2.pptx
@@ -5,7 +5,7 @@
     <p:sldMasterId id="2147483660" r:id="rId1"/>
   </p:sldMasterIdLst>
   <p:notesMasterIdLst>
-    <p:notesMasterId r:id="rId19"/>
+    <p:notesMasterId r:id="rId20"/>
   </p:notesMasterIdLst>
   <p:sldIdLst>
     <p:sldId id="256" r:id="rId2"/>
@@ -21,10 +21,11 @@
     <p:sldId id="283" r:id="rId12"/>
     <p:sldId id="284" r:id="rId13"/>
     <p:sldId id="285" r:id="rId14"/>
-    <p:sldId id="286" r:id="rId15"/>
-    <p:sldId id="287" r:id="rId16"/>
-    <p:sldId id="288" r:id="rId17"/>
-    <p:sldId id="259" r:id="rId18"/>
+    <p:sldId id="289" r:id="rId15"/>
+    <p:sldId id="286" r:id="rId16"/>
+    <p:sldId id="287" r:id="rId17"/>
+    <p:sldId id="288" r:id="rId18"/>
+    <p:sldId id="259" r:id="rId19"/>
   </p:sldIdLst>
   <p:sldSz cx="9144000" cy="6858000" type="screen4x3"/>
   <p:notesSz cx="6858000" cy="9144000"/>
@@ -221,7 +222,7 @@
           <a:p>
             <a:fld id="{2A875741-58CA-43A4-9946-B635E52C5CD8}" type="datetimeFigureOut">
               <a:rPr lang="en-US" smtClean="0"/>
-              <a:t>6/3/2021</a:t>
+              <a:t>6/4/2021</a:t>
             </a:fld>
             <a:endParaRPr lang="en-US"/>
           </a:p>
@@ -631,7 +632,7 @@
           <a:p>
             <a:fld id="{9665C769-D7C3-4E51-9622-EB882B1C6B88}" type="datetime1">
               <a:rPr lang="en-US" smtClean="0"/>
-              <a:t>6/3/2021</a:t>
+              <a:t>6/4/2021</a:t>
             </a:fld>
             <a:endParaRPr lang="en-US"/>
           </a:p>
@@ -825,7 +826,7 @@
           <a:p>
             <a:fld id="{AC2FA8F2-92AD-4DF3-BB80-1A576E4607C5}" type="datetime1">
               <a:rPr lang="en-US" smtClean="0"/>
-              <a:t>6/3/2021</a:t>
+              <a:t>6/4/2021</a:t>
             </a:fld>
             <a:endParaRPr lang="en-US"/>
           </a:p>
@@ -1024,7 +1025,7 @@
           <a:p>
             <a:fld id="{FF161318-0D48-4B52-BC2D-A0EA8E79725D}" type="datetime1">
               <a:rPr lang="en-US" smtClean="0"/>
-              <a:t>6/3/2021</a:t>
+              <a:t>6/4/2021</a:t>
             </a:fld>
             <a:endParaRPr lang="en-US"/>
           </a:p>
@@ -1218,7 +1219,7 @@
           <a:p>
             <a:fld id="{828929F4-2E32-48E9-8E95-ABAA8EAAF6A9}" type="datetime1">
               <a:rPr lang="en-US" smtClean="0"/>
-              <a:t>6/3/2021</a:t>
+              <a:t>6/4/2021</a:t>
             </a:fld>
             <a:endParaRPr lang="en-US"/>
           </a:p>
@@ -1481,7 +1482,7 @@
           <a:p>
             <a:fld id="{4D668969-C21F-428C-9E53-8D921FF4543A}" type="datetime1">
               <a:rPr lang="en-US" smtClean="0"/>
-              <a:t>6/3/2021</a:t>
+              <a:t>6/4/2021</a:t>
             </a:fld>
             <a:endParaRPr lang="en-US"/>
           </a:p>
@@ -1735,7 +1736,7 @@
           <a:p>
             <a:fld id="{01FB22A5-6159-4D69-BFEE-F4892803599C}" type="datetime1">
               <a:rPr lang="en-US" smtClean="0"/>
-              <a:t>6/3/2021</a:t>
+              <a:t>6/4/2021</a:t>
             </a:fld>
             <a:endParaRPr lang="en-US"/>
           </a:p>
@@ -2129,7 +2130,7 @@
           <a:p>
             <a:fld id="{738CC944-9765-440C-9A18-3DC1DA37440E}" type="datetime1">
               <a:rPr lang="en-US" smtClean="0"/>
-              <a:t>6/3/2021</a:t>
+              <a:t>6/4/2021</a:t>
             </a:fld>
             <a:endParaRPr lang="en-US"/>
           </a:p>
@@ -2263,7 +2264,7 @@
           <a:p>
             <a:fld id="{D8661C67-BB8E-4D16-A78D-460AAF94A53C}" type="datetime1">
               <a:rPr lang="en-US" smtClean="0"/>
-              <a:t>6/3/2021</a:t>
+              <a:t>6/4/2021</a:t>
             </a:fld>
             <a:endParaRPr lang="en-US"/>
           </a:p>
@@ -2374,7 +2375,7 @@
           <a:p>
             <a:fld id="{DBBC12E8-4105-456C-A90A-AF2362FB188F}" type="datetime1">
               <a:rPr lang="en-US" smtClean="0"/>
-              <a:t>6/3/2021</a:t>
+              <a:t>6/4/2021</a:t>
             </a:fld>
             <a:endParaRPr lang="en-US"/>
           </a:p>
@@ -2673,7 +2674,7 @@
           <a:p>
             <a:fld id="{11FD4DDA-56B2-4B92-884C-68E9C78E3003}" type="datetime1">
               <a:rPr lang="en-US" smtClean="0"/>
-              <a:t>6/3/2021</a:t>
+              <a:t>6/4/2021</a:t>
             </a:fld>
             <a:endParaRPr lang="en-US"/>
           </a:p>
@@ -2952,7 +2953,7 @@
           <a:p>
             <a:fld id="{750461B4-47C4-4F2C-98A2-225FD39D225C}" type="datetime1">
               <a:rPr lang="en-US" smtClean="0"/>
-              <a:t>6/3/2021</a:t>
+              <a:t>6/4/2021</a:t>
             </a:fld>
             <a:endParaRPr lang="en-US"/>
           </a:p>
@@ -3727,39 +3728,10 @@
               <a:rPr lang="en-US" smtClean="0"/>
               <a:t>10</a:t>
             </a:fld>
-            <a:endParaRPr lang="en-US"/>
-          </a:p>
-        </p:txBody>
-      </p:sp>
-      <p:pic>
-        <p:nvPicPr>
-          <p:cNvPr id="9" name="Content Placeholder 8">
-            <a:extLst>
-              <a:ext uri="{FF2B5EF4-FFF2-40B4-BE49-F238E27FC236}">
-                <a16:creationId xmlns:a16="http://schemas.microsoft.com/office/drawing/2014/main" id="{C78DFA33-8F61-4372-867E-92B542563F18}"/>
-              </a:ext>
-            </a:extLst>
-          </p:cNvPr>
-          <p:cNvPicPr>
-            <a:picLocks noGrp="1" noChangeAspect="1"/>
-          </p:cNvPicPr>
-          <p:nvPr>
-            <p:ph sz="half" idx="2"/>
-          </p:nvPr>
-        </p:nvPicPr>
-        <p:blipFill>
-          <a:blip r:embed="rId3"/>
-          <a:stretch>
-            <a:fillRect/>
-          </a:stretch>
-        </p:blipFill>
-        <p:spPr>
-          <a:xfrm>
-            <a:off x="4629150" y="1632219"/>
-            <a:ext cx="3886200" cy="2433862"/>
-          </a:xfrm>
-        </p:spPr>
-      </p:pic>
+            <a:endParaRPr lang="en-US" dirty="0"/>
+          </a:p>
+        </p:txBody>
+      </p:sp>
       <p:sp>
         <p:nvSpPr>
           <p:cNvPr id="10" name="TextBox 9">
@@ -3810,6 +3782,35 @@
           </a:p>
         </p:txBody>
       </p:sp>
+      <p:pic>
+        <p:nvPicPr>
+          <p:cNvPr id="8" name="Content Placeholder 7">
+            <a:extLst>
+              <a:ext uri="{FF2B5EF4-FFF2-40B4-BE49-F238E27FC236}">
+                <a16:creationId xmlns:a16="http://schemas.microsoft.com/office/drawing/2014/main" id="{5218403A-A934-4019-BC26-0C6BE178CE01}"/>
+              </a:ext>
+            </a:extLst>
+          </p:cNvPr>
+          <p:cNvPicPr>
+            <a:picLocks noGrp="1" noChangeAspect="1"/>
+          </p:cNvPicPr>
+          <p:nvPr>
+            <p:ph sz="half" idx="2"/>
+          </p:nvPr>
+        </p:nvPicPr>
+        <p:blipFill>
+          <a:blip r:embed="rId3"/>
+          <a:stretch>
+            <a:fillRect/>
+          </a:stretch>
+        </p:blipFill>
+        <p:spPr>
+          <a:xfrm>
+            <a:off x="4629150" y="1649209"/>
+            <a:ext cx="3886200" cy="2521403"/>
+          </a:xfrm>
+        </p:spPr>
+      </p:pic>
     </p:spTree>
     <p:extLst>
       <p:ext uri="{BB962C8B-B14F-4D97-AF65-F5344CB8AC3E}">
@@ -3972,7 +3973,7 @@
         </p:nvSpPr>
         <p:spPr>
           <a:xfrm>
-            <a:off x="5484777" y="4767343"/>
+            <a:off x="5484777" y="4794775"/>
             <a:ext cx="2799741" cy="461665"/>
           </a:xfrm>
           <a:prstGeom prst="rect">
@@ -4010,10 +4011,10 @@
       </p:sp>
       <p:pic>
         <p:nvPicPr>
-          <p:cNvPr id="8" name="Content Placeholder 7">
+          <p:cNvPr id="12" name="Content Placeholder 11">
             <a:extLst>
               <a:ext uri="{FF2B5EF4-FFF2-40B4-BE49-F238E27FC236}">
-                <a16:creationId xmlns:a16="http://schemas.microsoft.com/office/drawing/2014/main" id="{D06B03EC-260C-4CF4-A646-049D805A0E92}"/>
+                <a16:creationId xmlns:a16="http://schemas.microsoft.com/office/drawing/2014/main" id="{E576735B-0D60-4BD7-8AC1-0D7D2FB90E2C}"/>
               </a:ext>
             </a:extLst>
           </p:cNvPr>
@@ -4032,8 +4033,8 @@
         </p:blipFill>
         <p:spPr>
           <a:xfrm>
-            <a:off x="4629150" y="1757264"/>
-            <a:ext cx="3886200" cy="3006731"/>
+            <a:off x="4629150" y="1807996"/>
+            <a:ext cx="3886200" cy="2978419"/>
           </a:xfrm>
         </p:spPr>
       </p:pic>
@@ -4449,7 +4450,7 @@
           <p:cNvPr id="2" name="Title 1">
             <a:extLst>
               <a:ext uri="{FF2B5EF4-FFF2-40B4-BE49-F238E27FC236}">
-                <a16:creationId xmlns:a16="http://schemas.microsoft.com/office/drawing/2014/main" id="{5F379D2F-F338-4CDE-90B0-9742F7558CB8}"/>
+                <a16:creationId xmlns:a16="http://schemas.microsoft.com/office/drawing/2014/main" id="{77ACC1FB-F758-4245-B11A-4DA64BCD061D}"/>
               </a:ext>
             </a:extLst>
           </p:cNvPr>
@@ -4467,7 +4468,7 @@
           <a:p>
             <a:r>
               <a:rPr lang="en-SG" dirty="0"/>
-              <a:t>Class</a:t>
+              <a:t>Arrays</a:t>
             </a:r>
             <a:endParaRPr lang="en-US" dirty="0"/>
           </a:p>
@@ -4478,7 +4479,7 @@
           <p:cNvPr id="3" name="Content Placeholder 2">
             <a:extLst>
               <a:ext uri="{FF2B5EF4-FFF2-40B4-BE49-F238E27FC236}">
-                <a16:creationId xmlns:a16="http://schemas.microsoft.com/office/drawing/2014/main" id="{0AA237EA-5A83-408A-95B9-3D41221E488C}"/>
+                <a16:creationId xmlns:a16="http://schemas.microsoft.com/office/drawing/2014/main" id="{3DB841F1-4249-4068-A932-1CBB8399A370}"/>
               </a:ext>
             </a:extLst>
           </p:cNvPr>
@@ -4486,7 +4487,7 @@
             <a:spLocks noGrp="1"/>
           </p:cNvSpPr>
           <p:nvPr>
-            <p:ph idx="1"/>
+            <p:ph sz="half" idx="1"/>
           </p:nvPr>
         </p:nvSpPr>
         <p:spPr/>
@@ -4495,51 +4496,78 @@
           <a:lstStyle/>
           <a:p>
             <a:r>
-              <a:rPr lang="en-SG" sz="2400" dirty="0"/>
-              <a:t>A user-defined data type that is used to create objects.</a:t>
-            </a:r>
-          </a:p>
-          <a:p>
-            <a:r>
-              <a:rPr lang="en-SG" sz="2400" dirty="0"/>
-              <a:t>An object has</a:t>
-            </a:r>
-          </a:p>
-          <a:p>
-            <a:pPr lvl="1"/>
-            <a:r>
-              <a:rPr lang="en-SG" sz="2000" dirty="0"/>
-              <a:t>attributes (constants, variables)</a:t>
-            </a:r>
-          </a:p>
-          <a:p>
-            <a:pPr lvl="1"/>
-            <a:r>
-              <a:rPr lang="en-SG" sz="2000" dirty="0"/>
-              <a:t>methods (functions)</a:t>
-            </a:r>
-          </a:p>
-          <a:p>
-            <a:r>
-              <a:rPr lang="en-SG" sz="2400" dirty="0"/>
-              <a:t>An object’s attributes and methods are accessed using the dot (.) operator</a:t>
-            </a:r>
-          </a:p>
-          <a:p>
-            <a:r>
-              <a:rPr lang="en-SG" sz="2400" dirty="0"/>
-              <a:t>Classes are predominantly used in code libraries</a:t>
-            </a:r>
-            <a:endParaRPr lang="en-US" sz="2400" dirty="0"/>
-          </a:p>
-        </p:txBody>
-      </p:sp>
-      <p:sp>
-        <p:nvSpPr>
-          <p:cNvPr id="5" name="Slide Number Placeholder 4">
+              <a:rPr lang="en-SG" sz="1800" dirty="0"/>
+              <a:t>Arrays is a data type which can hold multiple values in a single variable.</a:t>
+            </a:r>
+          </a:p>
+          <a:p>
+            <a:r>
+              <a:rPr lang="en-SG" sz="1800" dirty="0"/>
+              <a:t>The values must be of the same data type, as defined by the array.</a:t>
+            </a:r>
+          </a:p>
+          <a:p>
+            <a:r>
+              <a:rPr lang="en-SG" sz="1800" dirty="0"/>
+              <a:t>Each element can be accessed using an index, which starts from 0.</a:t>
+            </a:r>
+          </a:p>
+          <a:p>
+            <a:r>
+              <a:rPr lang="en-SG" sz="1800" dirty="0"/>
+              <a:t>You can identify an array by the “</a:t>
+            </a:r>
+            <a:r>
+              <a:rPr lang="en-SG" sz="1800" dirty="0">
+                <a:solidFill>
+                  <a:srgbClr val="FF0000"/>
+                </a:solidFill>
+              </a:rPr>
+              <a:t>[ ]</a:t>
+            </a:r>
+            <a:r>
+              <a:rPr lang="en-SG" sz="1800" dirty="0"/>
+              <a:t>”</a:t>
+            </a:r>
+            <a:endParaRPr lang="en-US" sz="1800" dirty="0"/>
+          </a:p>
+        </p:txBody>
+      </p:sp>
+      <p:pic>
+        <p:nvPicPr>
+          <p:cNvPr id="9" name="Content Placeholder 8">
             <a:extLst>
               <a:ext uri="{FF2B5EF4-FFF2-40B4-BE49-F238E27FC236}">
-                <a16:creationId xmlns:a16="http://schemas.microsoft.com/office/drawing/2014/main" id="{5F615BF6-C25C-4B76-9F03-C275B25C54F7}"/>
+                <a16:creationId xmlns:a16="http://schemas.microsoft.com/office/drawing/2014/main" id="{1871F69D-FE0E-4D04-BD49-2F9683091EF3}"/>
+              </a:ext>
+            </a:extLst>
+          </p:cNvPr>
+          <p:cNvPicPr>
+            <a:picLocks noGrp="1" noChangeAspect="1"/>
+          </p:cNvPicPr>
+          <p:nvPr>
+            <p:ph sz="half" idx="2"/>
+          </p:nvPr>
+        </p:nvPicPr>
+        <p:blipFill>
+          <a:blip r:embed="rId2"/>
+          <a:stretch>
+            <a:fillRect/>
+          </a:stretch>
+        </p:blipFill>
+        <p:spPr>
+          <a:xfrm>
+            <a:off x="4629150" y="1931915"/>
+            <a:ext cx="3886200" cy="2108790"/>
+          </a:xfrm>
+        </p:spPr>
+      </p:pic>
+      <p:sp>
+        <p:nvSpPr>
+          <p:cNvPr id="4" name="Slide Number Placeholder 3">
+            <a:extLst>
+              <a:ext uri="{FF2B5EF4-FFF2-40B4-BE49-F238E27FC236}">
+                <a16:creationId xmlns:a16="http://schemas.microsoft.com/office/drawing/2014/main" id="{7128F83A-3B82-474B-814B-7AC557F2D01F}"/>
               </a:ext>
             </a:extLst>
           </p:cNvPr>
@@ -4563,59 +4591,10 @@
           </a:p>
         </p:txBody>
       </p:sp>
-      <p:sp>
-        <p:nvSpPr>
-          <p:cNvPr id="6" name="TextBox 5">
-            <a:extLst>
-              <a:ext uri="{FF2B5EF4-FFF2-40B4-BE49-F238E27FC236}">
-                <a16:creationId xmlns:a16="http://schemas.microsoft.com/office/drawing/2014/main" id="{486BBBE9-A901-446D-99AC-FCE9D3ABC896}"/>
-              </a:ext>
-            </a:extLst>
-          </p:cNvPr>
-          <p:cNvSpPr txBox="1"/>
-          <p:nvPr/>
-        </p:nvSpPr>
-        <p:spPr>
-          <a:xfrm>
-            <a:off x="5914741" y="5221224"/>
-            <a:ext cx="2600609" cy="830997"/>
-          </a:xfrm>
-          <a:prstGeom prst="rect">
-            <a:avLst/>
-          </a:prstGeom>
-          <a:noFill/>
-        </p:spPr>
-        <p:txBody>
-          <a:bodyPr wrap="square" rtlCol="0">
-            <a:spAutoFit/>
-          </a:bodyPr>
-          <a:lstStyle/>
-          <a:p>
-            <a:pPr algn="l"/>
-            <a:r>
-              <a:rPr lang="en-SG" sz="1600" dirty="0"/>
-              <a:t>Classes should be identified using a starting </a:t>
-            </a:r>
-            <a:r>
-              <a:rPr lang="en-SG" sz="1600" dirty="0">
-                <a:solidFill>
-                  <a:srgbClr val="FF0000"/>
-                </a:solidFill>
-              </a:rPr>
-              <a:t>uppercase </a:t>
-            </a:r>
-            <a:r>
-              <a:rPr lang="en-SG" sz="1600" dirty="0"/>
-              <a:t>character e.g. Serial</a:t>
-            </a:r>
-            <a:endParaRPr lang="en-US" sz="1600" dirty="0"/>
-          </a:p>
-        </p:txBody>
-      </p:sp>
     </p:spTree>
     <p:extLst>
       <p:ext uri="{BB962C8B-B14F-4D97-AF65-F5344CB8AC3E}">
-        <p14:creationId xmlns:p14="http://schemas.microsoft.com/office/powerpoint/2010/main" val="2125143879"/>
+        <p14:creationId xmlns:p14="http://schemas.microsoft.com/office/powerpoint/2010/main" val="1004704092"/>
       </p:ext>
     </p:extLst>
   </p:cSld>
@@ -4647,7 +4626,7 @@
           <p:cNvPr id="2" name="Title 1">
             <a:extLst>
               <a:ext uri="{FF2B5EF4-FFF2-40B4-BE49-F238E27FC236}">
-                <a16:creationId xmlns:a16="http://schemas.microsoft.com/office/drawing/2014/main" id="{8DBCB48E-BA7F-49CA-BC2F-844B55E6B7DB}"/>
+                <a16:creationId xmlns:a16="http://schemas.microsoft.com/office/drawing/2014/main" id="{5F379D2F-F338-4CDE-90B0-9742F7558CB8}"/>
               </a:ext>
             </a:extLst>
           </p:cNvPr>
@@ -4665,13 +4644,7 @@
           <a:p>
             <a:r>
               <a:rPr lang="en-SG" dirty="0"/>
-              <a:t>Directive:  </a:t>
-            </a:r>
-            <a:r>
-              <a:rPr lang="en-SG" dirty="0">
-                <a:hlinkClick r:id="rId2"/>
-              </a:rPr>
-              <a:t>#define</a:t>
+              <a:t>Class</a:t>
             </a:r>
             <a:endParaRPr lang="en-US" dirty="0"/>
           </a:p>
@@ -4682,7 +4655,7 @@
           <p:cNvPr id="3" name="Content Placeholder 2">
             <a:extLst>
               <a:ext uri="{FF2B5EF4-FFF2-40B4-BE49-F238E27FC236}">
-                <a16:creationId xmlns:a16="http://schemas.microsoft.com/office/drawing/2014/main" id="{00F0E609-DF4B-4ABF-B5A1-71CFA2E28A46}"/>
+                <a16:creationId xmlns:a16="http://schemas.microsoft.com/office/drawing/2014/main" id="{0AA237EA-5A83-408A-95B9-3D41221E488C}"/>
               </a:ext>
             </a:extLst>
           </p:cNvPr>
@@ -4690,7 +4663,7 @@
             <a:spLocks noGrp="1"/>
           </p:cNvSpPr>
           <p:nvPr>
-            <p:ph sz="half" idx="1"/>
+            <p:ph idx="1"/>
           </p:nvPr>
         </p:nvSpPr>
         <p:spPr/>
@@ -4699,42 +4672,40 @@
           <a:lstStyle/>
           <a:p>
             <a:r>
-              <a:rPr lang="en-SG" sz="2400" dirty="0">
-                <a:latin typeface="Yanone Kaffeesatz Medium" pitchFamily="2" charset="0"/>
-              </a:rPr>
-              <a:t>#define</a:t>
-            </a:r>
-            <a:r>
               <a:rPr lang="en-SG" sz="2400" dirty="0"/>
-              <a:t> is a compiler directive and not a code statement.</a:t>
+              <a:t>A user-defined data type that is used to create objects.</a:t>
             </a:r>
           </a:p>
           <a:p>
             <a:r>
               <a:rPr lang="en-SG" sz="2400" dirty="0"/>
-              <a:t>Does not end with a semi-colon</a:t>
+              <a:t>An object has</a:t>
+            </a:r>
+          </a:p>
+          <a:p>
+            <a:pPr lvl="1"/>
+            <a:r>
+              <a:rPr lang="en-SG" sz="2000" dirty="0"/>
+              <a:t>attributes (constants, variables)</a:t>
+            </a:r>
+          </a:p>
+          <a:p>
+            <a:pPr lvl="1"/>
+            <a:r>
+              <a:rPr lang="en-SG" sz="2000" dirty="0"/>
+              <a:t>methods (functions)</a:t>
             </a:r>
           </a:p>
           <a:p>
             <a:r>
               <a:rPr lang="en-SG" sz="2400" dirty="0"/>
-              <a:t>Used to name a constant and assign the value</a:t>
-            </a:r>
-          </a:p>
-          <a:p>
-            <a:r>
-              <a:rPr lang="en-SG" sz="2400" dirty="0" err="1">
-                <a:solidFill>
-                  <a:srgbClr val="FF0000"/>
-                </a:solidFill>
-                <a:latin typeface="Yanone Kaffeesatz Medium" pitchFamily="2" charset="0"/>
-                <a:hlinkClick r:id="rId3"/>
-              </a:rPr>
-              <a:t>const</a:t>
-            </a:r>
+              <a:t>An object’s attributes and methods are accessed using the dot (.) operator</a:t>
+            </a:r>
+          </a:p>
+          <a:p>
             <a:r>
               <a:rPr lang="en-SG" sz="2400" dirty="0"/>
-              <a:t> is the preferred method of defining constants</a:t>
+              <a:t>Classes are predominantly used in code libraries</a:t>
             </a:r>
             <a:endParaRPr lang="en-US" sz="2400" dirty="0"/>
           </a:p>
@@ -4745,7 +4716,7 @@
           <p:cNvPr id="5" name="Slide Number Placeholder 4">
             <a:extLst>
               <a:ext uri="{FF2B5EF4-FFF2-40B4-BE49-F238E27FC236}">
-                <a16:creationId xmlns:a16="http://schemas.microsoft.com/office/drawing/2014/main" id="{AB77F8BB-EE45-46FC-B954-A6285D864120}"/>
+                <a16:creationId xmlns:a16="http://schemas.microsoft.com/office/drawing/2014/main" id="{5F615BF6-C25C-4B76-9F03-C275B25C54F7}"/>
               </a:ext>
             </a:extLst>
           </p:cNvPr>
@@ -4769,41 +4740,12 @@
           </a:p>
         </p:txBody>
       </p:sp>
-      <p:pic>
-        <p:nvPicPr>
-          <p:cNvPr id="9" name="Content Placeholder 8">
+      <p:sp>
+        <p:nvSpPr>
+          <p:cNvPr id="6" name="TextBox 5">
             <a:extLst>
               <a:ext uri="{FF2B5EF4-FFF2-40B4-BE49-F238E27FC236}">
-                <a16:creationId xmlns:a16="http://schemas.microsoft.com/office/drawing/2014/main" id="{8A405027-E8CF-4FF3-92FC-071A97893910}"/>
-              </a:ext>
-            </a:extLst>
-          </p:cNvPr>
-          <p:cNvPicPr>
-            <a:picLocks noGrp="1" noChangeAspect="1"/>
-          </p:cNvPicPr>
-          <p:nvPr>
-            <p:ph sz="half" idx="2"/>
-          </p:nvPr>
-        </p:nvPicPr>
-        <p:blipFill>
-          <a:blip r:embed="rId4"/>
-          <a:stretch>
-            <a:fillRect/>
-          </a:stretch>
-        </p:blipFill>
-        <p:spPr>
-          <a:xfrm>
-            <a:off x="4629150" y="1861106"/>
-            <a:ext cx="3886200" cy="1738343"/>
-          </a:xfrm>
-        </p:spPr>
-      </p:pic>
-      <p:sp>
-        <p:nvSpPr>
-          <p:cNvPr id="10" name="TextBox 9">
-            <a:extLst>
-              <a:ext uri="{FF2B5EF4-FFF2-40B4-BE49-F238E27FC236}">
-                <a16:creationId xmlns:a16="http://schemas.microsoft.com/office/drawing/2014/main" id="{EFCC7813-DBB4-40DE-9AA9-DDF8306C778B}"/>
+                <a16:creationId xmlns:a16="http://schemas.microsoft.com/office/drawing/2014/main" id="{486BBBE9-A901-446D-99AC-FCE9D3ABC896}"/>
               </a:ext>
             </a:extLst>
           </p:cNvPr>
@@ -4812,8 +4754,8 @@
         </p:nvSpPr>
         <p:spPr>
           <a:xfrm>
-            <a:off x="6291072" y="3703320"/>
-            <a:ext cx="2600609" cy="584775"/>
+            <a:off x="5914741" y="5221224"/>
+            <a:ext cx="2600609" cy="830997"/>
           </a:xfrm>
           <a:prstGeom prst="rect">
             <a:avLst/>
@@ -4829,7 +4771,7 @@
             <a:pPr algn="l"/>
             <a:r>
               <a:rPr lang="en-SG" sz="1600" dirty="0"/>
-              <a:t>Constants should be identified using </a:t>
+              <a:t>Classes should be identified using a starting </a:t>
             </a:r>
             <a:r>
               <a:rPr lang="en-SG" sz="1600" dirty="0">
@@ -4837,20 +4779,20 @@
                   <a:srgbClr val="FF0000"/>
                 </a:solidFill>
               </a:rPr>
-              <a:t>uppercase</a:t>
-            </a:r>
-            <a:endParaRPr lang="en-US" sz="1600" dirty="0">
-              <a:solidFill>
-                <a:srgbClr val="FF0000"/>
-              </a:solidFill>
-            </a:endParaRPr>
+              <a:t>uppercase </a:t>
+            </a:r>
+            <a:r>
+              <a:rPr lang="en-SG" sz="1600" dirty="0"/>
+              <a:t>character e.g. Serial</a:t>
+            </a:r>
+            <a:endParaRPr lang="en-US" sz="1600" dirty="0"/>
           </a:p>
         </p:txBody>
       </p:sp>
     </p:spTree>
     <p:extLst>
       <p:ext uri="{BB962C8B-B14F-4D97-AF65-F5344CB8AC3E}">
-        <p14:creationId xmlns:p14="http://schemas.microsoft.com/office/powerpoint/2010/main" val="4144671674"/>
+        <p14:creationId xmlns:p14="http://schemas.microsoft.com/office/powerpoint/2010/main" val="2125143879"/>
       </p:ext>
     </p:extLst>
   </p:cSld>
@@ -4906,7 +4848,7 @@
               <a:rPr lang="en-SG" dirty="0">
                 <a:hlinkClick r:id="rId2"/>
               </a:rPr>
-              <a:t>#include</a:t>
+              <a:t>#define</a:t>
             </a:r>
             <a:endParaRPr lang="en-US" dirty="0"/>
           </a:p>
@@ -4928,12 +4870,7 @@
             <p:ph sz="half" idx="1"/>
           </p:nvPr>
         </p:nvSpPr>
-        <p:spPr>
-          <a:xfrm>
-            <a:off x="628650" y="1825625"/>
-            <a:ext cx="6156198" cy="4351338"/>
-          </a:xfrm>
-        </p:spPr>
+        <p:spPr/>
         <p:txBody>
           <a:bodyPr/>
           <a:lstStyle/>
@@ -4942,123 +4879,39 @@
               <a:rPr lang="en-SG" sz="2400" dirty="0">
                 <a:latin typeface="Yanone Kaffeesatz Medium" pitchFamily="2" charset="0"/>
               </a:rPr>
-              <a:t>#include</a:t>
+              <a:t>#define</a:t>
             </a:r>
             <a:r>
               <a:rPr lang="en-SG" sz="2400" dirty="0"/>
-              <a:t> is a compiler directive</a:t>
-            </a:r>
-            <a:br>
+              <a:t> is a compiler directive and not a code statement.</a:t>
+            </a:r>
+          </a:p>
+          <a:p>
+            <a:r>
               <a:rPr lang="en-SG" sz="2400" dirty="0"/>
-            </a:br>
+              <a:t>Does not end with a semi-colon</a:t>
+            </a:r>
+          </a:p>
+          <a:p>
             <a:r>
               <a:rPr lang="en-SG" sz="2400" dirty="0"/>
-              <a:t>and not a code statement.</a:t>
-            </a:r>
-          </a:p>
-          <a:p>
-            <a:r>
-              <a:rPr lang="en-SG" sz="2400" dirty="0"/>
-              <a:t>Does not end with a</a:t>
-            </a:r>
-            <a:br>
-              <a:rPr lang="en-SG" sz="2400" dirty="0"/>
-            </a:br>
-            <a:r>
-              <a:rPr lang="en-SG" sz="2400" dirty="0"/>
-              <a:t>semi-colon</a:t>
-            </a:r>
-          </a:p>
-          <a:p>
-            <a:r>
-              <a:rPr lang="en-SG" sz="2400" dirty="0"/>
-              <a:t>Instructs the compiler to</a:t>
-            </a:r>
-            <a:br>
-              <a:rPr lang="en-SG" sz="2400" dirty="0"/>
-            </a:br>
-            <a:r>
-              <a:rPr lang="en-SG" sz="2400" dirty="0"/>
-              <a:t>read and insert code from</a:t>
-            </a:r>
-            <a:br>
-              <a:rPr lang="en-SG" sz="2400" dirty="0"/>
-            </a:br>
-            <a:r>
-              <a:rPr lang="en-SG" sz="2400" dirty="0"/>
-              <a:t>the target file</a:t>
-            </a:r>
-          </a:p>
-          <a:p>
-            <a:r>
-              <a:rPr lang="en-SG" sz="2400" dirty="0">
+              <a:t>Used to name a constant and assign the value</a:t>
+            </a:r>
+          </a:p>
+          <a:p>
+            <a:r>
+              <a:rPr lang="en-SG" sz="2400" dirty="0" err="1">
                 <a:solidFill>
                   <a:srgbClr val="FF0000"/>
                 </a:solidFill>
+                <a:latin typeface="Yanone Kaffeesatz Medium" pitchFamily="2" charset="0"/>
+                <a:hlinkClick r:id="rId3"/>
               </a:rPr>
-              <a:t>&lt;</a:t>
+              <a:t>const</a:t>
             </a:r>
             <a:r>
               <a:rPr lang="en-SG" sz="2400" dirty="0"/>
-              <a:t> </a:t>
-            </a:r>
-            <a:r>
-              <a:rPr lang="en-SG" sz="2400" dirty="0">
-                <a:latin typeface="Yanone Kaffeesatz Medium" pitchFamily="2" charset="0"/>
-              </a:rPr>
-              <a:t>file</a:t>
-            </a:r>
-            <a:r>
-              <a:rPr lang="en-SG" sz="2400" dirty="0"/>
-              <a:t> </a:t>
-            </a:r>
-            <a:r>
-              <a:rPr lang="en-SG" sz="2400" dirty="0">
-                <a:solidFill>
-                  <a:srgbClr val="FF0000"/>
-                </a:solidFill>
-              </a:rPr>
-              <a:t>&gt;</a:t>
-            </a:r>
-            <a:r>
-              <a:rPr lang="en-SG" sz="2400" dirty="0"/>
-              <a:t> indicates system library, found along the library path</a:t>
-            </a:r>
-          </a:p>
-          <a:p>
-            <a:r>
-              <a:rPr lang="en-SG" sz="2400" dirty="0">
-                <a:solidFill>
-                  <a:srgbClr val="FF0000"/>
-                </a:solidFill>
-              </a:rPr>
-              <a:t>“</a:t>
-            </a:r>
-            <a:r>
-              <a:rPr lang="en-SG" sz="2400" dirty="0"/>
-              <a:t> </a:t>
-            </a:r>
-            <a:r>
-              <a:rPr lang="en-SG" sz="2400" dirty="0">
-                <a:latin typeface="Yanone Kaffeesatz Medium" pitchFamily="2" charset="0"/>
-              </a:rPr>
-              <a:t>file</a:t>
-            </a:r>
-            <a:r>
-              <a:rPr lang="en-SG" sz="2400" dirty="0"/>
-              <a:t> </a:t>
-            </a:r>
-            <a:r>
-              <a:rPr lang="en-SG" sz="2400" dirty="0">
-                <a:solidFill>
-                  <a:srgbClr val="FF0000"/>
-                </a:solidFill>
-              </a:rPr>
-              <a:t>“</a:t>
-            </a:r>
-            <a:r>
-              <a:rPr lang="en-SG" sz="2400" dirty="0"/>
-              <a:t> indicates local file in same folder</a:t>
+              <a:t> is the preferred method of defining constants</a:t>
             </a:r>
             <a:endParaRPr lang="en-US" sz="2400" dirty="0"/>
           </a:p>
@@ -5088,6 +4941,330 @@
             <a:fld id="{CAB166B3-F268-4CEF-878A-CFB0D0D505D3}" type="slidenum">
               <a:rPr lang="en-US" smtClean="0"/>
               <a:t>16</a:t>
+            </a:fld>
+            <a:endParaRPr lang="en-US"/>
+          </a:p>
+        </p:txBody>
+      </p:sp>
+      <p:pic>
+        <p:nvPicPr>
+          <p:cNvPr id="9" name="Content Placeholder 8">
+            <a:extLst>
+              <a:ext uri="{FF2B5EF4-FFF2-40B4-BE49-F238E27FC236}">
+                <a16:creationId xmlns:a16="http://schemas.microsoft.com/office/drawing/2014/main" id="{8A405027-E8CF-4FF3-92FC-071A97893910}"/>
+              </a:ext>
+            </a:extLst>
+          </p:cNvPr>
+          <p:cNvPicPr>
+            <a:picLocks noGrp="1" noChangeAspect="1"/>
+          </p:cNvPicPr>
+          <p:nvPr>
+            <p:ph sz="half" idx="2"/>
+          </p:nvPr>
+        </p:nvPicPr>
+        <p:blipFill>
+          <a:blip r:embed="rId4"/>
+          <a:stretch>
+            <a:fillRect/>
+          </a:stretch>
+        </p:blipFill>
+        <p:spPr>
+          <a:xfrm>
+            <a:off x="4629150" y="1861106"/>
+            <a:ext cx="3886200" cy="1738343"/>
+          </a:xfrm>
+        </p:spPr>
+      </p:pic>
+      <p:sp>
+        <p:nvSpPr>
+          <p:cNvPr id="10" name="TextBox 9">
+            <a:extLst>
+              <a:ext uri="{FF2B5EF4-FFF2-40B4-BE49-F238E27FC236}">
+                <a16:creationId xmlns:a16="http://schemas.microsoft.com/office/drawing/2014/main" id="{EFCC7813-DBB4-40DE-9AA9-DDF8306C778B}"/>
+              </a:ext>
+            </a:extLst>
+          </p:cNvPr>
+          <p:cNvSpPr txBox="1"/>
+          <p:nvPr/>
+        </p:nvSpPr>
+        <p:spPr>
+          <a:xfrm>
+            <a:off x="6291072" y="3703320"/>
+            <a:ext cx="2600609" cy="584775"/>
+          </a:xfrm>
+          <a:prstGeom prst="rect">
+            <a:avLst/>
+          </a:prstGeom>
+          <a:noFill/>
+        </p:spPr>
+        <p:txBody>
+          <a:bodyPr wrap="square" rtlCol="0">
+            <a:spAutoFit/>
+          </a:bodyPr>
+          <a:lstStyle/>
+          <a:p>
+            <a:pPr algn="l"/>
+            <a:r>
+              <a:rPr lang="en-SG" sz="1600" dirty="0"/>
+              <a:t>Constants should be identified using </a:t>
+            </a:r>
+            <a:r>
+              <a:rPr lang="en-SG" sz="1600" dirty="0">
+                <a:solidFill>
+                  <a:srgbClr val="FF0000"/>
+                </a:solidFill>
+              </a:rPr>
+              <a:t>uppercase</a:t>
+            </a:r>
+            <a:endParaRPr lang="en-US" sz="1600" dirty="0">
+              <a:solidFill>
+                <a:srgbClr val="FF0000"/>
+              </a:solidFill>
+            </a:endParaRPr>
+          </a:p>
+        </p:txBody>
+      </p:sp>
+    </p:spTree>
+    <p:extLst>
+      <p:ext uri="{BB962C8B-B14F-4D97-AF65-F5344CB8AC3E}">
+        <p14:creationId xmlns:p14="http://schemas.microsoft.com/office/powerpoint/2010/main" val="4144671674"/>
+      </p:ext>
+    </p:extLst>
+  </p:cSld>
+  <p:clrMapOvr>
+    <a:masterClrMapping/>
+  </p:clrMapOvr>
+</p:sld>
+</file>
+
+<file path=ppt/slides/slide17.xml><?xml version="1.0" encoding="utf-8"?>
+<p:sld xmlns:a="http://schemas.openxmlformats.org/drawingml/2006/main" xmlns:r="http://schemas.openxmlformats.org/officeDocument/2006/relationships" xmlns:p="http://schemas.openxmlformats.org/presentationml/2006/main">
+  <p:cSld>
+    <p:spTree>
+      <p:nvGrpSpPr>
+        <p:cNvPr id="1" name=""/>
+        <p:cNvGrpSpPr/>
+        <p:nvPr/>
+      </p:nvGrpSpPr>
+      <p:grpSpPr>
+        <a:xfrm>
+          <a:off x="0" y="0"/>
+          <a:ext cx="0" cy="0"/>
+          <a:chOff x="0" y="0"/>
+          <a:chExt cx="0" cy="0"/>
+        </a:xfrm>
+      </p:grpSpPr>
+      <p:sp>
+        <p:nvSpPr>
+          <p:cNvPr id="2" name="Title 1">
+            <a:extLst>
+              <a:ext uri="{FF2B5EF4-FFF2-40B4-BE49-F238E27FC236}">
+                <a16:creationId xmlns:a16="http://schemas.microsoft.com/office/drawing/2014/main" id="{8DBCB48E-BA7F-49CA-BC2F-844B55E6B7DB}"/>
+              </a:ext>
+            </a:extLst>
+          </p:cNvPr>
+          <p:cNvSpPr>
+            <a:spLocks noGrp="1"/>
+          </p:cNvSpPr>
+          <p:nvPr>
+            <p:ph type="title"/>
+          </p:nvPr>
+        </p:nvSpPr>
+        <p:spPr/>
+        <p:txBody>
+          <a:bodyPr/>
+          <a:lstStyle/>
+          <a:p>
+            <a:r>
+              <a:rPr lang="en-SG" dirty="0"/>
+              <a:t>Directive:  </a:t>
+            </a:r>
+            <a:r>
+              <a:rPr lang="en-SG" dirty="0">
+                <a:hlinkClick r:id="rId2"/>
+              </a:rPr>
+              <a:t>#include</a:t>
+            </a:r>
+            <a:endParaRPr lang="en-US" dirty="0"/>
+          </a:p>
+        </p:txBody>
+      </p:sp>
+      <p:sp>
+        <p:nvSpPr>
+          <p:cNvPr id="3" name="Content Placeholder 2">
+            <a:extLst>
+              <a:ext uri="{FF2B5EF4-FFF2-40B4-BE49-F238E27FC236}">
+                <a16:creationId xmlns:a16="http://schemas.microsoft.com/office/drawing/2014/main" id="{00F0E609-DF4B-4ABF-B5A1-71CFA2E28A46}"/>
+              </a:ext>
+            </a:extLst>
+          </p:cNvPr>
+          <p:cNvSpPr>
+            <a:spLocks noGrp="1"/>
+          </p:cNvSpPr>
+          <p:nvPr>
+            <p:ph sz="half" idx="1"/>
+          </p:nvPr>
+        </p:nvSpPr>
+        <p:spPr>
+          <a:xfrm>
+            <a:off x="628650" y="1825625"/>
+            <a:ext cx="6156198" cy="4351338"/>
+          </a:xfrm>
+        </p:spPr>
+        <p:txBody>
+          <a:bodyPr/>
+          <a:lstStyle/>
+          <a:p>
+            <a:r>
+              <a:rPr lang="en-SG" sz="2400" dirty="0">
+                <a:latin typeface="Yanone Kaffeesatz Medium" pitchFamily="2" charset="0"/>
+              </a:rPr>
+              <a:t>#include</a:t>
+            </a:r>
+            <a:r>
+              <a:rPr lang="en-SG" sz="2400" dirty="0"/>
+              <a:t> is a compiler directive</a:t>
+            </a:r>
+            <a:br>
+              <a:rPr lang="en-SG" sz="2400" dirty="0"/>
+            </a:br>
+            <a:r>
+              <a:rPr lang="en-SG" sz="2400" dirty="0"/>
+              <a:t>and not a code statement.</a:t>
+            </a:r>
+          </a:p>
+          <a:p>
+            <a:r>
+              <a:rPr lang="en-SG" sz="2400" dirty="0"/>
+              <a:t>Does not end with a</a:t>
+            </a:r>
+            <a:br>
+              <a:rPr lang="en-SG" sz="2400" dirty="0"/>
+            </a:br>
+            <a:r>
+              <a:rPr lang="en-SG" sz="2400" dirty="0"/>
+              <a:t>semi-colon</a:t>
+            </a:r>
+          </a:p>
+          <a:p>
+            <a:r>
+              <a:rPr lang="en-SG" sz="2400" dirty="0"/>
+              <a:t>Instructs the compiler to</a:t>
+            </a:r>
+            <a:br>
+              <a:rPr lang="en-SG" sz="2400" dirty="0"/>
+            </a:br>
+            <a:r>
+              <a:rPr lang="en-SG" sz="2400" dirty="0"/>
+              <a:t>read and insert code from</a:t>
+            </a:r>
+            <a:br>
+              <a:rPr lang="en-SG" sz="2400" dirty="0"/>
+            </a:br>
+            <a:r>
+              <a:rPr lang="en-SG" sz="2400" dirty="0"/>
+              <a:t>the target file</a:t>
+            </a:r>
+          </a:p>
+          <a:p>
+            <a:r>
+              <a:rPr lang="en-SG" sz="2400" dirty="0">
+                <a:solidFill>
+                  <a:srgbClr val="FF0000"/>
+                </a:solidFill>
+              </a:rPr>
+              <a:t>&lt;</a:t>
+            </a:r>
+            <a:r>
+              <a:rPr lang="en-SG" sz="2400" dirty="0"/>
+              <a:t> </a:t>
+            </a:r>
+            <a:r>
+              <a:rPr lang="en-SG" sz="2400" dirty="0">
+                <a:latin typeface="Yanone Kaffeesatz Medium" pitchFamily="2" charset="0"/>
+              </a:rPr>
+              <a:t>file</a:t>
+            </a:r>
+            <a:r>
+              <a:rPr lang="en-SG" sz="2400" dirty="0"/>
+              <a:t> </a:t>
+            </a:r>
+            <a:r>
+              <a:rPr lang="en-SG" sz="2400" dirty="0">
+                <a:solidFill>
+                  <a:srgbClr val="FF0000"/>
+                </a:solidFill>
+              </a:rPr>
+              <a:t>&gt;</a:t>
+            </a:r>
+            <a:r>
+              <a:rPr lang="en-SG" sz="2400" dirty="0"/>
+              <a:t> indicates system library, found along the library path</a:t>
+            </a:r>
+          </a:p>
+          <a:p>
+            <a:r>
+              <a:rPr lang="en-SG" sz="2400" dirty="0">
+                <a:solidFill>
+                  <a:srgbClr val="FF0000"/>
+                </a:solidFill>
+              </a:rPr>
+              <a:t>“</a:t>
+            </a:r>
+            <a:r>
+              <a:rPr lang="en-SG" sz="2400" dirty="0"/>
+              <a:t> </a:t>
+            </a:r>
+            <a:r>
+              <a:rPr lang="en-SG" sz="2400" dirty="0">
+                <a:latin typeface="Yanone Kaffeesatz Medium" pitchFamily="2" charset="0"/>
+              </a:rPr>
+              <a:t>file</a:t>
+            </a:r>
+            <a:r>
+              <a:rPr lang="en-SG" sz="2400" dirty="0"/>
+              <a:t> </a:t>
+            </a:r>
+            <a:r>
+              <a:rPr lang="en-SG" sz="2400" dirty="0">
+                <a:solidFill>
+                  <a:srgbClr val="FF0000"/>
+                </a:solidFill>
+              </a:rPr>
+              <a:t>“</a:t>
+            </a:r>
+            <a:r>
+              <a:rPr lang="en-SG" sz="2400" dirty="0"/>
+              <a:t> indicates local file in same folder</a:t>
+            </a:r>
+            <a:endParaRPr lang="en-US" sz="2400" dirty="0"/>
+          </a:p>
+        </p:txBody>
+      </p:sp>
+      <p:sp>
+        <p:nvSpPr>
+          <p:cNvPr id="5" name="Slide Number Placeholder 4">
+            <a:extLst>
+              <a:ext uri="{FF2B5EF4-FFF2-40B4-BE49-F238E27FC236}">
+                <a16:creationId xmlns:a16="http://schemas.microsoft.com/office/drawing/2014/main" id="{AB77F8BB-EE45-46FC-B954-A6285D864120}"/>
+              </a:ext>
+            </a:extLst>
+          </p:cNvPr>
+          <p:cNvSpPr>
+            <a:spLocks noGrp="1"/>
+          </p:cNvSpPr>
+          <p:nvPr>
+            <p:ph type="sldNum" sz="quarter" idx="12"/>
+          </p:nvPr>
+        </p:nvSpPr>
+        <p:spPr/>
+        <p:txBody>
+          <a:bodyPr/>
+          <a:lstStyle/>
+          <a:p>
+            <a:fld id="{CAB166B3-F268-4CEF-878A-CFB0D0D505D3}" type="slidenum">
+              <a:rPr lang="en-US" smtClean="0"/>
+              <a:t>17</a:t>
             </a:fld>
             <a:endParaRPr lang="en-US"/>
           </a:p>
@@ -5135,7 +5312,7 @@
 </p:sld>
 </file>
 
-<file path=ppt/slides/slide17.xml><?xml version="1.0" encoding="utf-8"?>
+<file path=ppt/slides/slide18.xml><?xml version="1.0" encoding="utf-8"?>
 <p:sld xmlns:a="http://schemas.openxmlformats.org/drawingml/2006/main" xmlns:r="http://schemas.openxmlformats.org/officeDocument/2006/relationships" xmlns:p="http://schemas.openxmlformats.org/presentationml/2006/main">
   <p:cSld>
     <p:spTree>
@@ -5406,7 +5583,7 @@
         </p:blipFill>
         <p:spPr>
           <a:xfrm>
-            <a:off x="4818138" y="1324356"/>
+            <a:off x="5284482" y="1141476"/>
             <a:ext cx="2803861" cy="3960876"/>
           </a:xfrm>
           <a:prstGeom prst="rect">
@@ -5433,7 +5610,7 @@
         </p:nvSpPr>
         <p:spPr>
           <a:xfrm>
-            <a:off x="4864608" y="5422392"/>
+            <a:off x="5330952" y="5239512"/>
             <a:ext cx="2796599" cy="830997"/>
           </a:xfrm>
           <a:prstGeom prst="rect">
